--- a/02.SB/4학년/1차/duk_04_05_0003_v5.pptx
+++ b/02.SB/4학년/1차/duk_04_05_0003_v5.pptx
@@ -472,17 +472,7 @@
                 <a:latin typeface="여기어때 잘난체" pitchFamily="50" charset="-127"/>
                 <a:ea typeface="여기어때 잘난체" pitchFamily="50" charset="-127"/>
               </a:rPr>
-              <a:t> </a:t>
-            </a:r>
-            <a:r>
-              <a:rPr lang="ko-KR" altLang="en-US" sz="1700" dirty="0" smtClean="0">
-                <a:solidFill>
-                  <a:schemeClr val="accent2"/>
-                </a:solidFill>
-                <a:latin typeface="여기어때 잘난체" pitchFamily="50" charset="-127"/>
-                <a:ea typeface="여기어때 잘난체" pitchFamily="50" charset="-127"/>
-              </a:rPr>
-              <a:t>통합 </a:t>
+              <a:t> 통합 </a:t>
             </a:r>
             <a:r>
               <a:rPr lang="en-US" altLang="ko-KR" sz="1700" dirty="0">
@@ -904,7 +894,7 @@
           <a:lstStyle/>
           <a:p>
             <a:r>
-              <a:rPr lang="ko-KR" altLang="en-US" sz="2000" dirty="0" smtClean="0">
+              <a:rPr lang="ko-KR" altLang="en-US" sz="2000" dirty="0">
                 <a:solidFill>
                   <a:srgbClr val="333333">
                     <a:lumMod val="75000"/>
@@ -915,15 +905,6 @@
               </a:rPr>
               <a:t>도덕</a:t>
             </a:r>
-            <a:endParaRPr lang="ko-KR" altLang="en-US" sz="2000" dirty="0">
-              <a:solidFill>
-                <a:srgbClr val="333333">
-                  <a:lumMod val="75000"/>
-                </a:srgbClr>
-              </a:solidFill>
-              <a:latin typeface="Noto Sans KR ExtraBold" panose="020B0200000000000000" pitchFamily="50" charset="-127"/>
-              <a:ea typeface="Noto Sans KR ExtraBold" panose="020B0200000000000000" pitchFamily="50" charset="-127"/>
-            </a:endParaRPr>
           </a:p>
         </p:txBody>
       </p:sp>
@@ -982,7 +963,7 @@
           <a:p>
             <a:pPr lvl="0"/>
             <a:r>
-              <a:rPr lang="en-US" altLang="ko-KR" dirty="0" smtClean="0"/>
+              <a:rPr lang="en-US" altLang="ko-KR" dirty="0"/>
               <a:t>duk_0n_0n_000n</a:t>
             </a:r>
             <a:endParaRPr lang="ko-KR" altLang="en-US" dirty="0"/>
@@ -1044,10 +1025,9 @@
           <a:p>
             <a:pPr lvl="0"/>
             <a:r>
-              <a:rPr lang="ko-KR" altLang="en-US" dirty="0" smtClean="0"/>
+              <a:rPr lang="ko-KR" altLang="en-US" dirty="0"/>
               <a:t>이영현</a:t>
             </a:r>
-            <a:endParaRPr lang="ko-KR" altLang="en-US" dirty="0"/>
           </a:p>
         </p:txBody>
       </p:sp>
@@ -1080,7 +1060,7 @@
           <a:lstStyle/>
           <a:p>
             <a:r>
-              <a:rPr lang="ko-KR" altLang="en-US" sz="2000" dirty="0" smtClean="0">
+              <a:rPr lang="ko-KR" altLang="en-US" sz="2000" dirty="0">
                 <a:solidFill>
                   <a:srgbClr val="333333">
                     <a:lumMod val="75000"/>
@@ -1091,15 +1071,6 @@
               </a:rPr>
               <a:t>이영현</a:t>
             </a:r>
-            <a:endParaRPr lang="ko-KR" altLang="en-US" sz="2000" dirty="0">
-              <a:solidFill>
-                <a:srgbClr val="333333">
-                  <a:lumMod val="75000"/>
-                </a:srgbClr>
-              </a:solidFill>
-              <a:latin typeface="Noto Sans KR ExtraBold" panose="020B0200000000000000" pitchFamily="50" charset="-127"/>
-              <a:ea typeface="Noto Sans KR ExtraBold" panose="020B0200000000000000" pitchFamily="50" charset="-127"/>
-            </a:endParaRPr>
           </a:p>
         </p:txBody>
       </p:sp>
@@ -1143,7 +1114,7 @@
               <a:t>[ </a:t>
             </a:r>
             <a:r>
-              <a:rPr lang="ko-KR" altLang="en-US" sz="1800" dirty="0" err="1" smtClean="0">
+              <a:rPr lang="ko-KR" altLang="en-US" sz="1800" dirty="0" err="1">
                 <a:solidFill>
                   <a:srgbClr val="D5C3BF">
                     <a:lumMod val="50000"/>
@@ -1155,7 +1126,7 @@
               <a:t>수업명</a:t>
             </a:r>
             <a:r>
-              <a:rPr lang="ko-KR" altLang="en-US" sz="1800" dirty="0" smtClean="0">
+              <a:rPr lang="ko-KR" altLang="en-US" sz="1800" dirty="0">
                 <a:solidFill>
                   <a:srgbClr val="D5C3BF">
                     <a:lumMod val="50000"/>
@@ -1245,7 +1216,7 @@
           <a:p>
             <a:pPr lvl="0"/>
             <a:r>
-              <a:rPr lang="en-US" altLang="ko-KR" dirty="0" smtClean="0"/>
+              <a:rPr lang="en-US" altLang="ko-KR" dirty="0"/>
               <a:t>##############</a:t>
             </a:r>
             <a:endParaRPr lang="ko-KR" altLang="en-US" dirty="0"/>
@@ -1499,19 +1470,19 @@
           <a:p>
             <a:pPr lvl="0"/>
             <a:r>
-              <a:rPr lang="ko-KR" altLang="en-US" dirty="0" err="1" smtClean="0"/>
+              <a:rPr lang="ko-KR" altLang="en-US" dirty="0" err="1"/>
               <a:t>소발문</a:t>
             </a:r>
             <a:r>
-              <a:rPr lang="en-US" altLang="ko-KR" dirty="0" smtClean="0"/>
+              <a:rPr lang="en-US" altLang="ko-KR" dirty="0"/>
               <a:t>_</a:t>
             </a:r>
             <a:r>
-              <a:rPr lang="ko-KR" altLang="en-US" dirty="0" smtClean="0"/>
+              <a:rPr lang="ko-KR" altLang="en-US" dirty="0"/>
               <a:t>탭 없을 때</a:t>
             </a:r>
             <a:r>
-              <a:rPr lang="en-US" altLang="ko-KR" dirty="0" smtClean="0"/>
+              <a:rPr lang="en-US" altLang="ko-KR" dirty="0"/>
               <a:t>(1367 X 86.5px)</a:t>
             </a:r>
             <a:endParaRPr lang="ko-KR" altLang="en-US" dirty="0"/>
@@ -2167,19 +2138,19 @@
           <a:p>
             <a:pPr lvl="0"/>
             <a:r>
-              <a:rPr lang="ko-KR" altLang="en-US" dirty="0" err="1" smtClean="0"/>
+              <a:rPr lang="ko-KR" altLang="en-US" dirty="0" err="1"/>
               <a:t>소발문</a:t>
             </a:r>
             <a:r>
-              <a:rPr lang="en-US" altLang="ko-KR" dirty="0" smtClean="0"/>
+              <a:rPr lang="en-US" altLang="ko-KR" dirty="0"/>
               <a:t>_</a:t>
             </a:r>
             <a:r>
-              <a:rPr lang="ko-KR" altLang="en-US" dirty="0" smtClean="0"/>
+              <a:rPr lang="ko-KR" altLang="en-US" dirty="0"/>
               <a:t>탭보다 짧을 때</a:t>
             </a:r>
             <a:r>
-              <a:rPr lang="en-US" altLang="ko-KR" dirty="0" smtClean="0"/>
+              <a:rPr lang="en-US" altLang="ko-KR" dirty="0"/>
               <a:t>(1367 X 86.5px)</a:t>
             </a:r>
             <a:endParaRPr lang="ko-KR" altLang="en-US" dirty="0"/>
@@ -3146,19 +3117,19 @@
           <a:p>
             <a:pPr lvl="0"/>
             <a:r>
-              <a:rPr lang="ko-KR" altLang="en-US" dirty="0" err="1" smtClean="0"/>
+              <a:rPr lang="ko-KR" altLang="en-US" dirty="0" err="1"/>
               <a:t>소발문</a:t>
             </a:r>
             <a:r>
-              <a:rPr lang="en-US" altLang="ko-KR" dirty="0" smtClean="0"/>
+              <a:rPr lang="en-US" altLang="ko-KR" dirty="0"/>
               <a:t>_</a:t>
             </a:r>
             <a:r>
-              <a:rPr lang="ko-KR" altLang="en-US" dirty="0" smtClean="0"/>
+              <a:rPr lang="ko-KR" altLang="en-US" dirty="0"/>
               <a:t>탭보다 짧을 때</a:t>
             </a:r>
             <a:r>
-              <a:rPr lang="en-US" altLang="ko-KR" dirty="0" smtClean="0"/>
+              <a:rPr lang="en-US" altLang="ko-KR" dirty="0"/>
               <a:t>(1367 X 86.5px)</a:t>
             </a:r>
             <a:endParaRPr lang="ko-KR" altLang="en-US" dirty="0"/>
@@ -4125,19 +4096,19 @@
           <a:p>
             <a:pPr lvl="0"/>
             <a:r>
-              <a:rPr lang="ko-KR" altLang="en-US" dirty="0" err="1" smtClean="0"/>
+              <a:rPr lang="ko-KR" altLang="en-US" dirty="0" err="1"/>
               <a:t>소발문</a:t>
             </a:r>
             <a:r>
-              <a:rPr lang="en-US" altLang="ko-KR" dirty="0" smtClean="0"/>
+              <a:rPr lang="en-US" altLang="ko-KR" dirty="0"/>
               <a:t>_</a:t>
             </a:r>
             <a:r>
-              <a:rPr lang="ko-KR" altLang="en-US" dirty="0" smtClean="0"/>
+              <a:rPr lang="ko-KR" altLang="en-US" dirty="0"/>
               <a:t>탭보다 짧을 때</a:t>
             </a:r>
             <a:r>
-              <a:rPr lang="en-US" altLang="ko-KR" dirty="0" smtClean="0"/>
+              <a:rPr lang="en-US" altLang="ko-KR" dirty="0"/>
               <a:t>(1367 X 86.5px)</a:t>
             </a:r>
             <a:endParaRPr lang="ko-KR" altLang="en-US" dirty="0"/>
@@ -5104,19 +5075,19 @@
           <a:p>
             <a:pPr lvl="0"/>
             <a:r>
-              <a:rPr lang="ko-KR" altLang="en-US" dirty="0" err="1" smtClean="0"/>
+              <a:rPr lang="ko-KR" altLang="en-US" dirty="0" err="1"/>
               <a:t>소발문</a:t>
             </a:r>
             <a:r>
-              <a:rPr lang="en-US" altLang="ko-KR" dirty="0" smtClean="0"/>
+              <a:rPr lang="en-US" altLang="ko-KR" dirty="0"/>
               <a:t>_</a:t>
             </a:r>
             <a:r>
-              <a:rPr lang="ko-KR" altLang="en-US" dirty="0" smtClean="0"/>
+              <a:rPr lang="ko-KR" altLang="en-US" dirty="0"/>
               <a:t>탭보다 짧을 때</a:t>
             </a:r>
             <a:r>
-              <a:rPr lang="en-US" altLang="ko-KR" dirty="0" smtClean="0"/>
+              <a:rPr lang="en-US" altLang="ko-KR" dirty="0"/>
               <a:t>(1367 X 86.5px)</a:t>
             </a:r>
             <a:endParaRPr lang="ko-KR" altLang="en-US" dirty="0"/>
@@ -6083,19 +6054,19 @@
           <a:p>
             <a:pPr lvl="0"/>
             <a:r>
-              <a:rPr lang="ko-KR" altLang="en-US" dirty="0" err="1" smtClean="0"/>
+              <a:rPr lang="ko-KR" altLang="en-US" dirty="0" err="1"/>
               <a:t>소발문</a:t>
             </a:r>
             <a:r>
-              <a:rPr lang="en-US" altLang="ko-KR" dirty="0" smtClean="0"/>
+              <a:rPr lang="en-US" altLang="ko-KR" dirty="0"/>
               <a:t>_</a:t>
             </a:r>
             <a:r>
-              <a:rPr lang="ko-KR" altLang="en-US" dirty="0" smtClean="0"/>
+              <a:rPr lang="ko-KR" altLang="en-US" dirty="0"/>
               <a:t>탭보다 짧을 때</a:t>
             </a:r>
             <a:r>
-              <a:rPr lang="en-US" altLang="ko-KR" dirty="0" smtClean="0"/>
+              <a:rPr lang="en-US" altLang="ko-KR" dirty="0"/>
               <a:t>(1367 X 86.5px)</a:t>
             </a:r>
             <a:endParaRPr lang="ko-KR" altLang="en-US" dirty="0"/>
@@ -7325,19 +7296,19 @@
           <a:p>
             <a:pPr lvl="0"/>
             <a:r>
-              <a:rPr lang="ko-KR" altLang="en-US" dirty="0" err="1" smtClean="0"/>
+              <a:rPr lang="ko-KR" altLang="en-US" dirty="0" err="1"/>
               <a:t>소발문</a:t>
             </a:r>
             <a:r>
-              <a:rPr lang="en-US" altLang="ko-KR" dirty="0" smtClean="0"/>
+              <a:rPr lang="en-US" altLang="ko-KR" dirty="0"/>
               <a:t>_</a:t>
             </a:r>
             <a:r>
-              <a:rPr lang="ko-KR" altLang="en-US" dirty="0" smtClean="0"/>
+              <a:rPr lang="ko-KR" altLang="en-US" dirty="0"/>
               <a:t>탭만큼 발문 길어질 때</a:t>
             </a:r>
             <a:r>
-              <a:rPr lang="en-US" altLang="ko-KR" dirty="0" smtClean="0"/>
+              <a:rPr lang="en-US" altLang="ko-KR" dirty="0"/>
               <a:t>(1367 X 106.5px)</a:t>
             </a:r>
             <a:endParaRPr lang="ko-KR" altLang="en-US" dirty="0"/>
@@ -8256,19 +8227,19 @@
           <a:p>
             <a:pPr lvl="0"/>
             <a:r>
-              <a:rPr lang="ko-KR" altLang="en-US" dirty="0" err="1" smtClean="0"/>
+              <a:rPr lang="ko-KR" altLang="en-US" dirty="0" err="1"/>
               <a:t>소발문</a:t>
             </a:r>
             <a:r>
-              <a:rPr lang="en-US" altLang="ko-KR" dirty="0" smtClean="0"/>
+              <a:rPr lang="en-US" altLang="ko-KR" dirty="0"/>
               <a:t>_</a:t>
             </a:r>
             <a:r>
-              <a:rPr lang="ko-KR" altLang="en-US" dirty="0" smtClean="0"/>
+              <a:rPr lang="ko-KR" altLang="en-US" dirty="0"/>
               <a:t>탭만큼 발문 길어질 때</a:t>
             </a:r>
             <a:r>
-              <a:rPr lang="en-US" altLang="ko-KR" dirty="0" smtClean="0"/>
+              <a:rPr lang="en-US" altLang="ko-KR" dirty="0"/>
               <a:t>(1367 X 106.5px)</a:t>
             </a:r>
             <a:endParaRPr lang="ko-KR" altLang="en-US" dirty="0"/>
@@ -9187,19 +9158,19 @@
           <a:p>
             <a:pPr lvl="0"/>
             <a:r>
-              <a:rPr lang="ko-KR" altLang="en-US" dirty="0" err="1" smtClean="0"/>
+              <a:rPr lang="ko-KR" altLang="en-US" dirty="0" err="1"/>
               <a:t>소발문</a:t>
             </a:r>
             <a:r>
-              <a:rPr lang="en-US" altLang="ko-KR" dirty="0" smtClean="0"/>
+              <a:rPr lang="en-US" altLang="ko-KR" dirty="0"/>
               <a:t>_</a:t>
             </a:r>
             <a:r>
-              <a:rPr lang="ko-KR" altLang="en-US" dirty="0" smtClean="0"/>
+              <a:rPr lang="ko-KR" altLang="en-US" dirty="0"/>
               <a:t>탭만큼 발문 길어질 때</a:t>
             </a:r>
             <a:r>
-              <a:rPr lang="en-US" altLang="ko-KR" dirty="0" smtClean="0"/>
+              <a:rPr lang="en-US" altLang="ko-KR" dirty="0"/>
               <a:t>(1367 X 106.5px)</a:t>
             </a:r>
             <a:endParaRPr lang="ko-KR" altLang="en-US" dirty="0"/>
@@ -10118,19 +10089,19 @@
           <a:p>
             <a:pPr lvl="0"/>
             <a:r>
-              <a:rPr lang="ko-KR" altLang="en-US" dirty="0" err="1" smtClean="0"/>
+              <a:rPr lang="ko-KR" altLang="en-US" dirty="0" err="1"/>
               <a:t>소발문</a:t>
             </a:r>
             <a:r>
-              <a:rPr lang="en-US" altLang="ko-KR" dirty="0" smtClean="0"/>
+              <a:rPr lang="en-US" altLang="ko-KR" dirty="0"/>
               <a:t>_</a:t>
             </a:r>
             <a:r>
-              <a:rPr lang="ko-KR" altLang="en-US" dirty="0" smtClean="0"/>
+              <a:rPr lang="ko-KR" altLang="en-US" dirty="0"/>
               <a:t>탭만큼 발문 길어질 때</a:t>
             </a:r>
             <a:r>
-              <a:rPr lang="en-US" altLang="ko-KR" dirty="0" smtClean="0"/>
+              <a:rPr lang="en-US" altLang="ko-KR" dirty="0"/>
               <a:t>(1367 X 106.5px)</a:t>
             </a:r>
             <a:endParaRPr lang="ko-KR" altLang="en-US" dirty="0"/>
@@ -11079,19 +11050,19 @@
           <a:p>
             <a:pPr lvl="0"/>
             <a:r>
-              <a:rPr lang="ko-KR" altLang="en-US" dirty="0" err="1" smtClean="0"/>
+              <a:rPr lang="ko-KR" altLang="en-US" dirty="0" err="1"/>
               <a:t>소발문</a:t>
             </a:r>
             <a:r>
-              <a:rPr lang="en-US" altLang="ko-KR" dirty="0" smtClean="0"/>
+              <a:rPr lang="en-US" altLang="ko-KR" dirty="0"/>
               <a:t>_</a:t>
             </a:r>
             <a:r>
-              <a:rPr lang="ko-KR" altLang="en-US" dirty="0" smtClean="0"/>
+              <a:rPr lang="ko-KR" altLang="en-US" dirty="0"/>
               <a:t>탭만큼 발문 길어질 때</a:t>
             </a:r>
             <a:r>
-              <a:rPr lang="en-US" altLang="ko-KR" dirty="0" smtClean="0"/>
+              <a:rPr lang="en-US" altLang="ko-KR" dirty="0"/>
               <a:t>(1367 X 106.5px)</a:t>
             </a:r>
             <a:endParaRPr lang="ko-KR" altLang="en-US" dirty="0"/>
@@ -11701,43 +11672,43 @@
           <a:p>
             <a:pPr lvl="0"/>
             <a:r>
-              <a:rPr lang="ko-KR" altLang="en-US" dirty="0" err="1" smtClean="0"/>
+              <a:rPr lang="ko-KR" altLang="en-US" dirty="0" err="1"/>
               <a:t>소발문</a:t>
             </a:r>
             <a:r>
-              <a:rPr lang="en-US" altLang="ko-KR" dirty="0" smtClean="0"/>
+              <a:rPr lang="en-US" altLang="ko-KR" dirty="0"/>
               <a:t>_2</a:t>
             </a:r>
             <a:r>
-              <a:rPr lang="ko-KR" altLang="en-US" dirty="0" smtClean="0"/>
+              <a:rPr lang="ko-KR" altLang="en-US" dirty="0"/>
               <a:t>줄</a:t>
             </a:r>
             <a:r>
-              <a:rPr lang="en-US" altLang="ko-KR" dirty="0" smtClean="0"/>
+              <a:rPr lang="en-US" altLang="ko-KR" dirty="0"/>
               <a:t>+</a:t>
             </a:r>
             <a:r>
-              <a:rPr lang="ko-KR" altLang="en-US" dirty="0" smtClean="0"/>
+              <a:rPr lang="ko-KR" altLang="en-US" dirty="0"/>
               <a:t>탭보다 짧을 때</a:t>
             </a:r>
             <a:r>
-              <a:rPr lang="en-US" altLang="ko-KR" dirty="0" smtClean="0"/>
+              <a:rPr lang="en-US" altLang="ko-KR" dirty="0"/>
               <a:t>(1367 X 145px)</a:t>
             </a:r>
             <a:r>
-              <a:rPr lang="ko-KR" altLang="en-US" dirty="0" smtClean="0"/>
+              <a:rPr lang="ko-KR" altLang="en-US" dirty="0"/>
               <a:t> 두 줄이 들어가는 </a:t>
             </a:r>
             <a:r>
-              <a:rPr lang="ko-KR" altLang="en-US" dirty="0" err="1" smtClean="0"/>
+              <a:rPr lang="ko-KR" altLang="en-US" dirty="0" err="1"/>
               <a:t>영역입니당</a:t>
             </a:r>
             <a:r>
-              <a:rPr lang="ko-KR" altLang="en-US" dirty="0" smtClean="0"/>
+              <a:rPr lang="ko-KR" altLang="en-US" dirty="0"/>
               <a:t> 채워서 써주세요</a:t>
             </a:r>
             <a:r>
-              <a:rPr lang="en-US" altLang="ko-KR" dirty="0" smtClean="0"/>
+              <a:rPr lang="en-US" altLang="ko-KR" dirty="0"/>
               <a:t>!</a:t>
             </a:r>
           </a:p>
@@ -12657,43 +12628,43 @@
           <a:p>
             <a:pPr lvl="0"/>
             <a:r>
-              <a:rPr lang="ko-KR" altLang="en-US" dirty="0" err="1" smtClean="0"/>
+              <a:rPr lang="ko-KR" altLang="en-US" dirty="0" err="1"/>
               <a:t>소발문</a:t>
             </a:r>
             <a:r>
-              <a:rPr lang="en-US" altLang="ko-KR" dirty="0" smtClean="0"/>
+              <a:rPr lang="en-US" altLang="ko-KR" dirty="0"/>
               <a:t>_2</a:t>
             </a:r>
             <a:r>
-              <a:rPr lang="ko-KR" altLang="en-US" dirty="0" smtClean="0"/>
+              <a:rPr lang="ko-KR" altLang="en-US" dirty="0"/>
               <a:t>줄</a:t>
             </a:r>
             <a:r>
-              <a:rPr lang="en-US" altLang="ko-KR" dirty="0" smtClean="0"/>
+              <a:rPr lang="en-US" altLang="ko-KR" dirty="0"/>
               <a:t>+</a:t>
             </a:r>
             <a:r>
-              <a:rPr lang="ko-KR" altLang="en-US" dirty="0" smtClean="0"/>
+              <a:rPr lang="ko-KR" altLang="en-US" dirty="0"/>
               <a:t>탭보다 짧을 때</a:t>
             </a:r>
             <a:r>
-              <a:rPr lang="en-US" altLang="ko-KR" dirty="0" smtClean="0"/>
+              <a:rPr lang="en-US" altLang="ko-KR" dirty="0"/>
               <a:t>(1367 X 145px)</a:t>
             </a:r>
             <a:r>
-              <a:rPr lang="ko-KR" altLang="en-US" dirty="0" smtClean="0"/>
+              <a:rPr lang="ko-KR" altLang="en-US" dirty="0"/>
               <a:t> 두 줄이 들어가는 </a:t>
             </a:r>
             <a:r>
-              <a:rPr lang="ko-KR" altLang="en-US" dirty="0" err="1" smtClean="0"/>
+              <a:rPr lang="ko-KR" altLang="en-US" dirty="0" err="1"/>
               <a:t>영역입니당</a:t>
             </a:r>
             <a:r>
-              <a:rPr lang="ko-KR" altLang="en-US" dirty="0" smtClean="0"/>
+              <a:rPr lang="ko-KR" altLang="en-US" dirty="0"/>
               <a:t> 채워서 써주세요</a:t>
             </a:r>
             <a:r>
-              <a:rPr lang="en-US" altLang="ko-KR" dirty="0" smtClean="0"/>
+              <a:rPr lang="en-US" altLang="ko-KR" dirty="0"/>
               <a:t>!</a:t>
             </a:r>
           </a:p>
@@ -13613,43 +13584,43 @@
           <a:p>
             <a:pPr lvl="0"/>
             <a:r>
-              <a:rPr lang="ko-KR" altLang="en-US" dirty="0" err="1" smtClean="0"/>
+              <a:rPr lang="ko-KR" altLang="en-US" dirty="0" err="1"/>
               <a:t>소발문</a:t>
             </a:r>
             <a:r>
-              <a:rPr lang="en-US" altLang="ko-KR" dirty="0" smtClean="0"/>
+              <a:rPr lang="en-US" altLang="ko-KR" dirty="0"/>
               <a:t>_2</a:t>
             </a:r>
             <a:r>
-              <a:rPr lang="ko-KR" altLang="en-US" dirty="0" smtClean="0"/>
+              <a:rPr lang="ko-KR" altLang="en-US" dirty="0"/>
               <a:t>줄</a:t>
             </a:r>
             <a:r>
-              <a:rPr lang="en-US" altLang="ko-KR" dirty="0" smtClean="0"/>
+              <a:rPr lang="en-US" altLang="ko-KR" dirty="0"/>
               <a:t>+</a:t>
             </a:r>
             <a:r>
-              <a:rPr lang="ko-KR" altLang="en-US" dirty="0" smtClean="0"/>
+              <a:rPr lang="ko-KR" altLang="en-US" dirty="0"/>
               <a:t>탭보다 짧을 때</a:t>
             </a:r>
             <a:r>
-              <a:rPr lang="en-US" altLang="ko-KR" dirty="0" smtClean="0"/>
+              <a:rPr lang="en-US" altLang="ko-KR" dirty="0"/>
               <a:t>(1367 X 145px)</a:t>
             </a:r>
             <a:r>
-              <a:rPr lang="ko-KR" altLang="en-US" dirty="0" smtClean="0"/>
+              <a:rPr lang="ko-KR" altLang="en-US" dirty="0"/>
               <a:t> 두 줄이 들어가는 </a:t>
             </a:r>
             <a:r>
-              <a:rPr lang="ko-KR" altLang="en-US" dirty="0" err="1" smtClean="0"/>
+              <a:rPr lang="ko-KR" altLang="en-US" dirty="0" err="1"/>
               <a:t>영역입니당</a:t>
             </a:r>
             <a:r>
-              <a:rPr lang="ko-KR" altLang="en-US" dirty="0" smtClean="0"/>
+              <a:rPr lang="ko-KR" altLang="en-US" dirty="0"/>
               <a:t> 채워서 써주세요</a:t>
             </a:r>
             <a:r>
-              <a:rPr lang="en-US" altLang="ko-KR" dirty="0" smtClean="0"/>
+              <a:rPr lang="en-US" altLang="ko-KR" dirty="0"/>
               <a:t>!</a:t>
             </a:r>
           </a:p>
@@ -14569,43 +14540,43 @@
           <a:p>
             <a:pPr lvl="0"/>
             <a:r>
-              <a:rPr lang="ko-KR" altLang="en-US" dirty="0" err="1" smtClean="0"/>
+              <a:rPr lang="ko-KR" altLang="en-US" dirty="0" err="1"/>
               <a:t>소발문</a:t>
             </a:r>
             <a:r>
-              <a:rPr lang="en-US" altLang="ko-KR" dirty="0" smtClean="0"/>
+              <a:rPr lang="en-US" altLang="ko-KR" dirty="0"/>
               <a:t>_2</a:t>
             </a:r>
             <a:r>
-              <a:rPr lang="ko-KR" altLang="en-US" dirty="0" smtClean="0"/>
+              <a:rPr lang="ko-KR" altLang="en-US" dirty="0"/>
               <a:t>줄</a:t>
             </a:r>
             <a:r>
-              <a:rPr lang="en-US" altLang="ko-KR" dirty="0" smtClean="0"/>
+              <a:rPr lang="en-US" altLang="ko-KR" dirty="0"/>
               <a:t>+</a:t>
             </a:r>
             <a:r>
-              <a:rPr lang="ko-KR" altLang="en-US" dirty="0" smtClean="0"/>
+              <a:rPr lang="ko-KR" altLang="en-US" dirty="0"/>
               <a:t>탭보다 짧을 때</a:t>
             </a:r>
             <a:r>
-              <a:rPr lang="en-US" altLang="ko-KR" dirty="0" smtClean="0"/>
+              <a:rPr lang="en-US" altLang="ko-KR" dirty="0"/>
               <a:t>(1367 X 145px)</a:t>
             </a:r>
             <a:r>
-              <a:rPr lang="ko-KR" altLang="en-US" dirty="0" smtClean="0"/>
+              <a:rPr lang="ko-KR" altLang="en-US" dirty="0"/>
               <a:t> 두 줄이 들어가는 </a:t>
             </a:r>
             <a:r>
-              <a:rPr lang="ko-KR" altLang="en-US" dirty="0" err="1" smtClean="0"/>
+              <a:rPr lang="ko-KR" altLang="en-US" dirty="0" err="1"/>
               <a:t>영역입니당</a:t>
             </a:r>
             <a:r>
-              <a:rPr lang="ko-KR" altLang="en-US" dirty="0" smtClean="0"/>
+              <a:rPr lang="ko-KR" altLang="en-US" dirty="0"/>
               <a:t> 채워서 써주세요</a:t>
             </a:r>
             <a:r>
-              <a:rPr lang="en-US" altLang="ko-KR" dirty="0" smtClean="0"/>
+              <a:rPr lang="en-US" altLang="ko-KR" dirty="0"/>
               <a:t>!</a:t>
             </a:r>
           </a:p>
@@ -15525,43 +15496,43 @@
           <a:p>
             <a:pPr lvl="0"/>
             <a:r>
-              <a:rPr lang="ko-KR" altLang="en-US" dirty="0" err="1" smtClean="0"/>
+              <a:rPr lang="ko-KR" altLang="en-US" dirty="0" err="1"/>
               <a:t>소발문</a:t>
             </a:r>
             <a:r>
-              <a:rPr lang="en-US" altLang="ko-KR" dirty="0" smtClean="0"/>
+              <a:rPr lang="en-US" altLang="ko-KR" dirty="0"/>
               <a:t>_2</a:t>
             </a:r>
             <a:r>
-              <a:rPr lang="ko-KR" altLang="en-US" dirty="0" smtClean="0"/>
+              <a:rPr lang="ko-KR" altLang="en-US" dirty="0"/>
               <a:t>줄</a:t>
             </a:r>
             <a:r>
-              <a:rPr lang="en-US" altLang="ko-KR" dirty="0" smtClean="0"/>
+              <a:rPr lang="en-US" altLang="ko-KR" dirty="0"/>
               <a:t>+</a:t>
             </a:r>
             <a:r>
-              <a:rPr lang="ko-KR" altLang="en-US" dirty="0" smtClean="0"/>
+              <a:rPr lang="ko-KR" altLang="en-US" dirty="0"/>
               <a:t>탭보다 짧을 때</a:t>
             </a:r>
             <a:r>
-              <a:rPr lang="en-US" altLang="ko-KR" dirty="0" smtClean="0"/>
+              <a:rPr lang="en-US" altLang="ko-KR" dirty="0"/>
               <a:t>(1367 X 145px)</a:t>
             </a:r>
             <a:r>
-              <a:rPr lang="ko-KR" altLang="en-US" dirty="0" smtClean="0"/>
+              <a:rPr lang="ko-KR" altLang="en-US" dirty="0"/>
               <a:t> 두 줄이 들어가는 </a:t>
             </a:r>
             <a:r>
-              <a:rPr lang="ko-KR" altLang="en-US" dirty="0" err="1" smtClean="0"/>
+              <a:rPr lang="ko-KR" altLang="en-US" dirty="0" err="1"/>
               <a:t>영역입니당</a:t>
             </a:r>
             <a:r>
-              <a:rPr lang="ko-KR" altLang="en-US" dirty="0" smtClean="0"/>
+              <a:rPr lang="ko-KR" altLang="en-US" dirty="0"/>
               <a:t> 채워서 써주세요</a:t>
             </a:r>
             <a:r>
-              <a:rPr lang="en-US" altLang="ko-KR" dirty="0" smtClean="0"/>
+              <a:rPr lang="en-US" altLang="ko-KR" dirty="0"/>
               <a:t>!</a:t>
             </a:r>
           </a:p>
@@ -16844,43 +16815,43 @@
           <a:p>
             <a:pPr lvl="0"/>
             <a:r>
-              <a:rPr lang="ko-KR" altLang="en-US" dirty="0" err="1" smtClean="0"/>
+              <a:rPr lang="ko-KR" altLang="en-US" dirty="0" err="1"/>
               <a:t>소발문</a:t>
             </a:r>
             <a:r>
-              <a:rPr lang="en-US" altLang="ko-KR" dirty="0" smtClean="0"/>
+              <a:rPr lang="en-US" altLang="ko-KR" dirty="0"/>
               <a:t>_2</a:t>
             </a:r>
             <a:r>
-              <a:rPr lang="ko-KR" altLang="en-US" dirty="0" smtClean="0"/>
+              <a:rPr lang="ko-KR" altLang="en-US" dirty="0"/>
               <a:t>줄</a:t>
             </a:r>
             <a:r>
-              <a:rPr lang="en-US" altLang="ko-KR" dirty="0" smtClean="0"/>
+              <a:rPr lang="en-US" altLang="ko-KR" dirty="0"/>
               <a:t>+</a:t>
             </a:r>
             <a:r>
-              <a:rPr lang="ko-KR" altLang="en-US" dirty="0" smtClean="0"/>
+              <a:rPr lang="ko-KR" altLang="en-US" dirty="0"/>
               <a:t>탭만큼 길 때</a:t>
             </a:r>
             <a:r>
-              <a:rPr lang="en-US" altLang="ko-KR" dirty="0" smtClean="0"/>
+              <a:rPr lang="en-US" altLang="ko-KR" dirty="0"/>
               <a:t>(1367 X 165px)</a:t>
             </a:r>
             <a:r>
-              <a:rPr lang="ko-KR" altLang="en-US" dirty="0" smtClean="0"/>
+              <a:rPr lang="ko-KR" altLang="en-US" dirty="0"/>
               <a:t> 두 줄이 들어가는 </a:t>
             </a:r>
             <a:r>
-              <a:rPr lang="ko-KR" altLang="en-US" dirty="0" err="1" smtClean="0"/>
+              <a:rPr lang="ko-KR" altLang="en-US" dirty="0" err="1"/>
               <a:t>영역입니당</a:t>
             </a:r>
             <a:r>
-              <a:rPr lang="ko-KR" altLang="en-US" dirty="0" smtClean="0"/>
+              <a:rPr lang="ko-KR" altLang="en-US" dirty="0"/>
               <a:t> 채워서 써주세요</a:t>
             </a:r>
             <a:r>
-              <a:rPr lang="en-US" altLang="ko-KR" dirty="0" smtClean="0"/>
+              <a:rPr lang="en-US" altLang="ko-KR" dirty="0"/>
               <a:t>!</a:t>
             </a:r>
           </a:p>
@@ -17852,43 +17823,43 @@
           <a:p>
             <a:pPr lvl="0"/>
             <a:r>
-              <a:rPr lang="ko-KR" altLang="en-US" dirty="0" err="1" smtClean="0"/>
+              <a:rPr lang="ko-KR" altLang="en-US" dirty="0" err="1"/>
               <a:t>소발문</a:t>
             </a:r>
             <a:r>
-              <a:rPr lang="en-US" altLang="ko-KR" dirty="0" smtClean="0"/>
+              <a:rPr lang="en-US" altLang="ko-KR" dirty="0"/>
               <a:t>_2</a:t>
             </a:r>
             <a:r>
-              <a:rPr lang="ko-KR" altLang="en-US" dirty="0" smtClean="0"/>
+              <a:rPr lang="ko-KR" altLang="en-US" dirty="0"/>
               <a:t>줄</a:t>
             </a:r>
             <a:r>
-              <a:rPr lang="en-US" altLang="ko-KR" dirty="0" smtClean="0"/>
+              <a:rPr lang="en-US" altLang="ko-KR" dirty="0"/>
               <a:t>+</a:t>
             </a:r>
             <a:r>
-              <a:rPr lang="ko-KR" altLang="en-US" dirty="0" smtClean="0"/>
+              <a:rPr lang="ko-KR" altLang="en-US" dirty="0"/>
               <a:t>탭만큼 길 때</a:t>
             </a:r>
             <a:r>
-              <a:rPr lang="en-US" altLang="ko-KR" dirty="0" smtClean="0"/>
+              <a:rPr lang="en-US" altLang="ko-KR" dirty="0"/>
               <a:t>(1367 X 165px)</a:t>
             </a:r>
             <a:r>
-              <a:rPr lang="ko-KR" altLang="en-US" dirty="0" smtClean="0"/>
+              <a:rPr lang="ko-KR" altLang="en-US" dirty="0"/>
               <a:t> 두 줄이 들어가는 </a:t>
             </a:r>
             <a:r>
-              <a:rPr lang="ko-KR" altLang="en-US" dirty="0" err="1" smtClean="0"/>
+              <a:rPr lang="ko-KR" altLang="en-US" dirty="0" err="1"/>
               <a:t>영역입니당</a:t>
             </a:r>
             <a:r>
-              <a:rPr lang="ko-KR" altLang="en-US" dirty="0" smtClean="0"/>
+              <a:rPr lang="ko-KR" altLang="en-US" dirty="0"/>
               <a:t> 채워서 써주세요</a:t>
             </a:r>
             <a:r>
-              <a:rPr lang="en-US" altLang="ko-KR" dirty="0" smtClean="0"/>
+              <a:rPr lang="en-US" altLang="ko-KR" dirty="0"/>
               <a:t>!</a:t>
             </a:r>
           </a:p>
@@ -18860,43 +18831,43 @@
           <a:p>
             <a:pPr lvl="0"/>
             <a:r>
-              <a:rPr lang="ko-KR" altLang="en-US" dirty="0" err="1" smtClean="0"/>
+              <a:rPr lang="ko-KR" altLang="en-US" dirty="0" err="1"/>
               <a:t>소발문</a:t>
             </a:r>
             <a:r>
-              <a:rPr lang="en-US" altLang="ko-KR" dirty="0" smtClean="0"/>
+              <a:rPr lang="en-US" altLang="ko-KR" dirty="0"/>
               <a:t>_2</a:t>
             </a:r>
             <a:r>
-              <a:rPr lang="ko-KR" altLang="en-US" dirty="0" smtClean="0"/>
+              <a:rPr lang="ko-KR" altLang="en-US" dirty="0"/>
               <a:t>줄</a:t>
             </a:r>
             <a:r>
-              <a:rPr lang="en-US" altLang="ko-KR" dirty="0" smtClean="0"/>
+              <a:rPr lang="en-US" altLang="ko-KR" dirty="0"/>
               <a:t>+</a:t>
             </a:r>
             <a:r>
-              <a:rPr lang="ko-KR" altLang="en-US" dirty="0" smtClean="0"/>
+              <a:rPr lang="ko-KR" altLang="en-US" dirty="0"/>
               <a:t>탭만큼 길 때</a:t>
             </a:r>
             <a:r>
-              <a:rPr lang="en-US" altLang="ko-KR" dirty="0" smtClean="0"/>
+              <a:rPr lang="en-US" altLang="ko-KR" dirty="0"/>
               <a:t>(1367 X 165px)</a:t>
             </a:r>
             <a:r>
-              <a:rPr lang="ko-KR" altLang="en-US" dirty="0" smtClean="0"/>
+              <a:rPr lang="ko-KR" altLang="en-US" dirty="0"/>
               <a:t> 두 줄이 들어가는 </a:t>
             </a:r>
             <a:r>
-              <a:rPr lang="ko-KR" altLang="en-US" dirty="0" err="1" smtClean="0"/>
+              <a:rPr lang="ko-KR" altLang="en-US" dirty="0" err="1"/>
               <a:t>영역입니당</a:t>
             </a:r>
             <a:r>
-              <a:rPr lang="ko-KR" altLang="en-US" dirty="0" smtClean="0"/>
+              <a:rPr lang="ko-KR" altLang="en-US" dirty="0"/>
               <a:t> 채워서 써주세요</a:t>
             </a:r>
             <a:r>
-              <a:rPr lang="en-US" altLang="ko-KR" dirty="0" smtClean="0"/>
+              <a:rPr lang="en-US" altLang="ko-KR" dirty="0"/>
               <a:t>!</a:t>
             </a:r>
           </a:p>
@@ -19868,43 +19839,43 @@
           <a:p>
             <a:pPr lvl="0"/>
             <a:r>
-              <a:rPr lang="ko-KR" altLang="en-US" dirty="0" err="1" smtClean="0"/>
+              <a:rPr lang="ko-KR" altLang="en-US" dirty="0" err="1"/>
               <a:t>소발문</a:t>
             </a:r>
             <a:r>
-              <a:rPr lang="en-US" altLang="ko-KR" dirty="0" smtClean="0"/>
+              <a:rPr lang="en-US" altLang="ko-KR" dirty="0"/>
               <a:t>_2</a:t>
             </a:r>
             <a:r>
-              <a:rPr lang="ko-KR" altLang="en-US" dirty="0" smtClean="0"/>
+              <a:rPr lang="ko-KR" altLang="en-US" dirty="0"/>
               <a:t>줄</a:t>
             </a:r>
             <a:r>
-              <a:rPr lang="en-US" altLang="ko-KR" dirty="0" smtClean="0"/>
+              <a:rPr lang="en-US" altLang="ko-KR" dirty="0"/>
               <a:t>+</a:t>
             </a:r>
             <a:r>
-              <a:rPr lang="ko-KR" altLang="en-US" dirty="0" smtClean="0"/>
+              <a:rPr lang="ko-KR" altLang="en-US" dirty="0"/>
               <a:t>탭만큼 길 때</a:t>
             </a:r>
             <a:r>
-              <a:rPr lang="en-US" altLang="ko-KR" dirty="0" smtClean="0"/>
+              <a:rPr lang="en-US" altLang="ko-KR" dirty="0"/>
               <a:t>(1367 X 165px)</a:t>
             </a:r>
             <a:r>
-              <a:rPr lang="ko-KR" altLang="en-US" dirty="0" smtClean="0"/>
+              <a:rPr lang="ko-KR" altLang="en-US" dirty="0"/>
               <a:t> 두 줄이 들어가는 </a:t>
             </a:r>
             <a:r>
-              <a:rPr lang="ko-KR" altLang="en-US" dirty="0" err="1" smtClean="0"/>
+              <a:rPr lang="ko-KR" altLang="en-US" dirty="0" err="1"/>
               <a:t>영역입니당</a:t>
             </a:r>
             <a:r>
-              <a:rPr lang="ko-KR" altLang="en-US" dirty="0" smtClean="0"/>
+              <a:rPr lang="ko-KR" altLang="en-US" dirty="0"/>
               <a:t> 채워서 써주세요</a:t>
             </a:r>
             <a:r>
-              <a:rPr lang="en-US" altLang="ko-KR" dirty="0" smtClean="0"/>
+              <a:rPr lang="en-US" altLang="ko-KR" dirty="0"/>
               <a:t>!</a:t>
             </a:r>
           </a:p>
@@ -20906,43 +20877,43 @@
           <a:p>
             <a:pPr lvl="0"/>
             <a:r>
-              <a:rPr lang="ko-KR" altLang="en-US" dirty="0" err="1" smtClean="0"/>
+              <a:rPr lang="ko-KR" altLang="en-US" dirty="0" err="1"/>
               <a:t>소발문</a:t>
             </a:r>
             <a:r>
-              <a:rPr lang="en-US" altLang="ko-KR" dirty="0" smtClean="0"/>
+              <a:rPr lang="en-US" altLang="ko-KR" dirty="0"/>
               <a:t>_2</a:t>
             </a:r>
             <a:r>
-              <a:rPr lang="ko-KR" altLang="en-US" dirty="0" smtClean="0"/>
+              <a:rPr lang="ko-KR" altLang="en-US" dirty="0"/>
               <a:t>줄</a:t>
             </a:r>
             <a:r>
-              <a:rPr lang="en-US" altLang="ko-KR" dirty="0" smtClean="0"/>
+              <a:rPr lang="en-US" altLang="ko-KR" dirty="0"/>
               <a:t>+</a:t>
             </a:r>
             <a:r>
-              <a:rPr lang="ko-KR" altLang="en-US" dirty="0" smtClean="0"/>
+              <a:rPr lang="ko-KR" altLang="en-US" dirty="0"/>
               <a:t>탭만큼 길 때</a:t>
             </a:r>
             <a:r>
-              <a:rPr lang="en-US" altLang="ko-KR" dirty="0" smtClean="0"/>
+              <a:rPr lang="en-US" altLang="ko-KR" dirty="0"/>
               <a:t>(1367 X 165px)</a:t>
             </a:r>
             <a:r>
-              <a:rPr lang="ko-KR" altLang="en-US" dirty="0" smtClean="0"/>
+              <a:rPr lang="ko-KR" altLang="en-US" dirty="0"/>
               <a:t> 두 줄이 들어가는 </a:t>
             </a:r>
             <a:r>
-              <a:rPr lang="ko-KR" altLang="en-US" dirty="0" err="1" smtClean="0"/>
+              <a:rPr lang="ko-KR" altLang="en-US" dirty="0" err="1"/>
               <a:t>영역입니당</a:t>
             </a:r>
             <a:r>
-              <a:rPr lang="ko-KR" altLang="en-US" dirty="0" smtClean="0"/>
+              <a:rPr lang="ko-KR" altLang="en-US" dirty="0"/>
               <a:t> 채워서 써주세요</a:t>
             </a:r>
             <a:r>
-              <a:rPr lang="en-US" altLang="ko-KR" dirty="0" smtClean="0"/>
+              <a:rPr lang="en-US" altLang="ko-KR" dirty="0"/>
               <a:t>!</a:t>
             </a:r>
           </a:p>
@@ -21969,19 +21940,19 @@
           <a:p>
             <a:pPr lvl="0"/>
             <a:r>
-              <a:rPr lang="ko-KR" altLang="en-US" dirty="0" err="1" smtClean="0"/>
+              <a:rPr lang="ko-KR" altLang="en-US" dirty="0" err="1"/>
               <a:t>소발문</a:t>
             </a:r>
             <a:r>
-              <a:rPr lang="en-US" altLang="ko-KR" dirty="0" smtClean="0"/>
+              <a:rPr lang="en-US" altLang="ko-KR" dirty="0"/>
               <a:t>_</a:t>
             </a:r>
             <a:r>
-              <a:rPr lang="ko-KR" altLang="en-US" dirty="0" smtClean="0"/>
+              <a:rPr lang="ko-KR" altLang="en-US" dirty="0"/>
               <a:t>탭보다 짧을 때</a:t>
             </a:r>
             <a:r>
-              <a:rPr lang="en-US" altLang="ko-KR" dirty="0" smtClean="0"/>
+              <a:rPr lang="en-US" altLang="ko-KR" dirty="0"/>
               <a:t>(1367 X 86.5px)</a:t>
             </a:r>
             <a:endParaRPr lang="ko-KR" altLang="en-US" dirty="0"/>
@@ -22512,7 +22483,7 @@
             <a:lstStyle/>
             <a:p>
               <a:r>
-                <a:rPr lang="ko-KR" altLang="en-US" sz="1600" dirty="0" smtClean="0">
+                <a:rPr lang="ko-KR" altLang="en-US" sz="1600" dirty="0">
                   <a:solidFill>
                     <a:schemeClr val="bg1"/>
                   </a:solidFill>
@@ -22522,7 +22493,7 @@
                 <a:t>이번 시간에는 무엇을 배울까요</a:t>
               </a:r>
               <a:r>
-                <a:rPr lang="en-US" altLang="ko-KR" sz="1600" dirty="0" smtClean="0">
+                <a:rPr lang="en-US" altLang="ko-KR" sz="1600" dirty="0">
                   <a:solidFill>
                     <a:schemeClr val="bg1"/>
                   </a:solidFill>
@@ -22612,7 +22583,7 @@
             <a:lstStyle/>
             <a:p>
               <a:r>
-                <a:rPr lang="ko-KR" altLang="en-US" sz="1200" dirty="0" smtClean="0">
+                <a:rPr lang="ko-KR" altLang="en-US" sz="1200" dirty="0">
                   <a:solidFill>
                     <a:schemeClr val="bg1"/>
                   </a:solidFill>
@@ -22621,13 +22592,6 @@
                 </a:rPr>
                 <a:t>도  덕</a:t>
               </a:r>
-              <a:endParaRPr lang="ko-KR" altLang="en-US" sz="1200" dirty="0">
-                <a:solidFill>
-                  <a:schemeClr val="bg1"/>
-                </a:solidFill>
-                <a:latin typeface="여기어때 잘난체" panose="020B0600000101010101" pitchFamily="50" charset="-127"/>
-                <a:ea typeface="여기어때 잘난체" panose="020B0600000101010101" pitchFamily="50" charset="-127"/>
-              </a:endParaRPr>
             </a:p>
           </p:txBody>
         </p:sp>
@@ -23201,23 +23165,22 @@
           <a:p>
             <a:pPr lvl="0"/>
             <a:r>
-              <a:rPr lang="ko-KR" altLang="en-US" dirty="0" smtClean="0"/>
+              <a:rPr lang="ko-KR" altLang="en-US" dirty="0"/>
               <a:t>차시 목표를 입력해 주세요</a:t>
             </a:r>
             <a:r>
-              <a:rPr lang="en-US" altLang="ko-KR" dirty="0" smtClean="0"/>
+              <a:rPr lang="en-US" altLang="ko-KR" dirty="0"/>
               <a:t>.</a:t>
             </a:r>
-            <a:endParaRPr lang="en-US" altLang="ko-KR" dirty="0"/>
           </a:p>
           <a:p>
             <a:pPr lvl="0"/>
             <a:r>
-              <a:rPr lang="ko-KR" altLang="en-US" dirty="0" smtClean="0"/>
+              <a:rPr lang="ko-KR" altLang="en-US" dirty="0"/>
               <a:t>두 줄까지 입력 가능</a:t>
             </a:r>
             <a:r>
-              <a:rPr lang="en-US" altLang="ko-KR" dirty="0" smtClean="0"/>
+              <a:rPr lang="en-US" altLang="ko-KR" dirty="0"/>
               <a:t>!</a:t>
             </a:r>
           </a:p>
@@ -23256,14 +23219,13 @@
           <a:p>
             <a:pPr lvl="0"/>
             <a:r>
-              <a:rPr lang="en-US" altLang="ko-KR" dirty="0" smtClean="0"/>
+              <a:rPr lang="en-US" altLang="ko-KR" dirty="0"/>
               <a:t>NN~NN</a:t>
             </a:r>
             <a:r>
-              <a:rPr lang="ko-KR" altLang="en-US" dirty="0" smtClean="0"/>
+              <a:rPr lang="ko-KR" altLang="en-US" dirty="0"/>
               <a:t>쪽</a:t>
             </a:r>
-            <a:endParaRPr lang="ko-KR" altLang="en-US" dirty="0"/>
           </a:p>
         </p:txBody>
       </p:sp>
@@ -23514,19 +23476,19 @@
           <a:p>
             <a:pPr lvl="0"/>
             <a:r>
-              <a:rPr lang="ko-KR" altLang="en-US" dirty="0" err="1" smtClean="0"/>
+              <a:rPr lang="ko-KR" altLang="en-US" dirty="0" err="1"/>
               <a:t>소발문</a:t>
             </a:r>
             <a:r>
-              <a:rPr lang="en-US" altLang="ko-KR" dirty="0" smtClean="0"/>
+              <a:rPr lang="en-US" altLang="ko-KR" dirty="0"/>
               <a:t>_</a:t>
             </a:r>
             <a:r>
-              <a:rPr lang="ko-KR" altLang="en-US" dirty="0" smtClean="0"/>
+              <a:rPr lang="ko-KR" altLang="en-US" dirty="0"/>
               <a:t>탭 없을 때</a:t>
             </a:r>
             <a:r>
-              <a:rPr lang="en-US" altLang="ko-KR" dirty="0" smtClean="0"/>
+              <a:rPr lang="en-US" altLang="ko-KR" dirty="0"/>
               <a:t>(1367 X 86.5px)</a:t>
             </a:r>
             <a:endParaRPr lang="ko-KR" altLang="en-US" dirty="0"/>
@@ -24182,19 +24144,19 @@
           <a:p>
             <a:pPr lvl="0"/>
             <a:r>
-              <a:rPr lang="ko-KR" altLang="en-US" dirty="0" err="1" smtClean="0"/>
+              <a:rPr lang="ko-KR" altLang="en-US" dirty="0" err="1"/>
               <a:t>소발문</a:t>
             </a:r>
             <a:r>
-              <a:rPr lang="en-US" altLang="ko-KR" dirty="0" smtClean="0"/>
+              <a:rPr lang="en-US" altLang="ko-KR" dirty="0"/>
               <a:t>_</a:t>
             </a:r>
             <a:r>
-              <a:rPr lang="ko-KR" altLang="en-US" dirty="0" smtClean="0"/>
+              <a:rPr lang="ko-KR" altLang="en-US" dirty="0"/>
               <a:t>탭 없을 때</a:t>
             </a:r>
             <a:r>
-              <a:rPr lang="en-US" altLang="ko-KR" dirty="0" smtClean="0"/>
+              <a:rPr lang="en-US" altLang="ko-KR" dirty="0"/>
               <a:t>(1367 X 86.5px)</a:t>
             </a:r>
             <a:endParaRPr lang="ko-KR" altLang="en-US" dirty="0"/>
@@ -24850,19 +24812,19 @@
           <a:p>
             <a:pPr lvl="0"/>
             <a:r>
-              <a:rPr lang="ko-KR" altLang="en-US" dirty="0" err="1" smtClean="0"/>
+              <a:rPr lang="ko-KR" altLang="en-US" dirty="0" err="1"/>
               <a:t>소발문</a:t>
             </a:r>
             <a:r>
-              <a:rPr lang="en-US" altLang="ko-KR" dirty="0" smtClean="0"/>
+              <a:rPr lang="en-US" altLang="ko-KR" dirty="0"/>
               <a:t>_</a:t>
             </a:r>
             <a:r>
-              <a:rPr lang="ko-KR" altLang="en-US" dirty="0" smtClean="0"/>
+              <a:rPr lang="ko-KR" altLang="en-US" dirty="0"/>
               <a:t>탭 없을 때</a:t>
             </a:r>
             <a:r>
-              <a:rPr lang="en-US" altLang="ko-KR" dirty="0" smtClean="0"/>
+              <a:rPr lang="en-US" altLang="ko-KR" dirty="0"/>
               <a:t>(1367 X 86.5px)</a:t>
             </a:r>
             <a:endParaRPr lang="ko-KR" altLang="en-US" dirty="0"/>
@@ -25518,19 +25480,19 @@
           <a:p>
             <a:pPr lvl="0"/>
             <a:r>
-              <a:rPr lang="ko-KR" altLang="en-US" dirty="0" err="1" smtClean="0"/>
+              <a:rPr lang="ko-KR" altLang="en-US" dirty="0" err="1"/>
               <a:t>소발문</a:t>
             </a:r>
             <a:r>
-              <a:rPr lang="en-US" altLang="ko-KR" dirty="0" smtClean="0"/>
+              <a:rPr lang="en-US" altLang="ko-KR" dirty="0"/>
               <a:t>_</a:t>
             </a:r>
             <a:r>
-              <a:rPr lang="ko-KR" altLang="en-US" dirty="0" smtClean="0"/>
+              <a:rPr lang="ko-KR" altLang="en-US" dirty="0"/>
               <a:t>탭 없을 때</a:t>
             </a:r>
             <a:r>
-              <a:rPr lang="en-US" altLang="ko-KR" dirty="0" smtClean="0"/>
+              <a:rPr lang="en-US" altLang="ko-KR" dirty="0"/>
               <a:t>(1367 X 86.5px)</a:t>
             </a:r>
             <a:endParaRPr lang="ko-KR" altLang="en-US" dirty="0"/>
@@ -27015,7 +26977,7 @@
                         </a:tabLst>
                       </a:pPr>
                       <a:r>
-                        <a:rPr kumimoji="1" lang="ko-KR" altLang="en-US" sz="800" b="0" i="0" u="none" strike="noStrike" cap="none" normalizeH="0" baseline="0" dirty="0" err="1" smtClean="0">
+                        <a:rPr kumimoji="1" lang="ko-KR" altLang="en-US" sz="800" b="0" i="0" u="none" strike="noStrike" cap="none" normalizeH="0" baseline="0" dirty="0" err="1">
                           <a:ln>
                             <a:noFill/>
                           </a:ln>
@@ -27029,7 +26991,7 @@
                         <a:t>대발문</a:t>
                       </a:r>
                       <a:r>
-                        <a:rPr kumimoji="1" lang="en-US" altLang="ko-KR" sz="800" b="0" i="0" u="none" strike="noStrike" cap="none" normalizeH="0" baseline="0" dirty="0" smtClean="0">
+                        <a:rPr kumimoji="1" lang="en-US" altLang="ko-KR" sz="800" b="0" i="0" u="none" strike="noStrike" cap="none" normalizeH="0" baseline="0" dirty="0">
                           <a:ln>
                             <a:noFill/>
                           </a:ln>
@@ -27043,7 +27005,7 @@
                         <a:t>(</a:t>
                       </a:r>
                       <a:r>
-                        <a:rPr kumimoji="1" lang="ko-KR" altLang="en-US" sz="800" b="0" i="0" u="none" strike="noStrike" cap="none" normalizeH="0" baseline="0" dirty="0" smtClean="0">
+                        <a:rPr kumimoji="1" lang="ko-KR" altLang="en-US" sz="800" b="0" i="0" u="none" strike="noStrike" cap="none" normalizeH="0" baseline="0" dirty="0">
                           <a:ln>
                             <a:noFill/>
                           </a:ln>
@@ -27057,7 +27019,7 @@
                         <a:t>뷰어</a:t>
                       </a:r>
                       <a:r>
-                        <a:rPr kumimoji="1" lang="en-US" altLang="ko-KR" sz="800" b="0" i="0" u="none" strike="noStrike" cap="none" normalizeH="0" baseline="0" dirty="0" smtClean="0">
+                        <a:rPr kumimoji="1" lang="en-US" altLang="ko-KR" sz="800" b="0" i="0" u="none" strike="noStrike" cap="none" normalizeH="0" baseline="0" dirty="0">
                           <a:ln>
                             <a:noFill/>
                           </a:ln>
@@ -27070,17 +27032,6 @@
                         </a:rPr>
                         <a:t>)</a:t>
                       </a:r>
-                      <a:endParaRPr kumimoji="1" lang="en-US" altLang="ko-KR" sz="800" b="0" i="0" u="none" strike="noStrike" cap="none" normalizeH="0" baseline="0" dirty="0">
-                        <a:ln>
-                          <a:noFill/>
-                        </a:ln>
-                        <a:solidFill>
-                          <a:schemeClr val="tx1"/>
-                        </a:solidFill>
-                        <a:effectLst/>
-                        <a:latin typeface="+mj-ea"/>
-                        <a:ea typeface="+mj-ea"/>
-                      </a:endParaRPr>
                     </a:p>
                   </a:txBody>
                   <a:tcPr marL="91439" marR="91439" marT="45735" marB="45735" anchor="ctr" horzOverflow="overflow">
@@ -29019,7 +28970,7 @@
                         <a:tabLst/>
                       </a:pPr>
                       <a:r>
-                        <a:rPr kumimoji="0" lang="en-US" altLang="ko-KR" sz="800" b="0" i="0" u="none" strike="noStrike" cap="none" normalizeH="0" baseline="0" dirty="0" smtClean="0">
+                        <a:rPr kumimoji="0" lang="en-US" altLang="ko-KR" sz="800" b="0" i="0" u="none" strike="noStrike" cap="none" normalizeH="0" baseline="0" dirty="0">
                           <a:ln>
                             <a:noFill/>
                           </a:ln>
@@ -29032,17 +28983,6 @@
                         </a:rPr>
                         <a:t>v1</a:t>
                       </a:r>
-                      <a:endParaRPr kumimoji="0" lang="en-US" altLang="ko-KR" sz="800" b="0" i="0" u="none" strike="noStrike" cap="none" normalizeH="0" baseline="0" dirty="0">
-                        <a:ln>
-                          <a:noFill/>
-                        </a:ln>
-                        <a:solidFill>
-                          <a:schemeClr val="tx1"/>
-                        </a:solidFill>
-                        <a:effectLst/>
-                        <a:latin typeface="+mn-ea"/>
-                        <a:ea typeface="+mn-ea"/>
-                      </a:endParaRPr>
                     </a:p>
                   </a:txBody>
                   <a:tcPr marL="54000" marR="54000" marT="36000" marB="36000" anchor="ctr" horzOverflow="overflow">
@@ -29127,7 +29067,7 @@
                         <a:tabLst/>
                       </a:pPr>
                       <a:r>
-                        <a:rPr kumimoji="0" lang="en-US" altLang="ko-KR" sz="800" b="0" i="0" u="none" strike="noStrike" cap="none" normalizeH="0" baseline="0" dirty="0" smtClean="0">
+                        <a:rPr kumimoji="0" lang="en-US" altLang="ko-KR" sz="800" b="0" i="0" u="none" strike="noStrike" cap="none" normalizeH="0" baseline="0" dirty="0">
                           <a:ln>
                             <a:noFill/>
                           </a:ln>
@@ -29140,17 +29080,6 @@
                         </a:rPr>
                         <a:t>25.05.13.</a:t>
                       </a:r>
-                      <a:endParaRPr kumimoji="0" lang="en-US" altLang="ko-KR" sz="800" b="0" i="0" u="none" strike="noStrike" cap="none" normalizeH="0" baseline="0" dirty="0">
-                        <a:ln>
-                          <a:noFill/>
-                        </a:ln>
-                        <a:solidFill>
-                          <a:schemeClr val="tx1"/>
-                        </a:solidFill>
-                        <a:effectLst/>
-                        <a:latin typeface="+mn-ea"/>
-                        <a:ea typeface="+mn-ea"/>
-                      </a:endParaRPr>
                     </a:p>
                   </a:txBody>
                   <a:tcPr marL="54000" marR="54000" marT="36000" marB="36000" anchor="ctr" horzOverflow="overflow">
@@ -29235,7 +29164,7 @@
                         <a:tabLst/>
                       </a:pPr>
                       <a:r>
-                        <a:rPr kumimoji="0" lang="ko-KR" altLang="en-US" sz="800" b="0" i="0" u="none" strike="noStrike" cap="none" normalizeH="0" baseline="0" dirty="0" smtClean="0">
+                        <a:rPr kumimoji="0" lang="ko-KR" altLang="en-US" sz="800" b="0" i="0" u="none" strike="noStrike" cap="none" normalizeH="0" baseline="0" dirty="0">
                           <a:ln>
                             <a:noFill/>
                           </a:ln>
@@ -29343,7 +29272,7 @@
                         <a:tabLst/>
                       </a:pPr>
                       <a:r>
-                        <a:rPr kumimoji="0" lang="ko-KR" altLang="en-US" sz="800" b="0" i="0" u="none" strike="noStrike" cap="none" normalizeH="0" baseline="0" dirty="0" err="1" smtClean="0">
+                        <a:rPr kumimoji="0" lang="ko-KR" altLang="en-US" sz="800" b="0" i="0" u="none" strike="noStrike" cap="none" normalizeH="0" baseline="0" dirty="0" err="1">
                           <a:ln>
                             <a:noFill/>
                           </a:ln>
@@ -29624,7 +29553,7 @@
                     <a:p>
                       <a:pPr algn="ctr"/>
                       <a:r>
-                        <a:rPr lang="en-US" altLang="ko-KR" sz="800" dirty="0" smtClean="0"/>
+                        <a:rPr lang="en-US" altLang="ko-KR" sz="800" dirty="0"/>
                         <a:t>v2</a:t>
                       </a:r>
                       <a:endParaRPr lang="ko-KR" altLang="en-US" sz="800" dirty="0"/>
@@ -29697,7 +29626,7 @@
                     <a:p>
                       <a:pPr algn="ctr"/>
                       <a:r>
-                        <a:rPr lang="en-US" altLang="ko-KR" sz="800" dirty="0" smtClean="0"/>
+                        <a:rPr lang="en-US" altLang="ko-KR" sz="800" dirty="0"/>
                         <a:t>25.05.16.</a:t>
                       </a:r>
                       <a:endParaRPr lang="ko-KR" altLang="en-US" sz="800" dirty="0"/>
@@ -29769,14 +29698,13 @@
                     <a:lstStyle/>
                     <a:p>
                       <a:r>
-                        <a:rPr lang="en-US" altLang="ko-KR" sz="800" dirty="0" smtClean="0"/>
+                        <a:rPr lang="en-US" altLang="ko-KR" sz="800" dirty="0"/>
                         <a:t>1</a:t>
                       </a:r>
                       <a:r>
-                        <a:rPr lang="ko-KR" altLang="en-US" sz="800" dirty="0" smtClean="0"/>
+                        <a:rPr lang="ko-KR" altLang="en-US" sz="800" dirty="0"/>
                         <a:t>차 검토</a:t>
                       </a:r>
-                      <a:endParaRPr lang="ko-KR" altLang="en-US" sz="800" dirty="0"/>
                     </a:p>
                   </a:txBody>
                   <a:tcPr marL="54000" marR="54000" marT="36000" marB="36000" anchor="ctr" horzOverflow="overflow">
@@ -29914,10 +29842,9 @@
                     <a:p>
                       <a:pPr algn="ctr"/>
                       <a:r>
-                        <a:rPr lang="ko-KR" altLang="en-US" sz="800" dirty="0" smtClean="0"/>
+                        <a:rPr lang="ko-KR" altLang="en-US" sz="800" dirty="0"/>
                         <a:t>김나영</a:t>
                       </a:r>
-                      <a:endParaRPr lang="ko-KR" altLang="en-US" sz="800" dirty="0"/>
                     </a:p>
                   </a:txBody>
                   <a:tcPr marL="54000" marR="54000" marT="36000" marB="36000" anchor="ctr" horzOverflow="overflow">
@@ -30081,7 +30008,7 @@
                     <a:p>
                       <a:pPr algn="ctr"/>
                       <a:r>
-                        <a:rPr lang="en-US" altLang="ko-KR" sz="800" dirty="0" smtClean="0"/>
+                        <a:rPr lang="en-US" altLang="ko-KR" sz="800" dirty="0"/>
                         <a:t>v3</a:t>
                       </a:r>
                       <a:endParaRPr lang="ko-KR" altLang="en-US" sz="800" dirty="0"/>
@@ -30154,7 +30081,7 @@
                     <a:p>
                       <a:pPr algn="ctr"/>
                       <a:r>
-                        <a:rPr lang="en-US" altLang="ko-KR" sz="800" dirty="0" smtClean="0"/>
+                        <a:rPr lang="en-US" altLang="ko-KR" sz="800" dirty="0"/>
                         <a:t>25.05.20.</a:t>
                       </a:r>
                       <a:endParaRPr lang="ko-KR" altLang="en-US" sz="800" dirty="0"/>
@@ -30243,7 +30170,7 @@
                         <a:defRPr/>
                       </a:pPr>
                       <a:r>
-                        <a:rPr lang="ko-KR" altLang="en-US" sz="800" dirty="0" smtClean="0"/>
+                        <a:rPr lang="ko-KR" altLang="en-US" sz="800" dirty="0"/>
                         <a:t>문서 수정</a:t>
                       </a:r>
                     </a:p>
@@ -30330,7 +30257,7 @@
                         <a:tabLst/>
                       </a:pPr>
                       <a:r>
-                        <a:rPr kumimoji="0" lang="ko-KR" altLang="en-US" sz="800" b="0" i="0" u="none" strike="noStrike" cap="none" normalizeH="0" baseline="0" dirty="0" err="1" smtClean="0">
+                        <a:rPr kumimoji="0" lang="ko-KR" altLang="en-US" sz="800" b="0" i="0" u="none" strike="noStrike" cap="none" normalizeH="0" baseline="0" dirty="0" err="1">
                           <a:ln>
                             <a:noFill/>
                           </a:ln>
@@ -30627,7 +30554,7 @@
                         <a:defRPr/>
                       </a:pPr>
                       <a:r>
-                        <a:rPr lang="en-US" altLang="ko-KR" sz="800" dirty="0" smtClean="0"/>
+                        <a:rPr lang="en-US" altLang="ko-KR" sz="800" dirty="0"/>
                         <a:t>v4</a:t>
                       </a:r>
                       <a:endParaRPr kumimoji="0" lang="en-US" altLang="ko-KR" sz="800" b="0" i="0" u="none" strike="noStrike" kern="1200" cap="none" spc="0" normalizeH="0" baseline="0" noProof="0" dirty="0">
@@ -30728,7 +30655,7 @@
                         <a:tabLst/>
                       </a:pPr>
                       <a:r>
-                        <a:rPr kumimoji="0" lang="en-US" altLang="ko-KR" sz="800" b="0" i="0" u="none" strike="noStrike" cap="none" normalizeH="0" baseline="0" dirty="0" smtClean="0">
+                        <a:rPr kumimoji="0" lang="en-US" altLang="ko-KR" sz="800" b="0" i="0" u="none" strike="noStrike" cap="none" normalizeH="0" baseline="0" dirty="0">
                           <a:ln>
                             <a:noFill/>
                           </a:ln>
@@ -30741,17 +30668,6 @@
                         </a:rPr>
                         <a:t>25.05.21</a:t>
                       </a:r>
-                      <a:endParaRPr kumimoji="0" lang="en-US" altLang="ko-KR" sz="800" b="0" i="0" u="none" strike="noStrike" cap="none" normalizeH="0" baseline="0" dirty="0">
-                        <a:ln>
-                          <a:noFill/>
-                        </a:ln>
-                        <a:solidFill>
-                          <a:schemeClr val="tx1"/>
-                        </a:solidFill>
-                        <a:effectLst/>
-                        <a:latin typeface="+mn-ea"/>
-                        <a:ea typeface="+mn-ea"/>
-                      </a:endParaRPr>
                     </a:p>
                   </a:txBody>
                   <a:tcPr marL="54000" marR="54000" marT="36000" marB="36000" anchor="ctr" horzOverflow="overflow">
@@ -30836,7 +30752,7 @@
                         <a:tabLst/>
                       </a:pPr>
                       <a:r>
-                        <a:rPr kumimoji="0" lang="ko-KR" altLang="en-US" sz="800" b="0" i="0" u="none" strike="noStrike" cap="none" normalizeH="0" baseline="0" dirty="0" smtClean="0">
+                        <a:rPr kumimoji="0" lang="ko-KR" altLang="en-US" sz="800" b="0" i="0" u="none" strike="noStrike" cap="none" normalizeH="0" baseline="0" dirty="0">
                           <a:ln>
                             <a:noFill/>
                           </a:ln>
@@ -31043,7 +30959,7 @@
                         <a:defRPr/>
                       </a:pPr>
                       <a:r>
-                        <a:rPr kumimoji="0" lang="ko-KR" altLang="en-US" sz="800" b="0" i="0" u="none" strike="noStrike" kern="1200" cap="none" spc="0" normalizeH="0" baseline="0" noProof="0" dirty="0" smtClean="0">
+                        <a:rPr kumimoji="0" lang="ko-KR" altLang="en-US" sz="800" b="0" i="0" u="none" strike="noStrike" kern="1200" cap="none" spc="0" normalizeH="0" baseline="0" noProof="0" dirty="0">
                           <a:ln>
                             <a:noFill/>
                           </a:ln>
@@ -31059,20 +30975,6 @@
                         </a:rPr>
                         <a:t>이영현</a:t>
                       </a:r>
-                      <a:endParaRPr kumimoji="0" lang="ko-KR" altLang="en-US" sz="800" b="0" i="0" u="none" strike="noStrike" kern="1200" cap="none" spc="0" normalizeH="0" baseline="0" noProof="0" dirty="0">
-                        <a:ln>
-                          <a:noFill/>
-                        </a:ln>
-                        <a:solidFill>
-                          <a:srgbClr val="333333"/>
-                        </a:solidFill>
-                        <a:effectLst/>
-                        <a:uLnTx/>
-                        <a:uFillTx/>
-                        <a:latin typeface="+mn-ea"/>
-                        <a:ea typeface="+mn-ea"/>
-                        <a:cs typeface="+mn-cs"/>
-                      </a:endParaRPr>
                     </a:p>
                   </a:txBody>
                   <a:tcPr marL="54000" marR="54000" marT="36000" marB="36000" anchor="ctr" horzOverflow="overflow">
@@ -31251,7 +31153,7 @@
                         <a:tabLst/>
                       </a:pPr>
                       <a:r>
-                        <a:rPr kumimoji="0" lang="en-US" altLang="ko-KR" sz="800" b="0" i="0" u="none" strike="noStrike" cap="none" normalizeH="0" baseline="0" dirty="0" smtClean="0">
+                        <a:rPr kumimoji="0" lang="en-US" altLang="ko-KR" sz="800" b="0" i="0" u="none" strike="noStrike" cap="none" normalizeH="0" baseline="0" dirty="0">
                           <a:ln>
                             <a:noFill/>
                           </a:ln>
@@ -31264,17 +31166,6 @@
                         </a:rPr>
                         <a:t>v5</a:t>
                       </a:r>
-                      <a:endParaRPr kumimoji="0" lang="en-US" altLang="ko-KR" sz="800" b="0" i="0" u="none" strike="noStrike" cap="none" normalizeH="0" baseline="0" dirty="0">
-                        <a:ln>
-                          <a:noFill/>
-                        </a:ln>
-                        <a:solidFill>
-                          <a:schemeClr val="tx1"/>
-                        </a:solidFill>
-                        <a:effectLst/>
-                        <a:latin typeface="+mn-ea"/>
-                        <a:ea typeface="+mn-ea"/>
-                      </a:endParaRPr>
                     </a:p>
                   </a:txBody>
                   <a:tcPr marL="54000" marR="54000" marT="36000" marB="36000" anchor="ctr" horzOverflow="overflow">
@@ -31359,7 +31250,7 @@
                         <a:tabLst/>
                       </a:pPr>
                       <a:r>
-                        <a:rPr kumimoji="0" lang="en-US" altLang="ko-KR" sz="800" b="0" i="0" u="none" strike="noStrike" cap="none" normalizeH="0" baseline="0" dirty="0" smtClean="0">
+                        <a:rPr kumimoji="0" lang="en-US" altLang="ko-KR" sz="800" b="0" i="0" u="none" strike="noStrike" cap="none" normalizeH="0" baseline="0" dirty="0">
                           <a:ln>
                             <a:noFill/>
                           </a:ln>
@@ -31372,17 +31263,6 @@
                         </a:rPr>
                         <a:t>25.05.22.</a:t>
                       </a:r>
-                      <a:endParaRPr kumimoji="0" lang="en-US" altLang="ko-KR" sz="800" b="0" i="0" u="none" strike="noStrike" cap="none" normalizeH="0" baseline="0" dirty="0">
-                        <a:ln>
-                          <a:noFill/>
-                        </a:ln>
-                        <a:solidFill>
-                          <a:schemeClr val="tx1"/>
-                        </a:solidFill>
-                        <a:effectLst/>
-                        <a:latin typeface="+mn-ea"/>
-                        <a:ea typeface="+mn-ea"/>
-                      </a:endParaRPr>
                     </a:p>
                   </a:txBody>
                   <a:tcPr marL="54000" marR="54000" marT="36000" marB="36000" anchor="ctr" horzOverflow="overflow">
@@ -31467,7 +31347,7 @@
                         <a:tabLst/>
                       </a:pPr>
                       <a:r>
-                        <a:rPr kumimoji="0" lang="ko-KR" altLang="en-US" sz="800" b="0" i="0" u="none" strike="noStrike" cap="none" normalizeH="0" baseline="0" dirty="0" smtClean="0">
+                        <a:rPr kumimoji="0" lang="ko-KR" altLang="en-US" sz="800" b="0" i="0" u="none" strike="noStrike" cap="none" normalizeH="0" baseline="0" dirty="0">
                           <a:ln>
                             <a:noFill/>
                           </a:ln>
@@ -31576,7 +31456,7 @@
                         <a:defRPr/>
                       </a:pPr>
                       <a:r>
-                        <a:rPr kumimoji="0" lang="ko-KR" altLang="en-US" sz="800" b="0" i="0" u="none" strike="noStrike" kern="1200" cap="none" spc="0" normalizeH="0" baseline="0" noProof="0" dirty="0" err="1" smtClean="0">
+                        <a:rPr kumimoji="0" lang="ko-KR" altLang="en-US" sz="800" b="0" i="0" u="none" strike="noStrike" kern="1200" cap="none" spc="0" normalizeH="0" baseline="0" noProof="0" dirty="0" err="1">
                           <a:ln>
                             <a:noFill/>
                           </a:ln>
@@ -32913,7 +32793,7 @@
 </file>
 
 <file path=ppt/slides/slide10.xml><?xml version="1.0" encoding="utf-8"?>
-<p:sld xmlns:a="http://schemas.openxmlformats.org/drawingml/2006/main" xmlns:r="http://schemas.openxmlformats.org/officeDocument/2006/relationships" xmlns:p="http://schemas.openxmlformats.org/presentationml/2006/main">
+<p:sld xmlns:a="http://schemas.openxmlformats.org/drawingml/2006/main" xmlns:r="http://schemas.openxmlformats.org/officeDocument/2006/relationships" xmlns:p="http://schemas.openxmlformats.org/presentationml/2006/main" show="0">
   <p:cSld>
     <p:spTree>
       <p:nvGrpSpPr>
@@ -32945,11 +32825,11 @@
           <a:lstStyle/>
           <a:p>
             <a:r>
-              <a:rPr lang="ko-KR" altLang="en-US" dirty="0" smtClean="0"/>
+              <a:rPr lang="ko-KR" altLang="en-US" dirty="0"/>
               <a:t>배운 내용을 되돌아보며 자기 점검을 해 봅시다</a:t>
             </a:r>
             <a:r>
-              <a:rPr lang="en-US" altLang="ko-KR" dirty="0" smtClean="0"/>
+              <a:rPr lang="en-US" altLang="ko-KR" dirty="0"/>
               <a:t>.</a:t>
             </a:r>
             <a:endParaRPr lang="ko-KR" altLang="en-US" dirty="0"/>
@@ -32972,11 +32852,11 @@
           <a:lstStyle/>
           <a:p>
             <a:r>
-              <a:rPr lang="ko-KR" altLang="en-US" dirty="0" smtClean="0"/>
+              <a:rPr lang="ko-KR" altLang="en-US" dirty="0"/>
               <a:t>물음</a:t>
             </a:r>
             <a:r>
-              <a:rPr lang="en-US" altLang="ko-KR" dirty="0" smtClean="0"/>
+              <a:rPr lang="en-US" altLang="ko-KR" dirty="0"/>
               <a:t>/</a:t>
             </a:r>
             <a:r>
@@ -32985,21 +32865,8 @@
                   <a:srgbClr val="FF6600"/>
                 </a:solidFill>
               </a:rPr>
-              <a:t>자기 </a:t>
-            </a:r>
-            <a:r>
-              <a:rPr lang="ko-KR" altLang="en-US" dirty="0" smtClean="0">
-                <a:solidFill>
-                  <a:srgbClr val="FF6600"/>
-                </a:solidFill>
-              </a:rPr>
-              <a:t>점검</a:t>
-            </a:r>
-            <a:endParaRPr lang="ko-KR" altLang="en-US" dirty="0">
-              <a:solidFill>
-                <a:srgbClr val="FF6600"/>
-              </a:solidFill>
-            </a:endParaRPr>
+              <a:t>자기 점검</a:t>
+            </a:r>
           </a:p>
         </p:txBody>
       </p:sp>
@@ -33235,22 +33102,17 @@
               <a:t>슬라이드 </a:t>
             </a:r>
             <a:r>
-              <a:rPr lang="en-US" altLang="ko-KR" dirty="0" smtClean="0"/>
+              <a:rPr lang="en-US" altLang="ko-KR" dirty="0"/>
               <a:t>11</a:t>
             </a:r>
             <a:r>
-              <a:rPr lang="ko-KR" altLang="en-US" dirty="0" smtClean="0"/>
-              <a:t>페이지 </a:t>
-            </a:r>
-            <a:r>
               <a:rPr lang="ko-KR" altLang="en-US" dirty="0"/>
-              <a:t>참고</a:t>
-            </a:r>
-            <a:r>
-              <a:rPr lang="en-US" altLang="ko-KR" dirty="0" smtClean="0"/>
+              <a:t>페이지 참고</a:t>
+            </a:r>
+            <a:r>
+              <a:rPr lang="en-US" altLang="ko-KR" dirty="0"/>
               <a:t>)</a:t>
             </a:r>
-            <a:endParaRPr lang="en-US" altLang="ko-KR" dirty="0"/>
           </a:p>
         </p:txBody>
       </p:sp>
@@ -33418,27 +33280,27 @@
           <a:lstStyle/>
           <a:p>
             <a:r>
-              <a:rPr lang="ko-KR" altLang="en-US" sz="2500" dirty="0" smtClean="0">
+              <a:rPr lang="ko-KR" altLang="en-US" sz="2500" dirty="0">
                 <a:latin typeface="Noto Sans KR Medium" panose="020B0200000000000000" pitchFamily="50" charset="-127"/>
                 <a:ea typeface="Noto Sans KR Medium" panose="020B0200000000000000" pitchFamily="50" charset="-127"/>
               </a:rPr>
               <a:t>나는 디지털 사회에서</a:t>
             </a:r>
-            <a:endParaRPr lang="en-US" altLang="ko-KR" sz="2500" dirty="0" smtClean="0">
+            <a:endParaRPr lang="en-US" altLang="ko-KR" sz="2500" dirty="0">
               <a:latin typeface="Noto Sans KR Medium" panose="020B0200000000000000" pitchFamily="50" charset="-127"/>
               <a:ea typeface="Noto Sans KR Medium" panose="020B0200000000000000" pitchFamily="50" charset="-127"/>
             </a:endParaRPr>
           </a:p>
           <a:p>
             <a:r>
-              <a:rPr lang="ko-KR" altLang="en-US" sz="2500" dirty="0" smtClean="0">
+              <a:rPr lang="ko-KR" altLang="en-US" sz="2500" dirty="0">
                 <a:latin typeface="Noto Sans KR Medium" panose="020B0200000000000000" pitchFamily="50" charset="-127"/>
                 <a:ea typeface="Noto Sans KR Medium" panose="020B0200000000000000" pitchFamily="50" charset="-127"/>
               </a:rPr>
               <a:t>올바르게 행동하는 사람인가요</a:t>
             </a:r>
             <a:r>
-              <a:rPr lang="en-US" altLang="ko-KR" sz="2500" dirty="0" smtClean="0">
+              <a:rPr lang="en-US" altLang="ko-KR" sz="2500" dirty="0">
                 <a:latin typeface="Noto Sans KR Medium" panose="020B0200000000000000" pitchFamily="50" charset="-127"/>
                 <a:ea typeface="Noto Sans KR Medium" panose="020B0200000000000000" pitchFamily="50" charset="-127"/>
               </a:rPr>
@@ -33784,27 +33646,27 @@
           <a:lstStyle/>
           <a:p>
             <a:r>
-              <a:rPr lang="ko-KR" altLang="en-US" sz="2500" dirty="0" smtClean="0">
+              <a:rPr lang="ko-KR" altLang="en-US" sz="2500" dirty="0">
                 <a:latin typeface="Noto Sans KR Medium" panose="020B0200000000000000" pitchFamily="50" charset="-127"/>
                 <a:ea typeface="Noto Sans KR Medium" panose="020B0200000000000000" pitchFamily="50" charset="-127"/>
               </a:rPr>
               <a:t>바람직한 디지털 사회를 만드는 데</a:t>
             </a:r>
-            <a:endParaRPr lang="en-US" altLang="ko-KR" sz="2500" dirty="0" smtClean="0">
+            <a:endParaRPr lang="en-US" altLang="ko-KR" sz="2500" dirty="0">
               <a:latin typeface="Noto Sans KR Medium" panose="020B0200000000000000" pitchFamily="50" charset="-127"/>
               <a:ea typeface="Noto Sans KR Medium" panose="020B0200000000000000" pitchFamily="50" charset="-127"/>
             </a:endParaRPr>
           </a:p>
           <a:p>
             <a:r>
-              <a:rPr lang="ko-KR" altLang="en-US" sz="2500" dirty="0" smtClean="0">
+              <a:rPr lang="ko-KR" altLang="en-US" sz="2500" dirty="0">
                 <a:latin typeface="Noto Sans KR Medium" panose="020B0200000000000000" pitchFamily="50" charset="-127"/>
                 <a:ea typeface="Noto Sans KR Medium" panose="020B0200000000000000" pitchFamily="50" charset="-127"/>
               </a:rPr>
               <a:t>우리가 실천해야 할 일을 설명할 수 있나요</a:t>
             </a:r>
             <a:r>
-              <a:rPr lang="en-US" altLang="ko-KR" sz="2500" dirty="0" smtClean="0">
+              <a:rPr lang="en-US" altLang="ko-KR" sz="2500" dirty="0">
                 <a:latin typeface="Noto Sans KR Medium" panose="020B0200000000000000" pitchFamily="50" charset="-127"/>
                 <a:ea typeface="Noto Sans KR Medium" panose="020B0200000000000000" pitchFamily="50" charset="-127"/>
               </a:rPr>
@@ -34204,7 +34066,7 @@
           <a:p>
             <a:pPr algn="ctr" defTabSz="1097280"/>
             <a:r>
-              <a:rPr lang="en-US" altLang="ko-KR" sz="1200" b="1" dirty="0" smtClean="0">
+              <a:rPr lang="en-US" altLang="ko-KR" sz="1200" b="1" dirty="0">
                 <a:solidFill>
                   <a:prstClr val="white">
                     <a:lumMod val="95000"/>
@@ -34280,7 +34142,7 @@
               <a:defRPr/>
             </a:pPr>
             <a:r>
-              <a:rPr lang="ko-KR" altLang="en-US" sz="900" kern="0" spc="-50" dirty="0" smtClean="0">
+              <a:rPr lang="ko-KR" altLang="en-US" sz="900" kern="0" spc="-50" dirty="0">
                 <a:solidFill>
                   <a:prstClr val="black"/>
                 </a:solidFill>
@@ -34290,7 +34152,7 @@
               <a:t> 얼굴</a:t>
             </a:r>
             <a:r>
-              <a:rPr kumimoji="0" lang="ko-KR" altLang="en-US" sz="900" i="0" u="none" strike="noStrike" kern="0" cap="none" spc="-50" normalizeH="0" noProof="0" dirty="0" smtClean="0">
+              <a:rPr kumimoji="0" lang="ko-KR" altLang="en-US" sz="900" i="0" u="none" strike="noStrike" kern="0" cap="none" spc="-50" normalizeH="0" noProof="0" dirty="0">
                 <a:ln>
                   <a:noFill/>
                 </a:ln>
@@ -34308,7 +34170,7 @@
               <a:t>을 </a:t>
             </a:r>
             <a:r>
-              <a:rPr kumimoji="0" lang="ko-KR" altLang="en-US" sz="900" i="0" u="none" strike="noStrike" kern="0" cap="none" spc="-50" normalizeH="0" noProof="0" dirty="0" smtClean="0">
+              <a:rPr kumimoji="0" lang="ko-KR" altLang="en-US" sz="900" i="0" u="none" strike="noStrike" kern="0" cap="none" spc="-50" normalizeH="0" noProof="0" dirty="0">
                 <a:ln>
                   <a:noFill/>
                 </a:ln>
@@ -34324,7 +34186,7 @@
               <a:t>클릭</a:t>
             </a:r>
             <a:r>
-              <a:rPr kumimoji="0" lang="ko-KR" altLang="en-US" sz="900" i="0" u="none" strike="noStrike" kern="0" cap="none" spc="-50" normalizeH="0" noProof="0" dirty="0" smtClean="0">
+              <a:rPr kumimoji="0" lang="ko-KR" altLang="en-US" sz="900" i="0" u="none" strike="noStrike" kern="0" cap="none" spc="-50" normalizeH="0" noProof="0" dirty="0">
                 <a:ln>
                   <a:noFill/>
                 </a:ln>
@@ -34507,7 +34369,7 @@
           <a:p>
             <a:pPr algn="ctr" defTabSz="1097280"/>
             <a:r>
-              <a:rPr lang="en-US" altLang="ko-KR" sz="1200" b="1" dirty="0" smtClean="0">
+              <a:rPr lang="en-US" altLang="ko-KR" sz="1200" b="1" dirty="0">
                 <a:solidFill>
                   <a:prstClr val="white">
                     <a:lumMod val="95000"/>
@@ -34591,7 +34453,7 @@
 </file>
 
 <file path=ppt/slides/slide11.xml><?xml version="1.0" encoding="utf-8"?>
-<p:sld xmlns:a="http://schemas.openxmlformats.org/drawingml/2006/main" xmlns:r="http://schemas.openxmlformats.org/officeDocument/2006/relationships" xmlns:p="http://schemas.openxmlformats.org/presentationml/2006/main">
+<p:sld xmlns:a="http://schemas.openxmlformats.org/drawingml/2006/main" xmlns:r="http://schemas.openxmlformats.org/officeDocument/2006/relationships" xmlns:p="http://schemas.openxmlformats.org/presentationml/2006/main" show="0">
   <p:cSld>
     <p:spTree>
       <p:nvGrpSpPr>
@@ -34622,7 +34484,7 @@
           <a:bodyPr/>
           <a:lstStyle/>
           <a:p>
-            <a:endParaRPr lang="en-US" altLang="ko-KR" dirty="0" smtClean="0">
+            <a:endParaRPr lang="en-US" altLang="ko-KR" dirty="0">
               <a:ea typeface="+mn-ea"/>
             </a:endParaRPr>
           </a:p>
@@ -34710,86 +34572,23 @@
           </a:p>
           <a:p>
             <a:r>
-              <a:rPr lang="ko-KR" altLang="en-US" dirty="0" smtClean="0"/>
-              <a:t>제목 </a:t>
-            </a:r>
-            <a:r>
               <a:rPr lang="ko-KR" altLang="en-US" dirty="0"/>
-              <a:t>텍스트</a:t>
+              <a:t>제목 텍스트</a:t>
             </a:r>
             <a:endParaRPr lang="en-US" altLang="ko-KR" dirty="0"/>
           </a:p>
           <a:p>
             <a:r>
-              <a:rPr lang="ko-KR" altLang="en-US" dirty="0" smtClean="0"/>
+              <a:rPr lang="ko-KR" altLang="en-US" dirty="0"/>
               <a:t>회색 텍스트 박스</a:t>
             </a:r>
             <a:r>
-              <a:rPr lang="en-US" altLang="ko-KR" dirty="0" smtClean="0"/>
+              <a:rPr lang="en-US" altLang="ko-KR" dirty="0"/>
               <a:t>+</a:t>
             </a:r>
             <a:r>
-              <a:rPr lang="ko-KR" altLang="en-US" dirty="0" smtClean="0"/>
+              <a:rPr lang="ko-KR" altLang="en-US" dirty="0"/>
               <a:t>물음표 버튼</a:t>
-            </a:r>
-            <a:endParaRPr lang="en-US" altLang="ko-KR" dirty="0" smtClean="0"/>
-          </a:p>
-          <a:p>
-            <a:pPr marL="171450" indent="-171450">
-              <a:buFontTx/>
-              <a:buChar char="-"/>
-            </a:pPr>
-            <a:r>
-              <a:rPr lang="ko-KR" altLang="en-US" dirty="0" smtClean="0"/>
-              <a:t>물음표 버튼 클릭 시 정답 텍스트 노출됨</a:t>
-            </a:r>
-            <a:r>
-              <a:rPr lang="en-US" altLang="ko-KR" dirty="0" smtClean="0"/>
-              <a:t>.</a:t>
-            </a:r>
-          </a:p>
-          <a:p>
-            <a:pPr marL="171450" indent="-171450">
-              <a:buFontTx/>
-              <a:buChar char="-"/>
-            </a:pPr>
-            <a:r>
-              <a:rPr lang="ko-KR" altLang="en-US" dirty="0" err="1" smtClean="0"/>
-              <a:t>재클릭</a:t>
-            </a:r>
-            <a:r>
-              <a:rPr lang="ko-KR" altLang="en-US" dirty="0" smtClean="0"/>
-              <a:t> 시 물음표 버튼으로 </a:t>
-            </a:r>
-            <a:r>
-              <a:rPr lang="ko-KR" altLang="en-US" dirty="0" err="1" smtClean="0"/>
-              <a:t>토글됨</a:t>
-            </a:r>
-            <a:r>
-              <a:rPr lang="en-US" altLang="ko-KR" dirty="0" smtClean="0"/>
-              <a:t>.</a:t>
-            </a:r>
-            <a:endParaRPr lang="en-US" altLang="ko-KR" dirty="0"/>
-          </a:p>
-          <a:p>
-            <a:pPr marL="0" indent="0">
-              <a:buNone/>
-            </a:pPr>
-            <a:r>
-              <a:rPr lang="en-US" altLang="ko-KR" dirty="0"/>
-              <a:t>3. </a:t>
-            </a:r>
-            <a:r>
-              <a:rPr lang="ko-KR" altLang="en-US" dirty="0"/>
-              <a:t>정답 확인</a:t>
-            </a:r>
-            <a:r>
-              <a:rPr lang="en-US" altLang="ko-KR" dirty="0"/>
-              <a:t>/</a:t>
-            </a:r>
-            <a:r>
-              <a:rPr lang="ko-KR" altLang="en-US" dirty="0"/>
-              <a:t>정답 가리기 버튼</a:t>
             </a:r>
             <a:endParaRPr lang="en-US" altLang="ko-KR" dirty="0"/>
           </a:p>
@@ -34800,19 +34599,54 @@
             </a:pPr>
             <a:r>
               <a:rPr lang="ko-KR" altLang="en-US" dirty="0"/>
-              <a:t>정답 확인 버튼 클릭 시 정답 텍스트 노출</a:t>
+              <a:t>물음표 버튼 클릭 시 정답 텍스트 노출됨</a:t>
             </a:r>
             <a:r>
               <a:rPr lang="en-US" altLang="ko-KR" dirty="0"/>
-              <a:t>+</a:t>
+              <a:t>.</a:t>
+            </a:r>
+          </a:p>
+          <a:p>
+            <a:pPr marL="171450" indent="-171450">
+              <a:buFontTx/>
+              <a:buChar char="-"/>
+            </a:pPr>
+            <a:r>
+              <a:rPr lang="ko-KR" altLang="en-US" dirty="0" err="1"/>
+              <a:t>재클릭</a:t>
             </a:r>
             <a:r>
               <a:rPr lang="ko-KR" altLang="en-US" dirty="0"/>
-              <a:t>정답 가리기 버튼으로 </a:t>
+              <a:t> 시 물음표 버튼으로 </a:t>
             </a:r>
             <a:r>
               <a:rPr lang="ko-KR" altLang="en-US" dirty="0" err="1"/>
               <a:t>토글됨</a:t>
+            </a:r>
+            <a:r>
+              <a:rPr lang="en-US" altLang="ko-KR" dirty="0"/>
+              <a:t>.</a:t>
+            </a:r>
+          </a:p>
+          <a:p>
+            <a:pPr marL="0" indent="0">
+              <a:buNone/>
+            </a:pPr>
+            <a:r>
+              <a:rPr lang="en-US" altLang="ko-KR" dirty="0"/>
+              <a:t>3. </a:t>
+            </a:r>
+            <a:r>
+              <a:rPr lang="ko-KR" altLang="en-US" dirty="0"/>
+              <a:t>정답 확인</a:t>
+            </a:r>
+            <a:r>
+              <a:rPr lang="en-US" altLang="ko-KR" dirty="0"/>
+              <a:t>/</a:t>
+            </a:r>
+            <a:r>
+              <a:rPr lang="ko-KR" altLang="en-US" dirty="0"/>
+              <a:t>정답 가리기 버튼</a:t>
             </a:r>
             <a:endParaRPr lang="en-US" altLang="ko-KR" dirty="0"/>
           </a:p>
@@ -34823,6 +34657,29 @@
             </a:pPr>
             <a:r>
               <a:rPr lang="ko-KR" altLang="en-US" dirty="0"/>
+              <a:t>정답 확인 버튼 클릭 시 정답 텍스트 노출</a:t>
+            </a:r>
+            <a:r>
+              <a:rPr lang="en-US" altLang="ko-KR" dirty="0"/>
+              <a:t>+</a:t>
+            </a:r>
+            <a:r>
+              <a:rPr lang="ko-KR" altLang="en-US" dirty="0"/>
+              <a:t>정답 가리기 버튼으로 </a:t>
+            </a:r>
+            <a:r>
+              <a:rPr lang="ko-KR" altLang="en-US" dirty="0" err="1"/>
+              <a:t>토글됨</a:t>
+            </a:r>
+            <a:endParaRPr lang="en-US" altLang="ko-KR" dirty="0"/>
+          </a:p>
+          <a:p>
+            <a:pPr marL="171450" indent="-171450">
+              <a:buFontTx/>
+              <a:buChar char="-"/>
+            </a:pPr>
+            <a:r>
+              <a:rPr lang="ko-KR" altLang="en-US" dirty="0"/>
               <a:t>정답 가리기 버튼 클릭 시 정답 텍스트 사라짐</a:t>
             </a:r>
             <a:r>
@@ -34852,18 +34709,14 @@
               <a:t>버튼 클릭 시 이전 슬라이드 </a:t>
             </a:r>
             <a:r>
-              <a:rPr lang="en-US" altLang="ko-KR" dirty="0" smtClean="0"/>
+              <a:rPr lang="en-US" altLang="ko-KR" dirty="0"/>
               <a:t>10 </a:t>
             </a:r>
             <a:r>
               <a:rPr lang="ko-KR" altLang="en-US" dirty="0"/>
-              <a:t>페이지로 </a:t>
-            </a:r>
-            <a:r>
-              <a:rPr lang="ko-KR" altLang="en-US" dirty="0" smtClean="0"/>
-              <a:t>이동</a:t>
-            </a:r>
-            <a:endParaRPr lang="en-US" altLang="ko-KR" dirty="0" smtClean="0"/>
+              <a:t>페이지로 이동</a:t>
+            </a:r>
+            <a:endParaRPr lang="en-US" altLang="ko-KR" dirty="0"/>
           </a:p>
         </p:txBody>
       </p:sp>
@@ -35147,7 +35000,7 @@
               <a:p>
                 <a:pPr algn="ctr"/>
                 <a:r>
-                  <a:rPr lang="en-US" altLang="ko-KR" sz="2500" spc="-150" dirty="0" smtClean="0">
+                  <a:rPr lang="en-US" altLang="ko-KR" sz="2500" spc="-150" dirty="0">
                     <a:solidFill>
                       <a:srgbClr val="E3C8A8"/>
                     </a:solidFill>
@@ -35167,7 +35020,7 @@
                   <a:t>바람직한 디지털 사회를 만들기 위한 노력</a:t>
                 </a:r>
                 <a:r>
-                  <a:rPr lang="en-US" altLang="ko-KR" sz="2500" spc="-150" dirty="0" smtClean="0">
+                  <a:rPr lang="en-US" altLang="ko-KR" sz="2500" spc="-150" dirty="0">
                     <a:solidFill>
                       <a:srgbClr val="E3C8A8"/>
                     </a:solidFill>
@@ -35252,16 +35105,6 @@
               <a:p>
                 <a:pPr algn="ctr"/>
                 <a:r>
-                  <a:rPr lang="ko-KR" altLang="en-US" sz="2500" spc="-150" dirty="0" smtClean="0">
-                    <a:solidFill>
-                      <a:srgbClr val="006EE6"/>
-                    </a:solidFill>
-                    <a:latin typeface="Noto Sans KR Medium" panose="020B0200000000000000" pitchFamily="50" charset="-127"/>
-                    <a:ea typeface="Noto Sans KR Medium" panose="020B0200000000000000" pitchFamily="50" charset="-127"/>
-                  </a:rPr>
-                  <a:t>좋은 </a:t>
-                </a:r>
-                <a:r>
                   <a:rPr lang="ko-KR" altLang="en-US" sz="2500" spc="-150" dirty="0">
                     <a:solidFill>
                       <a:srgbClr val="006EE6"/>
@@ -35269,20 +35112,10 @@
                     <a:latin typeface="Noto Sans KR Medium" panose="020B0200000000000000" pitchFamily="50" charset="-127"/>
                     <a:ea typeface="Noto Sans KR Medium" panose="020B0200000000000000" pitchFamily="50" charset="-127"/>
                   </a:rPr>
-                  <a:t>댓글을 </a:t>
+                  <a:t>좋은 댓글을 답니다</a:t>
                 </a:r>
                 <a:r>
-                  <a:rPr lang="ko-KR" altLang="en-US" sz="2500" spc="-150" dirty="0" smtClean="0">
-                    <a:solidFill>
-                      <a:srgbClr val="006EE6"/>
-                    </a:solidFill>
-                    <a:latin typeface="Noto Sans KR Medium" panose="020B0200000000000000" pitchFamily="50" charset="-127"/>
-                    <a:ea typeface="Noto Sans KR Medium" panose="020B0200000000000000" pitchFamily="50" charset="-127"/>
-                  </a:rPr>
-                  <a:t>답니다</a:t>
-                </a:r>
-                <a:r>
-                  <a:rPr lang="en-US" altLang="ko-KR" sz="2500" spc="-150" dirty="0" smtClean="0">
+                  <a:rPr lang="en-US" altLang="ko-KR" sz="2500" spc="-150" dirty="0">
                     <a:solidFill>
                       <a:srgbClr val="006EE6"/>
                     </a:solidFill>
@@ -35359,20 +35192,10 @@
                     <a:latin typeface="Noto Sans KR Medium" panose="020B0200000000000000" pitchFamily="50" charset="-127"/>
                     <a:ea typeface="Noto Sans KR Medium" panose="020B0200000000000000" pitchFamily="50" charset="-127"/>
                   </a:rPr>
-                  <a:t>다른 사람이 쓴 글을 내 글처럼 </a:t>
+                  <a:t>다른 사람이 쓴 글을 내 글처럼 사용하지 않습니다</a:t>
                 </a:r>
                 <a:r>
-                  <a:rPr lang="ko-KR" altLang="en-US" sz="2500" spc="-150" dirty="0" smtClean="0">
-                    <a:solidFill>
-                      <a:srgbClr val="006EE6"/>
-                    </a:solidFill>
-                    <a:latin typeface="Noto Sans KR Medium" panose="020B0200000000000000" pitchFamily="50" charset="-127"/>
-                    <a:ea typeface="Noto Sans KR Medium" panose="020B0200000000000000" pitchFamily="50" charset="-127"/>
-                  </a:rPr>
-                  <a:t>사용하지 않습니다</a:t>
-                </a:r>
-                <a:r>
-                  <a:rPr lang="en-US" altLang="ko-KR" sz="2500" spc="-150" dirty="0" smtClean="0">
+                  <a:rPr lang="en-US" altLang="ko-KR" sz="2500" spc="-150" dirty="0">
                     <a:solidFill>
                       <a:srgbClr val="006EE6"/>
                     </a:solidFill>
@@ -35449,30 +35272,10 @@
                     <a:latin typeface="Noto Sans KR Medium" panose="020B0200000000000000" pitchFamily="50" charset="-127"/>
                     <a:ea typeface="Noto Sans KR Medium" panose="020B0200000000000000" pitchFamily="50" charset="-127"/>
                   </a:rPr>
-                  <a:t>온라인 대화방에서도 친구를 </a:t>
+                  <a:t>온라인 대화방에서도 친구를 따돌리지 않습니다</a:t>
                 </a:r>
                 <a:r>
-                  <a:rPr lang="ko-KR" altLang="en-US" sz="2500" spc="-150" dirty="0" smtClean="0">
-                    <a:solidFill>
-                      <a:srgbClr val="006EE6"/>
-                    </a:solidFill>
-                    <a:latin typeface="Noto Sans KR Medium" panose="020B0200000000000000" pitchFamily="50" charset="-127"/>
-                    <a:ea typeface="Noto Sans KR Medium" panose="020B0200000000000000" pitchFamily="50" charset="-127"/>
-                  </a:rPr>
-                  <a:t>따돌리지 </a:t>
-                </a:r>
-                <a:r>
-                  <a:rPr lang="ko-KR" altLang="en-US" sz="2500" spc="-150" dirty="0" smtClean="0">
-                    <a:solidFill>
-                      <a:srgbClr val="006EE6"/>
-                    </a:solidFill>
-                    <a:latin typeface="Noto Sans KR Medium" panose="020B0200000000000000" pitchFamily="50" charset="-127"/>
-                    <a:ea typeface="Noto Sans KR Medium" panose="020B0200000000000000" pitchFamily="50" charset="-127"/>
-                  </a:rPr>
-                  <a:t>않습니다</a:t>
-                </a:r>
-                <a:r>
-                  <a:rPr lang="en-US" altLang="ko-KR" sz="2500" spc="-150" dirty="0" smtClean="0">
+                  <a:rPr lang="en-US" altLang="ko-KR" sz="2500" spc="-150" dirty="0">
                     <a:solidFill>
                       <a:srgbClr val="006EE6"/>
                     </a:solidFill>
@@ -35579,20 +35382,10 @@
                     <a:latin typeface="Noto Sans KR Medium" panose="020B0200000000000000" pitchFamily="50" charset="-127"/>
                     <a:ea typeface="Noto Sans KR Medium" panose="020B0200000000000000" pitchFamily="50" charset="-127"/>
                   </a:rPr>
-                  <a:t>에서도 비속어를 쓰지 </a:t>
+                  <a:t>에서도 비속어를 쓰지 않습니다</a:t>
                 </a:r>
                 <a:r>
-                  <a:rPr lang="ko-KR" altLang="en-US" sz="2500" spc="-150" dirty="0" smtClean="0">
-                    <a:solidFill>
-                      <a:srgbClr val="006EE6"/>
-                    </a:solidFill>
-                    <a:latin typeface="Noto Sans KR Medium" panose="020B0200000000000000" pitchFamily="50" charset="-127"/>
-                    <a:ea typeface="Noto Sans KR Medium" panose="020B0200000000000000" pitchFamily="50" charset="-127"/>
-                  </a:rPr>
-                  <a:t>않습니다</a:t>
-                </a:r>
-                <a:r>
-                  <a:rPr lang="en-US" altLang="ko-KR" sz="2500" spc="-150" dirty="0" smtClean="0">
+                  <a:rPr lang="en-US" altLang="ko-KR" sz="2500" spc="-150" dirty="0">
                     <a:solidFill>
                       <a:srgbClr val="006EE6"/>
                     </a:solidFill>
@@ -35622,9 +35415,7 @@
           <p:nvPr/>
         </p:nvPicPr>
         <p:blipFill>
-          <a:blip r:embed="rId6">
-            <a:extLst/>
-          </a:blip>
+          <a:blip r:embed="rId6"/>
           <a:stretch>
             <a:fillRect/>
           </a:stretch>
@@ -35648,9 +35439,7 @@
           <p:nvPr/>
         </p:nvPicPr>
         <p:blipFill>
-          <a:blip r:embed="rId6">
-            <a:extLst/>
-          </a:blip>
+          <a:blip r:embed="rId6"/>
           <a:stretch>
             <a:fillRect/>
           </a:stretch>
@@ -35674,9 +35463,7 @@
           <p:nvPr/>
         </p:nvPicPr>
         <p:blipFill>
-          <a:blip r:embed="rId6">
-            <a:extLst/>
-          </a:blip>
+          <a:blip r:embed="rId6"/>
           <a:stretch>
             <a:fillRect/>
           </a:stretch>
@@ -35700,9 +35487,7 @@
           <p:nvPr/>
         </p:nvPicPr>
         <p:blipFill>
-          <a:blip r:embed="rId6">
-            <a:extLst/>
-          </a:blip>
+          <a:blip r:embed="rId6"/>
           <a:stretch>
             <a:fillRect/>
           </a:stretch>
@@ -35844,7 +35629,7 @@
           <a:p>
             <a:pPr algn="ctr" defTabSz="1097280"/>
             <a:r>
-              <a:rPr lang="en-US" altLang="ko-KR" sz="1200" b="1" dirty="0" smtClean="0">
+              <a:rPr lang="en-US" altLang="ko-KR" sz="1200" b="1" dirty="0">
                 <a:solidFill>
                   <a:prstClr val="white">
                     <a:lumMod val="95000"/>
@@ -35894,7 +35679,7 @@
           <a:p>
             <a:pPr algn="ctr" defTabSz="1097280"/>
             <a:r>
-              <a:rPr lang="en-US" altLang="ko-KR" sz="1200" b="1" dirty="0" smtClean="0">
+              <a:rPr lang="en-US" altLang="ko-KR" sz="1200" b="1" dirty="0">
                 <a:solidFill>
                   <a:prstClr val="white">
                     <a:lumMod val="95000"/>
@@ -35927,13 +35712,6 @@
   <p:clrMapOvr>
     <a:masterClrMapping/>
   </p:clrMapOvr>
-  <p:timing>
-    <p:tnLst>
-      <p:par>
-        <p:cTn id="1" dur="indefinite" restart="never" nodeType="tmRoot"/>
-      </p:par>
-    </p:tnLst>
-  </p:timing>
 </p:sld>
 </file>
 
@@ -36036,7 +35814,7 @@
                         <a:tabLst/>
                       </a:pPr>
                       <a:r>
-                        <a:rPr kumimoji="0" lang="ko-KR" altLang="en-US" sz="1100" b="1" i="0" u="none" strike="noStrike" cap="none" normalizeH="0" baseline="0" smtClean="0">
+                        <a:rPr kumimoji="0" lang="ko-KR" altLang="en-US" sz="1100" b="1" i="0" u="none" strike="noStrike" cap="none" normalizeH="0" baseline="0">
                           <a:ln>
                             <a:noFill/>
                           </a:ln>
@@ -36049,7 +35827,7 @@
                         </a:rPr>
                         <a:t>학습 목차</a:t>
                       </a:r>
-                      <a:endParaRPr kumimoji="0" lang="en-US" altLang="ko-KR" sz="1100" b="1" i="0" u="none" strike="noStrike" cap="none" normalizeH="0" baseline="0" dirty="0" smtClean="0">
+                      <a:endParaRPr kumimoji="0" lang="en-US" altLang="ko-KR" sz="1100" b="1" i="0" u="none" strike="noStrike" cap="none" normalizeH="0" baseline="0" dirty="0">
                         <a:ln>
                           <a:noFill/>
                         </a:ln>
@@ -36180,7 +35958,7 @@
                         <a:tabLst/>
                       </a:pPr>
                       <a:r>
-                        <a:rPr kumimoji="0" lang="ko-KR" altLang="en-US" sz="1100" b="1" i="0" u="none" strike="noStrike" cap="none" normalizeH="0" baseline="0" smtClean="0">
+                        <a:rPr kumimoji="0" lang="ko-KR" altLang="en-US" sz="1100" b="1" i="0" u="none" strike="noStrike" cap="none" normalizeH="0" baseline="0">
                           <a:ln>
                             <a:noFill/>
                           </a:ln>
@@ -36195,7 +35973,7 @@
                         </a:rPr>
                         <a:t>학습 단계</a:t>
                       </a:r>
-                      <a:endParaRPr kumimoji="0" lang="ko-KR" altLang="en-US" sz="1100" b="1" i="0" u="none" strike="noStrike" cap="none" normalizeH="0" baseline="0" dirty="0" smtClean="0">
+                      <a:endParaRPr kumimoji="0" lang="ko-KR" altLang="en-US" sz="1100" b="1" i="0" u="none" strike="noStrike" cap="none" normalizeH="0" baseline="0" dirty="0">
                         <a:ln>
                           <a:noFill/>
                         </a:ln>
@@ -36283,7 +36061,7 @@
                         <a:tabLst/>
                       </a:pPr>
                       <a:r>
-                        <a:rPr kumimoji="0" lang="en-US" altLang="ko-KR" sz="1100" b="1" i="0" u="none" strike="noStrike" cap="none" normalizeH="0" baseline="0" smtClean="0">
+                        <a:rPr kumimoji="0" lang="en-US" altLang="ko-KR" sz="1100" b="1" i="0" u="none" strike="noStrike" cap="none" normalizeH="0" baseline="0">
                           <a:ln>
                             <a:noFill/>
                           </a:ln>
@@ -36298,7 +36076,7 @@
                         </a:rPr>
                         <a:t>No</a:t>
                       </a:r>
-                      <a:endParaRPr kumimoji="0" lang="ko-KR" altLang="en-US" sz="1100" b="1" i="0" u="none" strike="noStrike" cap="none" normalizeH="0" baseline="0" dirty="0" smtClean="0">
+                      <a:endParaRPr kumimoji="0" lang="ko-KR" altLang="en-US" sz="1100" b="1" i="0" u="none" strike="noStrike" cap="none" normalizeH="0" baseline="0" dirty="0">
                         <a:ln>
                           <a:noFill/>
                         </a:ln>
@@ -36386,7 +36164,7 @@
                         <a:tabLst/>
                       </a:pPr>
                       <a:r>
-                        <a:rPr kumimoji="0" lang="ko-KR" altLang="en-US" sz="1100" b="1" i="0" u="none" strike="noStrike" cap="none" normalizeH="0" baseline="0" dirty="0" smtClean="0">
+                        <a:rPr kumimoji="0" lang="ko-KR" altLang="en-US" sz="1100" b="1" i="0" u="none" strike="noStrike" cap="none" normalizeH="0" baseline="0" dirty="0">
                           <a:ln>
                             <a:noFill/>
                           </a:ln>
@@ -36476,7 +36254,7 @@
                         <a:tabLst/>
                       </a:pPr>
                       <a:r>
-                        <a:rPr kumimoji="0" lang="ko-KR" altLang="en-US" sz="1100" b="1" i="0" u="none" strike="noStrike" cap="none" normalizeH="0" baseline="0" smtClean="0">
+                        <a:rPr kumimoji="0" lang="ko-KR" altLang="en-US" sz="1100" b="1" i="0" u="none" strike="noStrike" cap="none" normalizeH="0" baseline="0">
                           <a:ln>
                             <a:noFill/>
                           </a:ln>
@@ -36491,7 +36269,7 @@
                         </a:rPr>
                         <a:t>파일명</a:t>
                       </a:r>
-                      <a:endParaRPr kumimoji="0" lang="en-US" altLang="ko-KR" sz="1100" b="1" i="0" u="none" strike="noStrike" cap="none" normalizeH="0" baseline="0" dirty="0" smtClean="0">
+                      <a:endParaRPr kumimoji="0" lang="en-US" altLang="ko-KR" sz="1100" b="1" i="0" u="none" strike="noStrike" cap="none" normalizeH="0" baseline="0" dirty="0">
                         <a:ln>
                           <a:noFill/>
                         </a:ln>
@@ -36579,7 +36357,7 @@
                         <a:tabLst/>
                       </a:pPr>
                       <a:r>
-                        <a:rPr kumimoji="0" lang="ko-KR" altLang="en-US" sz="1100" b="1" i="0" u="none" strike="noStrike" cap="none" normalizeH="0" baseline="0" smtClean="0">
+                        <a:rPr kumimoji="0" lang="ko-KR" altLang="en-US" sz="1100" b="1" i="0" u="none" strike="noStrike" cap="none" normalizeH="0" baseline="0">
                           <a:ln>
                             <a:noFill/>
                           </a:ln>
@@ -36594,7 +36372,7 @@
                         </a:rPr>
                         <a:t>파일 수</a:t>
                       </a:r>
-                      <a:endParaRPr kumimoji="0" lang="ko-KR" altLang="en-US" sz="1100" b="1" i="0" u="none" strike="noStrike" cap="none" normalizeH="0" baseline="0" dirty="0" smtClean="0">
+                      <a:endParaRPr kumimoji="0" lang="ko-KR" altLang="en-US" sz="1100" b="1" i="0" u="none" strike="noStrike" cap="none" normalizeH="0" baseline="0" dirty="0">
                         <a:ln>
                           <a:noFill/>
                         </a:ln>
@@ -36689,7 +36467,7 @@
                         <a:tabLst/>
                       </a:pPr>
                       <a:r>
-                        <a:rPr kumimoji="0" lang="ko-KR" altLang="en-US" sz="1100" b="1" i="0" u="none" strike="noStrike" kern="1200" cap="none" normalizeH="0" baseline="0" dirty="0" smtClean="0">
+                        <a:rPr kumimoji="0" lang="ko-KR" altLang="en-US" sz="1100" b="1" i="0" u="none" strike="noStrike" kern="1200" cap="none" normalizeH="0" baseline="0" dirty="0">
                           <a:ln>
                             <a:noFill/>
                           </a:ln>
@@ -36705,7 +36483,7 @@
                         </a:rPr>
                         <a:t>똑똑</a:t>
                       </a:r>
-                      <a:endParaRPr kumimoji="0" lang="en-US" altLang="ko-KR" sz="1100" b="1" i="0" u="none" strike="noStrike" kern="1200" cap="none" normalizeH="0" baseline="0" dirty="0" smtClean="0">
+                      <a:endParaRPr kumimoji="0" lang="en-US" altLang="ko-KR" sz="1100" b="1" i="0" u="none" strike="noStrike" kern="1200" cap="none" normalizeH="0" baseline="0" dirty="0">
                         <a:ln>
                           <a:noFill/>
                         </a:ln>
@@ -36776,7 +36554,7 @@
                     <a:p>
                       <a:pPr algn="ctr"/>
                       <a:r>
-                        <a:rPr lang="en-US" altLang="ko-KR" sz="1100" dirty="0" smtClean="0"/>
+                        <a:rPr lang="en-US" altLang="ko-KR" sz="1100" dirty="0"/>
                         <a:t>101</a:t>
                       </a:r>
                       <a:endParaRPr lang="ko-KR" altLang="en-US" sz="1100" dirty="0"/>
@@ -36836,10 +36614,9 @@
                     <a:lstStyle/>
                     <a:p>
                       <a:r>
-                        <a:rPr lang="ko-KR" altLang="en-US" sz="1100" dirty="0" smtClean="0"/>
+                        <a:rPr lang="ko-KR" altLang="en-US" sz="1100" dirty="0"/>
                         <a:t>바람직한 디지털 사회를 만들고자 실천할 수 있는 일 찾기</a:t>
                       </a:r>
-                      <a:endParaRPr lang="ko-KR" altLang="en-US" sz="1100" dirty="0"/>
                     </a:p>
                   </a:txBody>
                   <a:tcPr marL="64800" marR="64800" marT="43200" marB="43200" anchor="ctr" horzOverflow="overflow">
@@ -36897,7 +36674,7 @@
                     <a:p>
                       <a:pPr algn="ctr"/>
                       <a:r>
-                        <a:rPr lang="en-US" altLang="ko-KR" sz="1100" dirty="0" smtClean="0"/>
+                        <a:rPr lang="en-US" altLang="ko-KR" sz="1100" dirty="0"/>
                         <a:t>duk_04_05_0003_101</a:t>
                       </a:r>
                       <a:endParaRPr lang="ko-KR" altLang="en-US" sz="1100" dirty="0"/>
@@ -36958,7 +36735,7 @@
                     <a:p>
                       <a:pPr algn="ctr"/>
                       <a:r>
-                        <a:rPr lang="en-US" altLang="ko-KR" sz="1100" dirty="0" smtClean="0"/>
+                        <a:rPr lang="en-US" altLang="ko-KR" sz="1100" dirty="0"/>
                         <a:t>1</a:t>
                       </a:r>
                       <a:endParaRPr lang="ko-KR" altLang="en-US" sz="1100" dirty="0"/>
@@ -37040,7 +36817,7 @@
                         <a:buNone/>
                         <a:tabLst/>
                       </a:pPr>
-                      <a:endParaRPr kumimoji="0" lang="en-US" altLang="ko-KR" sz="1100" b="1" i="0" u="none" strike="noStrike" kern="1200" cap="none" normalizeH="0" baseline="0" dirty="0" smtClean="0">
+                      <a:endParaRPr kumimoji="0" lang="en-US" altLang="ko-KR" sz="1100" b="1" i="0" u="none" strike="noStrike" kern="1200" cap="none" normalizeH="0" baseline="0" dirty="0">
                         <a:ln>
                           <a:noFill/>
                         </a:ln>
@@ -37111,7 +36888,7 @@
                     <a:p>
                       <a:pPr algn="ctr"/>
                       <a:r>
-                        <a:rPr lang="en-US" altLang="ko-KR" sz="1100" dirty="0" smtClean="0"/>
+                        <a:rPr lang="en-US" altLang="ko-KR" sz="1100" dirty="0"/>
                         <a:t>102</a:t>
                       </a:r>
                       <a:endParaRPr lang="ko-KR" altLang="en-US" sz="1100" dirty="0"/>
@@ -37171,10 +36948,9 @@
                     <a:lstStyle/>
                     <a:p>
                       <a:r>
-                        <a:rPr lang="ko-KR" altLang="en-US" sz="1100" dirty="0" smtClean="0"/>
+                        <a:rPr lang="ko-KR" altLang="en-US" sz="1100" dirty="0"/>
                         <a:t>이번 시간에 배울 내용</a:t>
                       </a:r>
-                      <a:endParaRPr lang="ko-KR" altLang="en-US" sz="1100" dirty="0"/>
                     </a:p>
                   </a:txBody>
                   <a:tcPr marL="64800" marR="64800" marT="43200" marB="43200" anchor="ctr" horzOverflow="overflow">
@@ -37232,7 +37008,7 @@
                     <a:p>
                       <a:pPr algn="ctr"/>
                       <a:r>
-                        <a:rPr lang="en-US" altLang="ko-KR" sz="1100" dirty="0" smtClean="0"/>
+                        <a:rPr lang="en-US" altLang="ko-KR" sz="1100" dirty="0"/>
                         <a:t>duk_04_05_0003_102</a:t>
                       </a:r>
                       <a:endParaRPr lang="ko-KR" altLang="en-US" sz="1100" dirty="0"/>
@@ -37293,7 +37069,7 @@
                     <a:p>
                       <a:pPr algn="ctr"/>
                       <a:r>
-                        <a:rPr lang="en-US" altLang="ko-KR" sz="1100" dirty="0" smtClean="0"/>
+                        <a:rPr lang="en-US" altLang="ko-KR" sz="1100" dirty="0"/>
                         <a:t>1</a:t>
                       </a:r>
                       <a:endParaRPr lang="ko-KR" altLang="en-US" sz="1100" dirty="0"/>
@@ -37376,7 +37152,7 @@
                         <a:tabLst/>
                       </a:pPr>
                       <a:r>
-                        <a:rPr kumimoji="0" lang="ko-KR" altLang="en-US" sz="1100" b="1" i="0" u="none" strike="noStrike" kern="1200" cap="none" normalizeH="0" baseline="0" dirty="0" smtClean="0">
+                        <a:rPr kumimoji="0" lang="ko-KR" altLang="en-US" sz="1100" b="1" i="0" u="none" strike="noStrike" kern="1200" cap="none" normalizeH="0" baseline="0" dirty="0">
                           <a:ln>
                             <a:noFill/>
                           </a:ln>
@@ -37392,7 +37168,7 @@
                         </a:rPr>
                         <a:t>쑥쑥</a:t>
                       </a:r>
-                      <a:endParaRPr kumimoji="0" lang="en-US" altLang="ko-KR" sz="1100" b="1" i="0" u="none" strike="noStrike" kern="1200" cap="none" normalizeH="0" baseline="0" dirty="0" smtClean="0">
+                      <a:endParaRPr kumimoji="0" lang="en-US" altLang="ko-KR" sz="1100" b="1" i="0" u="none" strike="noStrike" kern="1200" cap="none" normalizeH="0" baseline="0" dirty="0">
                         <a:ln>
                           <a:noFill/>
                         </a:ln>
@@ -37463,7 +37239,7 @@
                     <a:p>
                       <a:pPr algn="ctr"/>
                       <a:r>
-                        <a:rPr lang="en-US" altLang="ko-KR" sz="1100" dirty="0" smtClean="0"/>
+                        <a:rPr lang="en-US" altLang="ko-KR" sz="1100" dirty="0"/>
                         <a:t>201</a:t>
                       </a:r>
                       <a:endParaRPr lang="ko-KR" altLang="en-US" sz="1100" dirty="0"/>
@@ -37523,27 +37299,27 @@
                     <a:lstStyle/>
                     <a:p>
                       <a:r>
-                        <a:rPr lang="en-US" altLang="ko-KR" sz="1100" dirty="0" smtClean="0"/>
+                        <a:rPr lang="en-US" altLang="ko-KR" sz="1100" dirty="0"/>
                         <a:t>‘</a:t>
                       </a:r>
                       <a:r>
-                        <a:rPr lang="ko-KR" altLang="en-US" sz="1100" dirty="0" smtClean="0"/>
+                        <a:rPr lang="ko-KR" altLang="en-US" sz="1100" dirty="0"/>
                         <a:t>바람직한 디지털 사회</a:t>
                       </a:r>
                       <a:r>
-                        <a:rPr lang="en-US" altLang="ko-KR" sz="1100" baseline="0" dirty="0" smtClean="0"/>
+                        <a:rPr lang="en-US" altLang="ko-KR" sz="1100" baseline="0" dirty="0"/>
                         <a:t> </a:t>
                       </a:r>
                       <a:r>
-                        <a:rPr lang="ko-KR" altLang="en-US" sz="1100" baseline="0" dirty="0" smtClean="0"/>
+                        <a:rPr lang="ko-KR" altLang="en-US" sz="1100" baseline="0" dirty="0"/>
                         <a:t>만들기</a:t>
                       </a:r>
                       <a:r>
-                        <a:rPr lang="en-US" altLang="ko-KR" sz="1100" baseline="0" dirty="0" smtClean="0"/>
+                        <a:rPr lang="en-US" altLang="ko-KR" sz="1100" baseline="0" dirty="0"/>
                         <a:t>’ </a:t>
                       </a:r>
                       <a:r>
-                        <a:rPr lang="ko-KR" altLang="en-US" sz="1100" baseline="0" dirty="0" smtClean="0"/>
+                        <a:rPr lang="ko-KR" altLang="en-US" sz="1100" baseline="0" dirty="0"/>
                         <a:t>캠페인 계획하기</a:t>
                       </a:r>
                       <a:endParaRPr lang="ko-KR" altLang="en-US" sz="1100" dirty="0"/>
@@ -37604,7 +37380,7 @@
                     <a:p>
                       <a:pPr algn="ctr"/>
                       <a:r>
-                        <a:rPr lang="en-US" altLang="ko-KR" sz="1100" dirty="0" smtClean="0"/>
+                        <a:rPr lang="en-US" altLang="ko-KR" sz="1100" dirty="0"/>
                         <a:t>duk_04_05_0003_201</a:t>
                       </a:r>
                       <a:endParaRPr lang="ko-KR" altLang="en-US" sz="1100" dirty="0"/>
@@ -37665,7 +37441,7 @@
                     <a:p>
                       <a:pPr algn="ctr"/>
                       <a:r>
-                        <a:rPr lang="en-US" altLang="ko-KR" sz="1100" dirty="0" smtClean="0"/>
+                        <a:rPr lang="en-US" altLang="ko-KR" sz="1100" dirty="0"/>
                         <a:t>1</a:t>
                       </a:r>
                       <a:endParaRPr lang="ko-KR" altLang="en-US" sz="1100" dirty="0"/>
@@ -37748,7 +37524,7 @@
                         <a:tabLst/>
                       </a:pPr>
                       <a:r>
-                        <a:rPr kumimoji="0" lang="ko-KR" altLang="en-US" sz="1100" b="1" i="0" u="none" strike="noStrike" kern="1200" cap="none" normalizeH="0" baseline="0" dirty="0" smtClean="0">
+                        <a:rPr kumimoji="0" lang="ko-KR" altLang="en-US" sz="1100" b="1" i="0" u="none" strike="noStrike" kern="1200" cap="none" normalizeH="0" baseline="0" dirty="0">
                           <a:ln>
                             <a:noFill/>
                           </a:ln>
@@ -37764,7 +37540,7 @@
                         </a:rPr>
                         <a:t>탄탄</a:t>
                       </a:r>
-                      <a:endParaRPr kumimoji="0" lang="en-US" altLang="ko-KR" sz="1100" b="1" i="0" u="none" strike="noStrike" kern="1200" cap="none" normalizeH="0" baseline="0" dirty="0" smtClean="0">
+                      <a:endParaRPr kumimoji="0" lang="en-US" altLang="ko-KR" sz="1100" b="1" i="0" u="none" strike="noStrike" kern="1200" cap="none" normalizeH="0" baseline="0" dirty="0">
                         <a:ln>
                           <a:noFill/>
                         </a:ln>
@@ -37835,7 +37611,7 @@
                     <a:p>
                       <a:pPr algn="ctr"/>
                       <a:r>
-                        <a:rPr lang="en-US" altLang="ko-KR" sz="1100" dirty="0" smtClean="0"/>
+                        <a:rPr lang="en-US" altLang="ko-KR" sz="1100" dirty="0"/>
                         <a:t>301</a:t>
                       </a:r>
                       <a:endParaRPr lang="ko-KR" altLang="en-US" sz="1100" dirty="0"/>
@@ -37895,10 +37671,9 @@
                     <a:lstStyle/>
                     <a:p>
                       <a:r>
-                        <a:rPr lang="ko-KR" altLang="en-US" sz="1100" dirty="0" smtClean="0"/>
+                        <a:rPr lang="ko-KR" altLang="en-US" sz="1100" dirty="0"/>
                         <a:t>캠페인 활동하기</a:t>
                       </a:r>
-                      <a:endParaRPr lang="ko-KR" altLang="en-US" sz="1100" dirty="0"/>
                     </a:p>
                   </a:txBody>
                   <a:tcPr marL="64800" marR="64800" marT="43200" marB="43200" anchor="ctr" horzOverflow="overflow">
@@ -37956,7 +37731,7 @@
                     <a:p>
                       <a:pPr algn="ctr"/>
                       <a:r>
-                        <a:rPr lang="en-US" altLang="ko-KR" sz="1100" dirty="0" smtClean="0"/>
+                        <a:rPr lang="en-US" altLang="ko-KR" sz="1100" dirty="0"/>
                         <a:t>duk_04_05_0003_301</a:t>
                       </a:r>
                       <a:endParaRPr lang="ko-KR" altLang="en-US" sz="1100" dirty="0"/>
@@ -38017,7 +37792,7 @@
                     <a:p>
                       <a:pPr algn="ctr"/>
                       <a:r>
-                        <a:rPr lang="en-US" altLang="ko-KR" sz="1100" dirty="0" smtClean="0"/>
+                        <a:rPr lang="en-US" altLang="ko-KR" sz="1100" dirty="0"/>
                         <a:t>1</a:t>
                       </a:r>
                       <a:endParaRPr lang="ko-KR" altLang="en-US" sz="1100" dirty="0"/>
@@ -38100,7 +37875,7 @@
                         <a:tabLst/>
                       </a:pPr>
                       <a:r>
-                        <a:rPr kumimoji="0" lang="ko-KR" altLang="en-US" sz="1100" b="1" i="0" u="none" strike="noStrike" kern="1200" cap="none" normalizeH="0" baseline="0" dirty="0" smtClean="0">
+                        <a:rPr kumimoji="0" lang="ko-KR" altLang="en-US" sz="1100" b="1" i="0" u="none" strike="noStrike" kern="1200" cap="none" normalizeH="0" baseline="0" dirty="0">
                           <a:ln>
                             <a:noFill/>
                           </a:ln>
@@ -38116,7 +37891,7 @@
                         </a:rPr>
                         <a:t>총 파일 수</a:t>
                       </a:r>
-                      <a:endParaRPr kumimoji="0" lang="en-US" altLang="ko-KR" sz="1100" b="1" i="0" u="none" strike="noStrike" kern="1200" cap="none" normalizeH="0" baseline="0" dirty="0" smtClean="0">
+                      <a:endParaRPr kumimoji="0" lang="en-US" altLang="ko-KR" sz="1100" b="1" i="0" u="none" strike="noStrike" kern="1200" cap="none" normalizeH="0" baseline="0" dirty="0">
                         <a:ln>
                           <a:noFill/>
                         </a:ln>
@@ -38204,7 +37979,7 @@
                         <a:buNone/>
                         <a:tabLst/>
                       </a:pPr>
-                      <a:endParaRPr kumimoji="0" lang="en-US" altLang="ko-KR" sz="900" b="0" i="0" u="none" strike="noStrike" cap="none" normalizeH="0" baseline="0" dirty="0" smtClean="0">
+                      <a:endParaRPr kumimoji="0" lang="en-US" altLang="ko-KR" sz="900" b="0" i="0" u="none" strike="noStrike" cap="none" normalizeH="0" baseline="0" dirty="0">
                         <a:ln>
                           <a:noFill/>
                         </a:ln>
@@ -38289,7 +38064,7 @@
                         <a:buNone/>
                         <a:tabLst/>
                       </a:pPr>
-                      <a:endParaRPr kumimoji="0" lang="en-US" altLang="ko-KR" sz="900" b="0" i="0" u="none" strike="noStrike" cap="none" normalizeH="0" baseline="0" dirty="0" smtClean="0">
+                      <a:endParaRPr kumimoji="0" lang="en-US" altLang="ko-KR" sz="900" b="0" i="0" u="none" strike="noStrike" cap="none" normalizeH="0" baseline="0" dirty="0">
                         <a:ln>
                           <a:noFill/>
                         </a:ln>
@@ -38374,7 +38149,7 @@
                         <a:buNone/>
                         <a:tabLst/>
                       </a:pPr>
-                      <a:endParaRPr kumimoji="0" lang="ko-KR" altLang="en-US" sz="900" b="0" i="0" u="none" strike="noStrike" cap="none" normalizeH="0" baseline="0" dirty="0" smtClean="0">
+                      <a:endParaRPr kumimoji="0" lang="ko-KR" altLang="en-US" sz="900" b="0" i="0" u="none" strike="noStrike" cap="none" normalizeH="0" baseline="0" dirty="0">
                         <a:ln>
                           <a:noFill/>
                         </a:ln>
@@ -38445,7 +38220,7 @@
                     <a:p>
                       <a:pPr algn="ctr"/>
                       <a:r>
-                        <a:rPr lang="en-US" altLang="ko-KR" sz="1100" dirty="0" smtClean="0"/>
+                        <a:rPr lang="en-US" altLang="ko-KR" sz="1100" dirty="0"/>
                         <a:t>4</a:t>
                       </a:r>
                       <a:endParaRPr lang="ko-KR" altLang="en-US" sz="1100" dirty="0"/>
@@ -38526,7 +38301,7 @@
 </file>
 
 <file path=ppt/slides/slide3.xml><?xml version="1.0" encoding="utf-8"?>
-<p:sld xmlns:a="http://schemas.openxmlformats.org/drawingml/2006/main" xmlns:r="http://schemas.openxmlformats.org/officeDocument/2006/relationships" xmlns:p="http://schemas.openxmlformats.org/presentationml/2006/main">
+<p:sld xmlns:a="http://schemas.openxmlformats.org/drawingml/2006/main" xmlns:r="http://schemas.openxmlformats.org/officeDocument/2006/relationships" xmlns:p="http://schemas.openxmlformats.org/presentationml/2006/main" show="0">
   <p:cSld>
     <p:spTree>
       <p:nvGrpSpPr>
@@ -38558,11 +38333,11 @@
           <a:lstStyle/>
           <a:p>
             <a:r>
-              <a:rPr lang="ko-KR" altLang="en-US" dirty="0" smtClean="0"/>
+              <a:rPr lang="ko-KR" altLang="en-US" dirty="0"/>
               <a:t>바람직한 디지털 사회를 만들려면 우리는 어떤 노력을 해야 할까요</a:t>
             </a:r>
             <a:r>
-              <a:rPr lang="en-US" altLang="ko-KR" dirty="0" smtClean="0"/>
+              <a:rPr lang="en-US" altLang="ko-KR" dirty="0"/>
               <a:t>?</a:t>
             </a:r>
             <a:endParaRPr lang="ko-KR" altLang="en-US" dirty="0"/>
@@ -38585,14 +38360,14 @@
           <a:lstStyle/>
           <a:p>
             <a:r>
-              <a:rPr lang="ko-KR" altLang="en-US" dirty="0" smtClean="0"/>
+              <a:rPr lang="ko-KR" altLang="en-US" dirty="0"/>
               <a:t>삽화 발주</a:t>
             </a:r>
-            <a:endParaRPr lang="en-US" altLang="ko-KR" dirty="0" smtClean="0"/>
+            <a:endParaRPr lang="en-US" altLang="ko-KR" dirty="0"/>
           </a:p>
           <a:p>
             <a:r>
-              <a:rPr lang="en-US" altLang="ko-KR" dirty="0" smtClean="0"/>
+              <a:rPr lang="en-US" altLang="ko-KR" dirty="0"/>
               <a:t>duk_04_05_0003_1</a:t>
             </a:r>
             <a:endParaRPr lang="ko-KR" altLang="en-US" dirty="0"/>
@@ -38615,12 +38390,8 @@
           <a:lstStyle/>
           <a:p>
             <a:r>
-              <a:rPr lang="ko-KR" altLang="en-US" dirty="0" smtClean="0"/>
-              <a:t>바람직한 </a:t>
-            </a:r>
-            <a:r>
               <a:rPr lang="ko-KR" altLang="en-US" dirty="0"/>
-              <a:t>디지털 사회를 만들고자 실천할 수 있는 일 찾기</a:t>
+              <a:t>바람직한 디지털 사회를 만들고자 실천할 수 있는 일 찾기</a:t>
             </a:r>
           </a:p>
         </p:txBody>
@@ -38666,16 +38437,16 @@
               <a:buNone/>
             </a:pPr>
             <a:r>
-              <a:rPr lang="en-US" altLang="ko-KR" dirty="0" smtClean="0"/>
+              <a:rPr lang="en-US" altLang="ko-KR" dirty="0"/>
               <a:t>[101]</a:t>
             </a:r>
           </a:p>
           <a:p>
             <a:r>
-              <a:rPr lang="ko-KR" altLang="en-US" dirty="0" smtClean="0"/>
+              <a:rPr lang="ko-KR" altLang="en-US" dirty="0"/>
               <a:t>삽화</a:t>
             </a:r>
-            <a:endParaRPr lang="en-US" altLang="ko-KR" dirty="0" smtClean="0"/>
+            <a:endParaRPr lang="en-US" altLang="ko-KR" dirty="0"/>
           </a:p>
           <a:p>
             <a:r>
@@ -38727,16 +38498,8 @@
               <a:buAutoNum type="arabicPeriod" startAt="3"/>
             </a:pPr>
             <a:r>
-              <a:rPr lang="ko-KR" altLang="en-US" dirty="0" smtClean="0"/>
-              <a:t>추가 </a:t>
-            </a:r>
-            <a:r>
               <a:rPr lang="ko-KR" altLang="en-US" dirty="0"/>
-              <a:t>질문 </a:t>
-            </a:r>
-            <a:r>
-              <a:rPr lang="ko-KR" altLang="en-US" dirty="0" smtClean="0"/>
-              <a:t>버튼</a:t>
+              <a:t>추가 질문 버튼</a:t>
             </a:r>
             <a:endParaRPr lang="en-US" altLang="ko-KR" dirty="0"/>
           </a:p>
@@ -38770,19 +38533,15 @@
               <a:t>슬라이드 </a:t>
             </a:r>
             <a:r>
-              <a:rPr lang="en-US" altLang="ko-KR" dirty="0" smtClean="0"/>
+              <a:rPr lang="en-US" altLang="ko-KR" dirty="0"/>
               <a:t>4~5</a:t>
             </a:r>
             <a:r>
-              <a:rPr lang="ko-KR" altLang="en-US" dirty="0" smtClean="0"/>
-              <a:t>페이지 </a:t>
-            </a:r>
-            <a:r>
               <a:rPr lang="ko-KR" altLang="en-US" dirty="0"/>
-              <a:t>참고</a:t>
-            </a:r>
-            <a:r>
-              <a:rPr lang="en-US" altLang="ko-KR" dirty="0" smtClean="0"/>
+              <a:t>페이지 참고</a:t>
+            </a:r>
+            <a:r>
+              <a:rPr lang="en-US" altLang="ko-KR" dirty="0"/>
               <a:t>)</a:t>
             </a:r>
           </a:p>
@@ -38791,15 +38550,15 @@
               <a:buAutoNum type="arabicPeriod" startAt="4"/>
             </a:pPr>
             <a:r>
-              <a:rPr lang="ko-KR" altLang="en-US" dirty="0" smtClean="0"/>
+              <a:rPr lang="ko-KR" altLang="en-US" dirty="0"/>
               <a:t>예 보기</a:t>
             </a:r>
             <a:r>
-              <a:rPr lang="en-US" altLang="ko-KR" dirty="0" smtClean="0"/>
+              <a:rPr lang="en-US" altLang="ko-KR" dirty="0"/>
               <a:t>/</a:t>
             </a:r>
             <a:r>
-              <a:rPr lang="ko-KR" altLang="en-US" dirty="0" smtClean="0"/>
+              <a:rPr lang="ko-KR" altLang="en-US" dirty="0"/>
               <a:t>직접 쓰기 버튼</a:t>
             </a:r>
             <a:endParaRPr lang="en-US" altLang="ko-KR" dirty="0"/>
@@ -38830,13 +38589,13 @@
               <a:t>직접 쓰기 버튼으로 </a:t>
             </a:r>
             <a:r>
-              <a:rPr lang="ko-KR" altLang="en-US" dirty="0" err="1" smtClean="0"/>
+              <a:rPr lang="ko-KR" altLang="en-US" dirty="0" err="1"/>
               <a:t>토글됨</a:t>
             </a:r>
             <a:endParaRPr lang="en-US" altLang="ko-KR" dirty="0"/>
           </a:p>
           <a:p>
-            <a:endParaRPr lang="en-US" altLang="ko-KR" dirty="0" smtClean="0"/>
+            <a:endParaRPr lang="en-US" altLang="ko-KR" dirty="0"/>
           </a:p>
           <a:p>
             <a:endParaRPr lang="ko-KR" altLang="en-US" dirty="0"/>
@@ -38859,7 +38618,7 @@
           <a:lstStyle/>
           <a:p>
             <a:r>
-              <a:rPr lang="en-US" altLang="ko-KR" dirty="0" smtClean="0"/>
+              <a:rPr lang="en-US" altLang="ko-KR" dirty="0"/>
               <a:t>duk_04_05_0003_1</a:t>
             </a:r>
             <a:endParaRPr lang="ko-KR" altLang="en-US" dirty="0"/>
@@ -39003,19 +38762,8 @@
                   <a:latin typeface="여기어때 잘난체" panose="020B0600000101010101" pitchFamily="50" charset="-127"/>
                   <a:ea typeface="여기어때 잘난체" panose="020B0600000101010101" pitchFamily="50" charset="-127"/>
                 </a:rPr>
-                <a:t>    </a:t>
+                <a:t>      추가 질문</a:t>
               </a:r>
-              <a:r>
-                <a:rPr lang="ko-KR" altLang="en-US" sz="1400" dirty="0" smtClean="0">
-                  <a:latin typeface="여기어때 잘난체" panose="020B0600000101010101" pitchFamily="50" charset="-127"/>
-                  <a:ea typeface="여기어때 잘난체" panose="020B0600000101010101" pitchFamily="50" charset="-127"/>
-                </a:rPr>
-                <a:t>  추가 질문</a:t>
-              </a:r>
-              <a:endParaRPr lang="ko-KR" altLang="en-US" sz="1400" dirty="0">
-                <a:latin typeface="여기어때 잘난체" panose="020B0600000101010101" pitchFamily="50" charset="-127"/>
-                <a:ea typeface="여기어때 잘난체" panose="020B0600000101010101" pitchFamily="50" charset="-127"/>
-              </a:endParaRPr>
             </a:p>
           </p:txBody>
         </p:sp>
@@ -39799,7 +39547,7 @@
           <a:lstStyle/>
           <a:p>
             <a:r>
-              <a:rPr lang="ko-KR" altLang="en-US" sz="2500" dirty="0" smtClean="0">
+              <a:rPr lang="ko-KR" altLang="en-US" sz="2500" dirty="0">
                 <a:solidFill>
                   <a:schemeClr val="bg1">
                     <a:lumMod val="75000"/>
@@ -39810,15 +39558,6 @@
               </a:rPr>
               <a:t>직접 쓰기</a:t>
             </a:r>
-            <a:endParaRPr lang="ko-KR" altLang="en-US" sz="2500" dirty="0">
-              <a:solidFill>
-                <a:schemeClr val="bg1">
-                  <a:lumMod val="75000"/>
-                </a:schemeClr>
-              </a:solidFill>
-              <a:latin typeface="Noto Sans KR Medium" panose="020B0200000000000000" pitchFamily="50" charset="-127"/>
-              <a:ea typeface="Noto Sans KR Medium" panose="020B0200000000000000" pitchFamily="50" charset="-127"/>
-            </a:endParaRPr>
           </a:p>
         </p:txBody>
       </p:sp>
@@ -39850,7 +39589,7 @@
           <a:lstStyle/>
           <a:p>
             <a:r>
-              <a:rPr lang="ko-KR" altLang="en-US" sz="2500" spc="-200" dirty="0" smtClean="0">
+              <a:rPr lang="ko-KR" altLang="en-US" sz="2500" spc="-200" dirty="0">
                 <a:solidFill>
                   <a:srgbClr val="006EE6"/>
                 </a:solidFill>
@@ -39860,7 +39599,7 @@
               <a:t>누리 </a:t>
             </a:r>
             <a:r>
-              <a:rPr lang="ko-KR" altLang="en-US" sz="2500" spc="-200" dirty="0" err="1" smtClean="0">
+              <a:rPr lang="ko-KR" altLang="en-US" sz="2500" spc="-200" dirty="0" err="1">
                 <a:solidFill>
                   <a:srgbClr val="006EE6"/>
                 </a:solidFill>
@@ -39870,7 +39609,7 @@
               <a:t>소통망</a:t>
             </a:r>
             <a:r>
-              <a:rPr lang="en-US" altLang="ko-KR" sz="2500" spc="-200" dirty="0" smtClean="0">
+              <a:rPr lang="en-US" altLang="ko-KR" sz="2500" spc="-200" dirty="0">
                 <a:solidFill>
                   <a:srgbClr val="006EE6"/>
                 </a:solidFill>
@@ -39880,27 +39619,17 @@
               <a:t>(SNS)</a:t>
             </a:r>
             <a:r>
-              <a:rPr lang="ko-KR" altLang="en-US" sz="2500" spc="-200" dirty="0" smtClean="0">
+              <a:rPr lang="ko-KR" altLang="en-US" sz="2500" spc="-200" dirty="0">
                 <a:solidFill>
                   <a:srgbClr val="006EE6"/>
                 </a:solidFill>
                 <a:latin typeface="Noto Sans KR Medium" panose="020B0200000000000000" pitchFamily="50" charset="-127"/>
                 <a:ea typeface="Noto Sans KR Medium" panose="020B0200000000000000" pitchFamily="50" charset="-127"/>
               </a:rPr>
-              <a:t>에서도 비속어를 쓰지 </a:t>
-            </a:r>
-            <a:r>
-              <a:rPr lang="ko-KR" altLang="en-US" sz="2500" spc="-200" dirty="0" smtClean="0">
-                <a:solidFill>
-                  <a:srgbClr val="006EE6"/>
-                </a:solidFill>
-                <a:latin typeface="Noto Sans KR Medium" panose="020B0200000000000000" pitchFamily="50" charset="-127"/>
-                <a:ea typeface="Noto Sans KR Medium" panose="020B0200000000000000" pitchFamily="50" charset="-127"/>
-              </a:rPr>
-              <a:t>않습니다</a:t>
-            </a:r>
-            <a:r>
-              <a:rPr lang="en-US" altLang="ko-KR" sz="2500" spc="-200" dirty="0" smtClean="0">
+              <a:t>에서도 비속어를 쓰지 않습니다</a:t>
+            </a:r>
+            <a:r>
+              <a:rPr lang="en-US" altLang="ko-KR" sz="2500" spc="-200" dirty="0">
                 <a:solidFill>
                   <a:srgbClr val="006EE6"/>
                 </a:solidFill>
@@ -39909,13 +39638,6 @@
               </a:rPr>
               <a:t>.</a:t>
             </a:r>
-            <a:endParaRPr lang="en-US" altLang="ko-KR" sz="2500" spc="-200" dirty="0" smtClean="0">
-              <a:solidFill>
-                <a:srgbClr val="006EE6"/>
-              </a:solidFill>
-              <a:latin typeface="Noto Sans KR Medium" panose="020B0200000000000000" pitchFamily="50" charset="-127"/>
-              <a:ea typeface="Noto Sans KR Medium" panose="020B0200000000000000" pitchFamily="50" charset="-127"/>
-            </a:endParaRPr>
           </a:p>
         </p:txBody>
       </p:sp>
@@ -39946,7 +39668,7 @@
           <a:p>
             <a:pPr algn="ctr" defTabSz="1097280"/>
             <a:r>
-              <a:rPr lang="en-US" altLang="ko-KR" sz="1200" b="1" dirty="0" smtClean="0">
+              <a:rPr lang="en-US" altLang="ko-KR" sz="1200" b="1" dirty="0">
                 <a:solidFill>
                   <a:prstClr val="white">
                     <a:lumMod val="95000"/>
@@ -40056,7 +39778,7 @@
           <a:p>
             <a:pPr algn="ctr" defTabSz="1097280"/>
             <a:r>
-              <a:rPr lang="en-US" altLang="ko-KR" sz="1200" b="1" dirty="0" smtClean="0">
+              <a:rPr lang="en-US" altLang="ko-KR" sz="1200" b="1" dirty="0">
                 <a:solidFill>
                   <a:prstClr val="white">
                     <a:lumMod val="95000"/>
@@ -40106,7 +39828,7 @@
           <a:p>
             <a:pPr algn="ctr" defTabSz="1097280"/>
             <a:r>
-              <a:rPr lang="en-US" altLang="ko-KR" sz="1200" b="1" dirty="0" smtClean="0">
+              <a:rPr lang="en-US" altLang="ko-KR" sz="1200" b="1" dirty="0">
                 <a:solidFill>
                   <a:prstClr val="white">
                     <a:lumMod val="95000"/>
@@ -40193,7 +39915,7 @@
 </file>
 
 <file path=ppt/slides/slide4.xml><?xml version="1.0" encoding="utf-8"?>
-<p:sld xmlns:a="http://schemas.openxmlformats.org/drawingml/2006/main" xmlns:r="http://schemas.openxmlformats.org/officeDocument/2006/relationships" xmlns:p="http://schemas.openxmlformats.org/presentationml/2006/main">
+<p:sld xmlns:a="http://schemas.openxmlformats.org/drawingml/2006/main" xmlns:r="http://schemas.openxmlformats.org/officeDocument/2006/relationships" xmlns:p="http://schemas.openxmlformats.org/presentationml/2006/main" show="0">
   <p:cSld>
     <p:spTree>
       <p:nvGrpSpPr>
@@ -40318,34 +40040,33 @@
               <a:buNone/>
             </a:pPr>
             <a:r>
-              <a:rPr lang="en-US" altLang="ko-KR" dirty="0" smtClean="0"/>
+              <a:rPr lang="en-US" altLang="ko-KR" dirty="0"/>
               <a:t>[101_</a:t>
             </a:r>
             <a:r>
-              <a:rPr lang="ko-KR" altLang="en-US" dirty="0" smtClean="0"/>
+              <a:rPr lang="ko-KR" altLang="en-US" dirty="0"/>
               <a:t>추가 질문 </a:t>
             </a:r>
             <a:r>
-              <a:rPr lang="ko-KR" altLang="en-US" dirty="0" err="1" smtClean="0"/>
+              <a:rPr lang="ko-KR" altLang="en-US" dirty="0" err="1"/>
               <a:t>풀팝업</a:t>
             </a:r>
             <a:r>
-              <a:rPr lang="en-US" altLang="ko-KR" dirty="0" smtClean="0"/>
+              <a:rPr lang="en-US" altLang="ko-KR" dirty="0"/>
               <a:t>_</a:t>
             </a:r>
             <a:r>
-              <a:rPr lang="ko-KR" altLang="en-US" dirty="0" err="1" smtClean="0"/>
+              <a:rPr lang="ko-KR" altLang="en-US" dirty="0" err="1"/>
               <a:t>탭인탭</a:t>
             </a:r>
             <a:r>
-              <a:rPr lang="ko-KR" altLang="en-US" dirty="0" smtClean="0"/>
+              <a:rPr lang="ko-KR" altLang="en-US" dirty="0"/>
               <a:t> </a:t>
             </a:r>
             <a:r>
-              <a:rPr lang="en-US" altLang="ko-KR" dirty="0" smtClean="0"/>
+              <a:rPr lang="en-US" altLang="ko-KR" dirty="0"/>
               <a:t>1]</a:t>
             </a:r>
-            <a:endParaRPr lang="en-US" altLang="ko-KR" dirty="0"/>
           </a:p>
           <a:p>
             <a:r>
@@ -40404,19 +40125,15 @@
               <a:buAutoNum type="arabicPeriod" startAt="3"/>
             </a:pPr>
             <a:r>
-              <a:rPr lang="ko-KR" altLang="en-US" dirty="0" smtClean="0"/>
+              <a:rPr lang="ko-KR" altLang="en-US" dirty="0"/>
               <a:t>탭</a:t>
             </a:r>
             <a:r>
               <a:rPr lang="en-US" altLang="ko-KR" dirty="0"/>
-              <a:t> </a:t>
-            </a:r>
-            <a:r>
-              <a:rPr lang="en-US" altLang="ko-KR" dirty="0" smtClean="0"/>
-              <a:t>2</a:t>
-            </a:r>
-            <a:r>
-              <a:rPr lang="ko-KR" altLang="en-US" dirty="0" smtClean="0"/>
+              <a:t> 2</a:t>
+            </a:r>
+            <a:r>
+              <a:rPr lang="ko-KR" altLang="en-US" dirty="0"/>
               <a:t>개</a:t>
             </a:r>
             <a:endParaRPr lang="en-US" altLang="ko-KR" dirty="0"/>
@@ -40442,16 +40159,12 @@
               <a:t>슬라이드 </a:t>
             </a:r>
             <a:r>
-              <a:rPr lang="en-US" altLang="ko-KR" dirty="0" smtClean="0"/>
+              <a:rPr lang="en-US" altLang="ko-KR" dirty="0"/>
               <a:t>3</a:t>
             </a:r>
             <a:r>
-              <a:rPr lang="ko-KR" altLang="en-US" dirty="0" smtClean="0"/>
-              <a:t>페이지 </a:t>
-            </a:r>
-            <a:r>
               <a:rPr lang="ko-KR" altLang="en-US" dirty="0"/>
-              <a:t>참고</a:t>
+              <a:t>페이지 참고</a:t>
             </a:r>
             <a:r>
               <a:rPr lang="en-US" altLang="ko-KR" dirty="0"/>
@@ -40825,14 +40538,14 @@
                 </a:lnSpc>
               </a:pPr>
               <a:r>
-                <a:rPr lang="ko-KR" altLang="en-US" sz="2500" spc="-150" dirty="0" smtClean="0">
+                <a:rPr lang="ko-KR" altLang="en-US" sz="2500" spc="-150" dirty="0">
                   <a:latin typeface="Noto Sans KR Medium" panose="020B0200000000000000" pitchFamily="50" charset="-127"/>
                   <a:ea typeface="Noto Sans KR Medium" panose="020B0200000000000000" pitchFamily="50" charset="-127"/>
                 </a:rPr>
                 <a:t>바람직한 디지털 사회는 어떤 모습일까요</a:t>
               </a:r>
               <a:r>
-                <a:rPr lang="en-US" altLang="ko-KR" sz="2500" spc="-150" dirty="0" smtClean="0">
+                <a:rPr lang="en-US" altLang="ko-KR" sz="2500" spc="-150" dirty="0">
                   <a:latin typeface="Noto Sans KR Medium" panose="020B0200000000000000" pitchFamily="50" charset="-127"/>
                   <a:ea typeface="Noto Sans KR Medium" panose="020B0200000000000000" pitchFamily="50" charset="-127"/>
                 </a:rPr>
@@ -40872,7 +40585,7 @@
                 </a:lnSpc>
               </a:pPr>
               <a:r>
-                <a:rPr lang="ko-KR" altLang="en-US" sz="2500" spc="-150" dirty="0" smtClean="0">
+                <a:rPr lang="ko-KR" altLang="en-US" sz="2500" spc="-150" dirty="0">
                   <a:solidFill>
                     <a:srgbClr val="006EE6"/>
                   </a:solidFill>
@@ -40896,7 +40609,7 @@
                 </a:lnSpc>
               </a:pPr>
               <a:r>
-                <a:rPr lang="ko-KR" altLang="en-US" sz="2500" spc="-150" dirty="0" smtClean="0">
+                <a:rPr lang="ko-KR" altLang="en-US" sz="2500" spc="-150" dirty="0">
                   <a:solidFill>
                     <a:srgbClr val="006EE6"/>
                   </a:solidFill>
@@ -40906,7 +40619,7 @@
                 <a:t>디지털 기술을 올바르게 사용하는 사회입니다</a:t>
               </a:r>
               <a:r>
-                <a:rPr lang="en-US" altLang="ko-KR" sz="2500" spc="-150" dirty="0" smtClean="0">
+                <a:rPr lang="en-US" altLang="ko-KR" sz="2500" spc="-150" dirty="0">
                   <a:solidFill>
                     <a:srgbClr val="006EE6"/>
                   </a:solidFill>
@@ -40942,7 +40655,7 @@
             <a:p>
               <a:pPr algn="ctr"/>
               <a:r>
-                <a:rPr lang="en-US" altLang="ko-KR" sz="1100" dirty="0" smtClean="0">
+                <a:rPr lang="en-US" altLang="ko-KR" sz="1100" dirty="0">
                   <a:solidFill>
                     <a:schemeClr val="bg1"/>
                   </a:solidFill>
@@ -40985,7 +40698,7 @@
             <a:p>
               <a:pPr algn="ctr"/>
               <a:r>
-                <a:rPr lang="en-US" altLang="ko-KR" sz="1100" dirty="0" smtClean="0">
+                <a:rPr lang="en-US" altLang="ko-KR" sz="1100" dirty="0">
                   <a:solidFill>
                     <a:schemeClr val="bg1"/>
                   </a:solidFill>
@@ -41250,7 +40963,7 @@
           <a:p>
             <a:pPr algn="ctr" defTabSz="1097280"/>
             <a:r>
-              <a:rPr lang="en-US" altLang="ko-KR" sz="1200" b="1" dirty="0" smtClean="0">
+              <a:rPr lang="en-US" altLang="ko-KR" sz="1200" b="1" dirty="0">
                 <a:solidFill>
                   <a:prstClr val="white">
                     <a:lumMod val="95000"/>
@@ -41332,9 +41045,7 @@
           <p:nvPr/>
         </p:nvPicPr>
         <p:blipFill>
-          <a:blip r:embed="rId6">
-            <a:extLst/>
-          </a:blip>
+          <a:blip r:embed="rId6"/>
           <a:stretch>
             <a:fillRect/>
           </a:stretch>
@@ -41376,7 +41087,7 @@
           <a:p>
             <a:pPr algn="ctr" defTabSz="1097280"/>
             <a:r>
-              <a:rPr lang="en-US" altLang="ko-KR" sz="1200" b="1" dirty="0" smtClean="0">
+              <a:rPr lang="en-US" altLang="ko-KR" sz="1200" b="1" dirty="0">
                 <a:solidFill>
                   <a:prstClr val="white">
                     <a:lumMod val="95000"/>
@@ -41463,7 +41174,7 @@
 </file>
 
 <file path=ppt/slides/slide5.xml><?xml version="1.0" encoding="utf-8"?>
-<p:sld xmlns:a="http://schemas.openxmlformats.org/drawingml/2006/main" xmlns:r="http://schemas.openxmlformats.org/officeDocument/2006/relationships" xmlns:p="http://schemas.openxmlformats.org/presentationml/2006/main">
+<p:sld xmlns:a="http://schemas.openxmlformats.org/drawingml/2006/main" xmlns:r="http://schemas.openxmlformats.org/officeDocument/2006/relationships" xmlns:p="http://schemas.openxmlformats.org/presentationml/2006/main" show="0">
   <p:cSld>
     <p:spTree>
       <p:nvGrpSpPr>
@@ -41589,18 +41300,14 @@
             </a:pPr>
             <a:r>
               <a:rPr lang="en-US" altLang="ko-KR" dirty="0"/>
-              <a:t>[101</a:t>
-            </a:r>
-            <a:r>
-              <a:rPr lang="en-US" altLang="ko-KR" dirty="0" smtClean="0"/>
-              <a:t>_</a:t>
-            </a:r>
-            <a:r>
-              <a:rPr lang="ko-KR" altLang="en-US" dirty="0" smtClean="0"/>
+              <a:t>[101_</a:t>
+            </a:r>
+            <a:r>
+              <a:rPr lang="ko-KR" altLang="en-US" dirty="0"/>
               <a:t>추가 질문 </a:t>
             </a:r>
             <a:r>
-              <a:rPr lang="ko-KR" altLang="en-US" dirty="0" err="1" smtClean="0"/>
+              <a:rPr lang="ko-KR" altLang="en-US" dirty="0" err="1"/>
               <a:t>풀팝업</a:t>
             </a:r>
             <a:r>
@@ -41617,13 +41324,8 @@
             </a:r>
             <a:r>
               <a:rPr lang="en-US" altLang="ko-KR" dirty="0"/>
-              <a:t>2</a:t>
-            </a:r>
-            <a:r>
-              <a:rPr lang="en-US" altLang="ko-KR" dirty="0" smtClean="0"/>
-              <a:t>]</a:t>
-            </a:r>
-            <a:endParaRPr lang="en-US" altLang="ko-KR" dirty="0"/>
+              <a:t>2]</a:t>
+            </a:r>
           </a:p>
           <a:p>
             <a:r>
@@ -41716,16 +41418,12 @@
               <a:t>슬라이드 </a:t>
             </a:r>
             <a:r>
-              <a:rPr lang="en-US" altLang="ko-KR" dirty="0" smtClean="0"/>
+              <a:rPr lang="en-US" altLang="ko-KR" dirty="0"/>
               <a:t>3</a:t>
             </a:r>
             <a:r>
-              <a:rPr lang="ko-KR" altLang="en-US" dirty="0" smtClean="0"/>
-              <a:t>페이지 </a:t>
-            </a:r>
-            <a:r>
               <a:rPr lang="ko-KR" altLang="en-US" dirty="0"/>
-              <a:t>참고</a:t>
+              <a:t>페이지 참고</a:t>
             </a:r>
             <a:r>
               <a:rPr lang="en-US" altLang="ko-KR" dirty="0"/>
@@ -42099,13 +41797,13 @@
                 </a:lnSpc>
               </a:pPr>
               <a:r>
-                <a:rPr lang="ko-KR" altLang="en-US" sz="2500" spc="-150" dirty="0" smtClean="0">
+                <a:rPr lang="ko-KR" altLang="en-US" sz="2500" spc="-150" dirty="0">
                   <a:latin typeface="Noto Sans KR Medium" panose="020B0200000000000000" pitchFamily="50" charset="-127"/>
                   <a:ea typeface="Noto Sans KR Medium" panose="020B0200000000000000" pitchFamily="50" charset="-127"/>
                 </a:rPr>
                 <a:t>여러분이 캠페인에 참여한다면</a:t>
               </a:r>
-              <a:endParaRPr lang="en-US" altLang="ko-KR" sz="2500" spc="-150" dirty="0" smtClean="0">
+              <a:endParaRPr lang="en-US" altLang="ko-KR" sz="2500" spc="-150" dirty="0">
                 <a:latin typeface="Noto Sans KR Medium" panose="020B0200000000000000" pitchFamily="50" charset="-127"/>
                 <a:ea typeface="Noto Sans KR Medium" panose="020B0200000000000000" pitchFamily="50" charset="-127"/>
               </a:endParaRPr>
@@ -42117,14 +41815,14 @@
                 </a:lnSpc>
               </a:pPr>
               <a:r>
-                <a:rPr lang="ko-KR" altLang="en-US" sz="2500" spc="-150" dirty="0" smtClean="0">
+                <a:rPr lang="ko-KR" altLang="en-US" sz="2500" spc="-150" dirty="0">
                   <a:latin typeface="Noto Sans KR Medium" panose="020B0200000000000000" pitchFamily="50" charset="-127"/>
                   <a:ea typeface="Noto Sans KR Medium" panose="020B0200000000000000" pitchFamily="50" charset="-127"/>
                 </a:rPr>
                 <a:t>사람들에게 어떤 내용을 알리고 싶은가요</a:t>
               </a:r>
               <a:r>
-                <a:rPr lang="en-US" altLang="ko-KR" sz="2500" spc="-150" dirty="0" smtClean="0">
+                <a:rPr lang="en-US" altLang="ko-KR" sz="2500" spc="-150" dirty="0">
                   <a:latin typeface="Noto Sans KR Medium" panose="020B0200000000000000" pitchFamily="50" charset="-127"/>
                   <a:ea typeface="Noto Sans KR Medium" panose="020B0200000000000000" pitchFamily="50" charset="-127"/>
                 </a:rPr>
@@ -42164,7 +41862,7 @@
                 </a:lnSpc>
               </a:pPr>
               <a:r>
-                <a:rPr lang="ko-KR" altLang="en-US" sz="2500" spc="-150" dirty="0" smtClean="0">
+                <a:rPr lang="ko-KR" altLang="en-US" sz="2500" spc="-150" dirty="0">
                   <a:solidFill>
                     <a:srgbClr val="006EE6"/>
                   </a:solidFill>
@@ -42174,7 +41872,7 @@
                 <a:t>디지털 사회에서 지켜야 할 예절을 알리고 싶습니다</a:t>
               </a:r>
               <a:r>
-                <a:rPr lang="en-US" altLang="ko-KR" sz="2500" spc="-150" dirty="0" smtClean="0">
+                <a:rPr lang="en-US" altLang="ko-KR" sz="2500" spc="-150" dirty="0">
                   <a:solidFill>
                     <a:srgbClr val="006EE6"/>
                   </a:solidFill>
@@ -42210,7 +41908,7 @@
             <a:p>
               <a:pPr algn="ctr"/>
               <a:r>
-                <a:rPr lang="en-US" altLang="ko-KR" sz="1100" dirty="0" smtClean="0">
+                <a:rPr lang="en-US" altLang="ko-KR" sz="1100" dirty="0">
                   <a:solidFill>
                     <a:schemeClr val="bg1"/>
                   </a:solidFill>
@@ -42253,7 +41951,7 @@
             <a:p>
               <a:pPr algn="ctr"/>
               <a:r>
-                <a:rPr lang="en-US" altLang="ko-KR" sz="1100" dirty="0" smtClean="0">
+                <a:rPr lang="en-US" altLang="ko-KR" sz="1100" dirty="0">
                   <a:solidFill>
                     <a:schemeClr val="bg1"/>
                   </a:solidFill>
@@ -42500,9 +42198,7 @@
           <p:nvPr/>
         </p:nvPicPr>
         <p:blipFill>
-          <a:blip r:embed="rId6">
-            <a:extLst/>
-          </a:blip>
+          <a:blip r:embed="rId6"/>
           <a:stretch>
             <a:fillRect/>
           </a:stretch>
@@ -42544,7 +42240,7 @@
           <a:p>
             <a:pPr algn="ctr" defTabSz="1097280"/>
             <a:r>
-              <a:rPr lang="en-US" altLang="ko-KR" sz="1200" b="1" dirty="0" smtClean="0">
+              <a:rPr lang="en-US" altLang="ko-KR" sz="1200" b="1" dirty="0">
                 <a:solidFill>
                   <a:prstClr val="white">
                     <a:lumMod val="95000"/>
@@ -42644,7 +42340,7 @@
           <a:p>
             <a:pPr algn="ctr" defTabSz="1097280"/>
             <a:r>
-              <a:rPr lang="en-US" altLang="ko-KR" sz="1200" b="1" dirty="0" smtClean="0">
+              <a:rPr lang="en-US" altLang="ko-KR" sz="1200" b="1" dirty="0">
                 <a:solidFill>
                   <a:prstClr val="white">
                     <a:lumMod val="95000"/>
@@ -42731,7 +42427,7 @@
 </file>
 
 <file path=ppt/slides/slide6.xml><?xml version="1.0" encoding="utf-8"?>
-<p:sld xmlns:a="http://schemas.openxmlformats.org/drawingml/2006/main" xmlns:r="http://schemas.openxmlformats.org/officeDocument/2006/relationships" xmlns:p="http://schemas.openxmlformats.org/presentationml/2006/main">
+<p:sld xmlns:a="http://schemas.openxmlformats.org/drawingml/2006/main" xmlns:r="http://schemas.openxmlformats.org/officeDocument/2006/relationships" xmlns:p="http://schemas.openxmlformats.org/presentationml/2006/main" show="0">
   <p:cSld>
     <p:spTree>
       <p:nvGrpSpPr>
@@ -42804,7 +42500,7 @@
           <a:lstStyle/>
           <a:p>
             <a:r>
-              <a:rPr lang="en-US" altLang="ko-KR" dirty="0" smtClean="0"/>
+              <a:rPr lang="en-US" altLang="ko-KR" dirty="0"/>
               <a:t>duk_04_05_0003_102</a:t>
             </a:r>
             <a:endParaRPr lang="ko-KR" altLang="en-US" dirty="0"/>
@@ -42941,7 +42637,7 @@
           <a:lstStyle/>
           <a:p>
             <a:r>
-              <a:rPr lang="ko-KR" altLang="en-US" sz="3000" dirty="0" smtClean="0">
+              <a:rPr lang="ko-KR" altLang="en-US" sz="3000" dirty="0">
                 <a:solidFill>
                   <a:srgbClr val="FF6600"/>
                 </a:solidFill>
@@ -42949,17 +42645,17 @@
               <a:t>바람직한 디지털 사회</a:t>
             </a:r>
             <a:r>
-              <a:rPr lang="ko-KR" altLang="en-US" sz="3000" dirty="0" smtClean="0"/>
+              <a:rPr lang="ko-KR" altLang="en-US" sz="3000" dirty="0"/>
               <a:t>를 만들려는 실천 방안을 찾고</a:t>
             </a:r>
             <a:r>
-              <a:rPr lang="en-US" altLang="ko-KR" sz="3000" dirty="0" smtClean="0"/>
+              <a:rPr lang="en-US" altLang="ko-KR" sz="3000" dirty="0"/>
               <a:t>,</a:t>
             </a:r>
           </a:p>
           <a:p>
             <a:r>
-              <a:rPr lang="ko-KR" altLang="en-US" sz="3000" dirty="0" smtClean="0">
+              <a:rPr lang="ko-KR" altLang="en-US" sz="3000" dirty="0">
                 <a:solidFill>
                   <a:srgbClr val="FF6600"/>
                 </a:solidFill>
@@ -42967,11 +42663,11 @@
               <a:t>캠페인 활동</a:t>
             </a:r>
             <a:r>
-              <a:rPr lang="ko-KR" altLang="en-US" sz="3000" dirty="0" smtClean="0"/>
+              <a:rPr lang="ko-KR" altLang="en-US" sz="3000" dirty="0"/>
               <a:t>에 적극적으로 참여해 봅시다</a:t>
             </a:r>
             <a:r>
-              <a:rPr lang="en-US" altLang="ko-KR" sz="3000" dirty="0" smtClean="0"/>
+              <a:rPr lang="en-US" altLang="ko-KR" sz="3000" dirty="0"/>
               <a:t>.</a:t>
             </a:r>
           </a:p>
@@ -42993,14 +42689,13 @@
           <a:lstStyle/>
           <a:p>
             <a:r>
-              <a:rPr lang="en-US" altLang="ko-KR" dirty="0" smtClean="0"/>
+              <a:rPr lang="en-US" altLang="ko-KR" dirty="0"/>
               <a:t>78~79</a:t>
             </a:r>
             <a:r>
-              <a:rPr lang="ko-KR" altLang="en-US" dirty="0" smtClean="0"/>
+              <a:rPr lang="ko-KR" altLang="en-US" dirty="0"/>
               <a:t>쪽</a:t>
             </a:r>
-            <a:endParaRPr lang="ko-KR" altLang="en-US" dirty="0"/>
           </a:p>
         </p:txBody>
       </p:sp>
@@ -43018,7 +42713,7 @@
 </file>
 
 <file path=ppt/slides/slide7.xml><?xml version="1.0" encoding="utf-8"?>
-<p:sld xmlns:a="http://schemas.openxmlformats.org/drawingml/2006/main" xmlns:r="http://schemas.openxmlformats.org/officeDocument/2006/relationships" xmlns:p="http://schemas.openxmlformats.org/presentationml/2006/main">
+<p:sld xmlns:a="http://schemas.openxmlformats.org/drawingml/2006/main" xmlns:r="http://schemas.openxmlformats.org/officeDocument/2006/relationships" xmlns:p="http://schemas.openxmlformats.org/presentationml/2006/main" show="0">
   <p:cSld>
     <p:spTree>
       <p:nvGrpSpPr>
@@ -43050,23 +42745,23 @@
           <a:lstStyle/>
           <a:p>
             <a:r>
-              <a:rPr lang="en-US" altLang="ko-KR" dirty="0" smtClean="0"/>
+              <a:rPr lang="en-US" altLang="ko-KR" dirty="0"/>
               <a:t>‘</a:t>
             </a:r>
             <a:r>
-              <a:rPr lang="ko-KR" altLang="en-US" dirty="0" smtClean="0"/>
+              <a:rPr lang="ko-KR" altLang="en-US" dirty="0"/>
               <a:t>바람직한 디지털 사회 만들기 캠페인</a:t>
             </a:r>
             <a:r>
-              <a:rPr lang="en-US" altLang="ko-KR" dirty="0" smtClean="0"/>
+              <a:rPr lang="en-US" altLang="ko-KR" dirty="0"/>
               <a:t>’</a:t>
             </a:r>
             <a:r>
-              <a:rPr lang="ko-KR" altLang="en-US" dirty="0" smtClean="0"/>
+              <a:rPr lang="ko-KR" altLang="en-US" dirty="0"/>
               <a:t>을 계획해 봅시다</a:t>
             </a:r>
             <a:r>
-              <a:rPr lang="en-US" altLang="ko-KR" dirty="0" smtClean="0"/>
+              <a:rPr lang="en-US" altLang="ko-KR" dirty="0"/>
               <a:t>.</a:t>
             </a:r>
             <a:endParaRPr lang="ko-KR" altLang="en-US" dirty="0"/>
@@ -43176,52 +42871,44 @@
               <a:buNone/>
             </a:pPr>
             <a:r>
-              <a:rPr lang="en-US" altLang="ko-KR" dirty="0" smtClean="0"/>
+              <a:rPr lang="en-US" altLang="ko-KR" dirty="0"/>
               <a:t>[201]</a:t>
             </a:r>
           </a:p>
           <a:p>
             <a:r>
-              <a:rPr lang="ko-KR" altLang="en-US" dirty="0" smtClean="0"/>
+              <a:rPr lang="ko-KR" altLang="en-US" dirty="0"/>
               <a:t>표 </a:t>
             </a:r>
             <a:r>
-              <a:rPr lang="en-US" altLang="ko-KR" dirty="0" smtClean="0"/>
+              <a:rPr lang="en-US" altLang="ko-KR" dirty="0"/>
               <a:t>+ </a:t>
             </a:r>
             <a:r>
-              <a:rPr lang="ko-KR" altLang="en-US" dirty="0" smtClean="0"/>
+              <a:rPr lang="ko-KR" altLang="en-US" dirty="0"/>
               <a:t>고정 텍스트</a:t>
             </a:r>
-            <a:endParaRPr lang="en-US" altLang="ko-KR" dirty="0" smtClean="0"/>
+            <a:endParaRPr lang="en-US" altLang="ko-KR" dirty="0"/>
           </a:p>
           <a:p>
             <a:r>
-              <a:rPr lang="ko-KR" altLang="en-US" dirty="0" smtClean="0"/>
+              <a:rPr lang="ko-KR" altLang="en-US" dirty="0"/>
               <a:t>표 내 직접 쓰기 기능</a:t>
             </a:r>
-            <a:endParaRPr lang="en-US" altLang="ko-KR" dirty="0" smtClean="0"/>
+            <a:endParaRPr lang="en-US" altLang="ko-KR" dirty="0"/>
           </a:p>
           <a:p>
             <a:r>
-              <a:rPr lang="ko-KR" altLang="en-US" dirty="0" smtClean="0"/>
-              <a:t>예 </a:t>
-            </a:r>
-            <a:r>
               <a:rPr lang="ko-KR" altLang="en-US" dirty="0"/>
-              <a:t>보기</a:t>
-            </a:r>
-            <a:r>
-              <a:rPr lang="en-US" altLang="ko-KR" dirty="0" smtClean="0"/>
+              <a:t>예 보기</a:t>
+            </a:r>
+            <a:r>
+              <a:rPr lang="en-US" altLang="ko-KR" dirty="0"/>
               <a:t>/</a:t>
             </a:r>
             <a:r>
-              <a:rPr lang="ko-KR" altLang="en-US" dirty="0" smtClean="0"/>
-              <a:t>직접 쓰기 </a:t>
-            </a:r>
-            <a:r>
               <a:rPr lang="ko-KR" altLang="en-US" dirty="0"/>
-              <a:t>버튼</a:t>
+              <a:t>직접 쓰기 버튼</a:t>
             </a:r>
             <a:endParaRPr lang="en-US" altLang="ko-KR" dirty="0"/>
           </a:p>
@@ -43232,57 +42919,52 @@
             </a:pPr>
             <a:r>
               <a:rPr lang="ko-KR" altLang="en-US" dirty="0"/>
-              <a:t>예 보기 버튼 클릭 </a:t>
-            </a:r>
-            <a:r>
-              <a:rPr lang="ko-KR" altLang="en-US" dirty="0" smtClean="0"/>
-              <a:t>시</a:t>
-            </a:r>
-            <a:r>
-              <a:rPr lang="en-US" altLang="ko-KR" dirty="0" smtClean="0"/>
+              <a:t>예 보기 버튼 클릭 시</a:t>
+            </a:r>
+            <a:r>
+              <a:rPr lang="en-US" altLang="ko-KR" dirty="0"/>
               <a:t>, </a:t>
             </a:r>
             <a:r>
-              <a:rPr lang="ko-KR" altLang="en-US" dirty="0" smtClean="0"/>
+              <a:rPr lang="ko-KR" altLang="en-US" dirty="0"/>
               <a:t>파란색 예시 텍스트 일괄 노출 </a:t>
             </a:r>
             <a:r>
-              <a:rPr lang="en-US" altLang="ko-KR" dirty="0" smtClean="0"/>
+              <a:rPr lang="en-US" altLang="ko-KR" dirty="0"/>
               <a:t>+ </a:t>
             </a:r>
             <a:r>
-              <a:rPr lang="ko-KR" altLang="en-US" dirty="0" smtClean="0"/>
+              <a:rPr lang="ko-KR" altLang="en-US" dirty="0"/>
               <a:t>직접 쓰기 버튼으로 </a:t>
             </a:r>
             <a:r>
-              <a:rPr lang="ko-KR" altLang="en-US" dirty="0" err="1" smtClean="0"/>
+              <a:rPr lang="ko-KR" altLang="en-US" dirty="0" err="1"/>
               <a:t>토글됨</a:t>
             </a:r>
             <a:r>
-              <a:rPr lang="ko-KR" altLang="en-US" dirty="0" smtClean="0"/>
+              <a:rPr lang="ko-KR" altLang="en-US" dirty="0"/>
               <a:t> </a:t>
             </a:r>
             <a:r>
-              <a:rPr lang="en-US" altLang="ko-KR" dirty="0" smtClean="0"/>
+              <a:rPr lang="en-US" altLang="ko-KR" dirty="0"/>
               <a:t>(</a:t>
             </a:r>
             <a:r>
-              <a:rPr lang="ko-KR" altLang="en-US" dirty="0" smtClean="0"/>
+              <a:rPr lang="ko-KR" altLang="en-US" dirty="0"/>
               <a:t>예시 노출 화면 슬라이드 </a:t>
             </a:r>
             <a:r>
-              <a:rPr lang="en-US" altLang="ko-KR" dirty="0" smtClean="0"/>
+              <a:rPr lang="en-US" altLang="ko-KR" dirty="0"/>
               <a:t>8 </a:t>
             </a:r>
             <a:r>
-              <a:rPr lang="ko-KR" altLang="en-US" dirty="0" smtClean="0"/>
+              <a:rPr lang="ko-KR" altLang="en-US" dirty="0"/>
               <a:t>참고</a:t>
             </a:r>
             <a:r>
-              <a:rPr lang="en-US" altLang="ko-KR" dirty="0" smtClean="0"/>
+              <a:rPr lang="en-US" altLang="ko-KR" dirty="0"/>
               <a:t>)</a:t>
             </a:r>
-            <a:endParaRPr lang="en-US" altLang="ko-KR" dirty="0"/>
           </a:p>
         </p:txBody>
       </p:sp>
@@ -43375,7 +43057,7 @@
                         <a:defRPr/>
                       </a:pPr>
                       <a:r>
-                        <a:rPr lang="ko-KR" altLang="en-US" sz="2000" b="0" spc="-150" dirty="0" smtClean="0">
+                        <a:rPr lang="ko-KR" altLang="en-US" sz="2000" b="0" spc="-150" dirty="0">
                           <a:solidFill>
                             <a:srgbClr val="A66F57"/>
                           </a:solidFill>
@@ -43385,7 +43067,7 @@
                         <a:t>언제 하는 것이 좋을까요</a:t>
                       </a:r>
                       <a:r>
-                        <a:rPr lang="en-US" altLang="ko-KR" sz="2000" b="0" spc="-150" dirty="0" smtClean="0">
+                        <a:rPr lang="en-US" altLang="ko-KR" sz="2000" b="0" spc="-150" dirty="0">
                           <a:solidFill>
                             <a:srgbClr val="A66F57"/>
                           </a:solidFill>
@@ -43394,7 +43076,7 @@
                         </a:rPr>
                         <a:t>?</a:t>
                       </a:r>
-                      <a:endParaRPr lang="ko-KR" altLang="en-US" sz="2000" b="0" spc="-150" dirty="0" smtClean="0">
+                      <a:endParaRPr lang="ko-KR" altLang="en-US" sz="2000" b="0" spc="-150" dirty="0">
                         <a:solidFill>
                           <a:srgbClr val="A66F57"/>
                         </a:solidFill>
@@ -43535,7 +43217,7 @@
                         <a:defRPr/>
                       </a:pPr>
                       <a:r>
-                        <a:rPr kumimoji="0" lang="ko-KR" altLang="en-US" sz="2000" b="0" i="0" u="none" strike="noStrike" kern="1200" cap="none" spc="-150" normalizeH="0" baseline="0" noProof="0" dirty="0" smtClean="0">
+                        <a:rPr kumimoji="0" lang="ko-KR" altLang="en-US" sz="2000" b="0" i="0" u="none" strike="noStrike" kern="1200" cap="none" spc="-150" normalizeH="0" baseline="0" noProof="0" dirty="0">
                           <a:ln>
                             <a:noFill/>
                           </a:ln>
@@ -43551,7 +43233,7 @@
                         </a:rPr>
                         <a:t>어디서 해야 많은 사람에게</a:t>
                       </a:r>
-                      <a:endParaRPr kumimoji="0" lang="en-US" altLang="ko-KR" sz="2000" b="0" i="0" u="none" strike="noStrike" kern="1200" cap="none" spc="-150" normalizeH="0" baseline="0" noProof="0" dirty="0" smtClean="0">
+                      <a:endParaRPr kumimoji="0" lang="en-US" altLang="ko-KR" sz="2000" b="0" i="0" u="none" strike="noStrike" kern="1200" cap="none" spc="-150" normalizeH="0" baseline="0" noProof="0" dirty="0">
                         <a:ln>
                           <a:noFill/>
                         </a:ln>
@@ -43585,7 +43267,7 @@
                         <a:defRPr/>
                       </a:pPr>
                       <a:r>
-                        <a:rPr kumimoji="0" lang="ko-KR" altLang="en-US" sz="2000" b="0" i="0" u="none" strike="noStrike" kern="1200" cap="none" spc="-150" normalizeH="0" baseline="0" noProof="0" dirty="0" smtClean="0">
+                        <a:rPr kumimoji="0" lang="ko-KR" altLang="en-US" sz="2000" b="0" i="0" u="none" strike="noStrike" kern="1200" cap="none" spc="-150" normalizeH="0" baseline="0" noProof="0" dirty="0">
                           <a:ln>
                             <a:noFill/>
                           </a:ln>
@@ -43602,7 +43284,7 @@
                         <a:t>알릴 수 있을까요</a:t>
                       </a:r>
                       <a:r>
-                        <a:rPr kumimoji="0" lang="en-US" altLang="ko-KR" sz="2000" b="0" i="0" u="none" strike="noStrike" kern="1200" cap="none" spc="-150" normalizeH="0" baseline="0" noProof="0" dirty="0" smtClean="0">
+                        <a:rPr kumimoji="0" lang="en-US" altLang="ko-KR" sz="2000" b="0" i="0" u="none" strike="noStrike" kern="1200" cap="none" spc="-150" normalizeH="0" baseline="0" noProof="0" dirty="0">
                           <a:ln>
                             <a:noFill/>
                           </a:ln>
@@ -43618,7 +43300,7 @@
                         </a:rPr>
                         <a:t>?</a:t>
                       </a:r>
-                      <a:endParaRPr kumimoji="0" lang="ko-KR" altLang="en-US" sz="2000" b="0" i="0" u="none" strike="noStrike" kern="1200" cap="none" spc="-150" normalizeH="0" baseline="0" noProof="0" dirty="0" smtClean="0">
+                      <a:endParaRPr kumimoji="0" lang="ko-KR" altLang="en-US" sz="2000" b="0" i="0" u="none" strike="noStrike" kern="1200" cap="none" spc="-150" normalizeH="0" baseline="0" noProof="0" dirty="0">
                         <a:ln>
                           <a:noFill/>
                         </a:ln>
@@ -43779,7 +43461,7 @@
                         <a:defRPr/>
                       </a:pPr>
                       <a:r>
-                        <a:rPr kumimoji="0" lang="ko-KR" altLang="en-US" sz="2000" b="0" i="0" u="none" strike="noStrike" kern="1200" cap="none" spc="-150" normalizeH="0" baseline="0" noProof="0" dirty="0" smtClean="0">
+                        <a:rPr kumimoji="0" lang="ko-KR" altLang="en-US" sz="2000" b="0" i="0" u="none" strike="noStrike" kern="1200" cap="none" spc="-150" normalizeH="0" baseline="0" noProof="0" dirty="0">
                           <a:ln>
                             <a:noFill/>
                           </a:ln>
@@ -43796,7 +43478,7 @@
                         <a:t>준비물은 무엇일까요</a:t>
                       </a:r>
                       <a:r>
-                        <a:rPr kumimoji="0" lang="en-US" altLang="ko-KR" sz="2000" b="0" i="0" u="none" strike="noStrike" kern="1200" cap="none" spc="-150" normalizeH="0" baseline="0" noProof="0" dirty="0" smtClean="0">
+                        <a:rPr kumimoji="0" lang="en-US" altLang="ko-KR" sz="2000" b="0" i="0" u="none" strike="noStrike" kern="1200" cap="none" spc="-150" normalizeH="0" baseline="0" noProof="0" dirty="0">
                           <a:ln>
                             <a:noFill/>
                           </a:ln>
@@ -43812,7 +43494,7 @@
                         </a:rPr>
                         <a:t>?</a:t>
                       </a:r>
-                      <a:endParaRPr kumimoji="0" lang="ko-KR" altLang="en-US" sz="2000" b="0" i="0" u="none" strike="noStrike" kern="1200" cap="none" spc="-150" normalizeH="0" baseline="0" noProof="0" dirty="0" smtClean="0">
+                      <a:endParaRPr kumimoji="0" lang="ko-KR" altLang="en-US" sz="2000" b="0" i="0" u="none" strike="noStrike" kern="1200" cap="none" spc="-150" normalizeH="0" baseline="0" noProof="0" dirty="0">
                         <a:ln>
                           <a:noFill/>
                         </a:ln>
@@ -43973,7 +43655,7 @@
                         <a:defRPr/>
                       </a:pPr>
                       <a:r>
-                        <a:rPr kumimoji="0" lang="ko-KR" altLang="en-US" sz="2000" b="0" i="0" u="none" strike="noStrike" kern="1200" cap="none" spc="-150" normalizeH="0" baseline="0" noProof="0" dirty="0" smtClean="0">
+                        <a:rPr kumimoji="0" lang="ko-KR" altLang="en-US" sz="2000" b="0" i="0" u="none" strike="noStrike" kern="1200" cap="none" spc="-150" normalizeH="0" baseline="0" noProof="0" dirty="0">
                           <a:ln>
                             <a:noFill/>
                           </a:ln>
@@ -43990,7 +43672,7 @@
                         <a:t>팻말에 어떤 내용을 적을까요</a:t>
                       </a:r>
                       <a:r>
-                        <a:rPr kumimoji="0" lang="en-US" altLang="ko-KR" sz="2000" b="0" i="0" u="none" strike="noStrike" kern="1200" cap="none" spc="-150" normalizeH="0" baseline="0" noProof="0" dirty="0" smtClean="0">
+                        <a:rPr kumimoji="0" lang="en-US" altLang="ko-KR" sz="2000" b="0" i="0" u="none" strike="noStrike" kern="1200" cap="none" spc="-150" normalizeH="0" baseline="0" noProof="0" dirty="0">
                           <a:ln>
                             <a:noFill/>
                           </a:ln>
@@ -44006,7 +43688,7 @@
                         </a:rPr>
                         <a:t>?</a:t>
                       </a:r>
-                      <a:endParaRPr kumimoji="0" lang="ko-KR" altLang="en-US" sz="2000" b="0" i="0" u="none" strike="noStrike" kern="1200" cap="none" spc="-150" normalizeH="0" baseline="0" noProof="0" dirty="0" smtClean="0">
+                      <a:endParaRPr kumimoji="0" lang="ko-KR" altLang="en-US" sz="2000" b="0" i="0" u="none" strike="noStrike" kern="1200" cap="none" spc="-150" normalizeH="0" baseline="0" noProof="0" dirty="0">
                         <a:ln>
                           <a:noFill/>
                         </a:ln>
@@ -44167,7 +43849,7 @@
                         <a:defRPr/>
                       </a:pPr>
                       <a:r>
-                        <a:rPr kumimoji="0" lang="ko-KR" altLang="en-US" sz="2000" b="0" i="0" u="none" strike="noStrike" kern="1200" cap="none" spc="-150" normalizeH="0" baseline="0" noProof="0" dirty="0" smtClean="0">
+                        <a:rPr kumimoji="0" lang="ko-KR" altLang="en-US" sz="2000" b="0" i="0" u="none" strike="noStrike" kern="1200" cap="none" spc="-150" normalizeH="0" baseline="0" noProof="0" dirty="0">
                           <a:ln>
                             <a:noFill/>
                           </a:ln>
@@ -44184,7 +43866,7 @@
                         <a:t>팻말은 어떻게 만들까요</a:t>
                       </a:r>
                       <a:r>
-                        <a:rPr kumimoji="0" lang="en-US" altLang="ko-KR" sz="2000" b="0" i="0" u="none" strike="noStrike" kern="1200" cap="none" spc="-150" normalizeH="0" baseline="0" noProof="0" dirty="0" smtClean="0">
+                        <a:rPr kumimoji="0" lang="en-US" altLang="ko-KR" sz="2000" b="0" i="0" u="none" strike="noStrike" kern="1200" cap="none" spc="-150" normalizeH="0" baseline="0" noProof="0" dirty="0">
                           <a:ln>
                             <a:noFill/>
                           </a:ln>
@@ -44200,7 +43882,7 @@
                         </a:rPr>
                         <a:t>?</a:t>
                       </a:r>
-                      <a:endParaRPr kumimoji="0" lang="ko-KR" altLang="en-US" sz="2000" b="0" i="0" u="none" strike="noStrike" kern="1200" cap="none" spc="-150" normalizeH="0" baseline="0" noProof="0" dirty="0" smtClean="0">
+                      <a:endParaRPr kumimoji="0" lang="ko-KR" altLang="en-US" sz="2000" b="0" i="0" u="none" strike="noStrike" kern="1200" cap="none" spc="-150" normalizeH="0" baseline="0" noProof="0" dirty="0">
                         <a:ln>
                           <a:noFill/>
                         </a:ln>
@@ -44428,7 +44110,7 @@
           <a:p>
             <a:pPr algn="ctr" defTabSz="1097280"/>
             <a:r>
-              <a:rPr lang="en-US" altLang="ko-KR" sz="1200" b="1" dirty="0" smtClean="0">
+              <a:rPr lang="en-US" altLang="ko-KR" sz="1200" b="1" dirty="0">
                 <a:solidFill>
                   <a:prstClr val="white">
                     <a:lumMod val="95000"/>
@@ -44479,7 +44161,7 @@
           <a:lstStyle/>
           <a:p>
             <a:r>
-              <a:rPr lang="ko-KR" altLang="en-US" sz="2200" dirty="0" smtClean="0">
+              <a:rPr lang="ko-KR" altLang="en-US" sz="2200" dirty="0">
                 <a:solidFill>
                   <a:schemeClr val="bg1">
                     <a:lumMod val="75000"/>
@@ -44490,15 +44172,6 @@
               </a:rPr>
               <a:t>직접 쓰기</a:t>
             </a:r>
-            <a:endParaRPr lang="ko-KR" altLang="en-US" sz="2200" dirty="0">
-              <a:solidFill>
-                <a:schemeClr val="bg1">
-                  <a:lumMod val="75000"/>
-                </a:schemeClr>
-              </a:solidFill>
-              <a:latin typeface="Noto Sans KR Medium" panose="020B0200000000000000" pitchFamily="50" charset="-127"/>
-              <a:ea typeface="Noto Sans KR Medium" panose="020B0200000000000000" pitchFamily="50" charset="-127"/>
-            </a:endParaRPr>
           </a:p>
         </p:txBody>
       </p:sp>
@@ -44530,7 +44203,7 @@
           <a:lstStyle/>
           <a:p>
             <a:r>
-              <a:rPr lang="ko-KR" altLang="en-US" sz="2200" dirty="0" smtClean="0">
+              <a:rPr lang="ko-KR" altLang="en-US" sz="2200" dirty="0">
                 <a:solidFill>
                   <a:schemeClr val="bg1">
                     <a:lumMod val="75000"/>
@@ -44541,15 +44214,6 @@
               </a:rPr>
               <a:t>직접 쓰기</a:t>
             </a:r>
-            <a:endParaRPr lang="ko-KR" altLang="en-US" sz="2200" dirty="0">
-              <a:solidFill>
-                <a:schemeClr val="bg1">
-                  <a:lumMod val="75000"/>
-                </a:schemeClr>
-              </a:solidFill>
-              <a:latin typeface="Noto Sans KR Medium" panose="020B0200000000000000" pitchFamily="50" charset="-127"/>
-              <a:ea typeface="Noto Sans KR Medium" panose="020B0200000000000000" pitchFamily="50" charset="-127"/>
-            </a:endParaRPr>
           </a:p>
         </p:txBody>
       </p:sp>
@@ -44581,7 +44245,7 @@
           <a:lstStyle/>
           <a:p>
             <a:r>
-              <a:rPr lang="ko-KR" altLang="en-US" sz="2200" dirty="0" smtClean="0">
+              <a:rPr lang="ko-KR" altLang="en-US" sz="2200" dirty="0">
                 <a:solidFill>
                   <a:schemeClr val="bg1">
                     <a:lumMod val="75000"/>
@@ -44592,15 +44256,6 @@
               </a:rPr>
               <a:t>직접 쓰기</a:t>
             </a:r>
-            <a:endParaRPr lang="ko-KR" altLang="en-US" sz="2200" dirty="0">
-              <a:solidFill>
-                <a:schemeClr val="bg1">
-                  <a:lumMod val="75000"/>
-                </a:schemeClr>
-              </a:solidFill>
-              <a:latin typeface="Noto Sans KR Medium" panose="020B0200000000000000" pitchFamily="50" charset="-127"/>
-              <a:ea typeface="Noto Sans KR Medium" panose="020B0200000000000000" pitchFamily="50" charset="-127"/>
-            </a:endParaRPr>
           </a:p>
         </p:txBody>
       </p:sp>
@@ -44632,7 +44287,7 @@
           <a:lstStyle/>
           <a:p>
             <a:r>
-              <a:rPr lang="ko-KR" altLang="en-US" sz="2200" dirty="0" smtClean="0">
+              <a:rPr lang="ko-KR" altLang="en-US" sz="2200" dirty="0">
                 <a:solidFill>
                   <a:schemeClr val="bg1">
                     <a:lumMod val="75000"/>
@@ -44643,15 +44298,6 @@
               </a:rPr>
               <a:t>직접 쓰기</a:t>
             </a:r>
-            <a:endParaRPr lang="ko-KR" altLang="en-US" sz="2200" dirty="0">
-              <a:solidFill>
-                <a:schemeClr val="bg1">
-                  <a:lumMod val="75000"/>
-                </a:schemeClr>
-              </a:solidFill>
-              <a:latin typeface="Noto Sans KR Medium" panose="020B0200000000000000" pitchFamily="50" charset="-127"/>
-              <a:ea typeface="Noto Sans KR Medium" panose="020B0200000000000000" pitchFamily="50" charset="-127"/>
-            </a:endParaRPr>
           </a:p>
         </p:txBody>
       </p:sp>
@@ -44683,7 +44329,7 @@
           <a:lstStyle/>
           <a:p>
             <a:r>
-              <a:rPr lang="ko-KR" altLang="en-US" sz="2200" dirty="0" smtClean="0">
+              <a:rPr lang="ko-KR" altLang="en-US" sz="2200" dirty="0">
                 <a:solidFill>
                   <a:schemeClr val="bg1">
                     <a:lumMod val="75000"/>
@@ -44694,15 +44340,6 @@
               </a:rPr>
               <a:t>직접 쓰기</a:t>
             </a:r>
-            <a:endParaRPr lang="ko-KR" altLang="en-US" sz="2200" dirty="0">
-              <a:solidFill>
-                <a:schemeClr val="bg1">
-                  <a:lumMod val="75000"/>
-                </a:schemeClr>
-              </a:solidFill>
-              <a:latin typeface="Noto Sans KR Medium" panose="020B0200000000000000" pitchFamily="50" charset="-127"/>
-              <a:ea typeface="Noto Sans KR Medium" panose="020B0200000000000000" pitchFamily="50" charset="-127"/>
-            </a:endParaRPr>
           </a:p>
         </p:txBody>
       </p:sp>
@@ -44783,7 +44420,7 @@
           <a:p>
             <a:pPr algn="ctr" defTabSz="1097280"/>
             <a:r>
-              <a:rPr lang="en-US" altLang="ko-KR" sz="1200" b="1" dirty="0" smtClean="0">
+              <a:rPr lang="en-US" altLang="ko-KR" sz="1200" b="1" dirty="0">
                 <a:solidFill>
                   <a:prstClr val="white">
                     <a:lumMod val="95000"/>
@@ -44820,7 +44457,7 @@
 </file>
 
 <file path=ppt/slides/slide8.xml><?xml version="1.0" encoding="utf-8"?>
-<p:sld xmlns:a="http://schemas.openxmlformats.org/drawingml/2006/main" xmlns:r="http://schemas.openxmlformats.org/officeDocument/2006/relationships" xmlns:p="http://schemas.openxmlformats.org/presentationml/2006/main">
+<p:sld xmlns:a="http://schemas.openxmlformats.org/drawingml/2006/main" xmlns:r="http://schemas.openxmlformats.org/officeDocument/2006/relationships" xmlns:p="http://schemas.openxmlformats.org/presentationml/2006/main" show="0">
   <p:cSld>
     <p:spTree>
       <p:nvGrpSpPr>
@@ -44852,23 +44489,23 @@
           <a:lstStyle/>
           <a:p>
             <a:r>
-              <a:rPr lang="en-US" altLang="ko-KR" dirty="0" smtClean="0"/>
+              <a:rPr lang="en-US" altLang="ko-KR" dirty="0"/>
               <a:t>‘</a:t>
             </a:r>
             <a:r>
-              <a:rPr lang="ko-KR" altLang="en-US" dirty="0" smtClean="0"/>
+              <a:rPr lang="ko-KR" altLang="en-US" dirty="0"/>
               <a:t>바람직한 디지털 사회 만들기 캠페인</a:t>
             </a:r>
             <a:r>
-              <a:rPr lang="en-US" altLang="ko-KR" dirty="0" smtClean="0"/>
+              <a:rPr lang="en-US" altLang="ko-KR" dirty="0"/>
               <a:t>’</a:t>
             </a:r>
             <a:r>
-              <a:rPr lang="ko-KR" altLang="en-US" dirty="0" smtClean="0"/>
+              <a:rPr lang="ko-KR" altLang="en-US" dirty="0"/>
               <a:t>을 계획해 봅시다</a:t>
             </a:r>
             <a:r>
-              <a:rPr lang="en-US" altLang="ko-KR" dirty="0" smtClean="0"/>
+              <a:rPr lang="en-US" altLang="ko-KR" dirty="0"/>
               <a:t>.</a:t>
             </a:r>
             <a:endParaRPr lang="ko-KR" altLang="en-US" dirty="0"/>
@@ -44978,15 +44615,15 @@
               <a:buNone/>
             </a:pPr>
             <a:r>
-              <a:rPr lang="en-US" altLang="ko-KR" dirty="0" smtClean="0"/>
+              <a:rPr lang="en-US" altLang="ko-KR" dirty="0"/>
               <a:t>[201_</a:t>
             </a:r>
             <a:r>
-              <a:rPr lang="ko-KR" altLang="en-US" dirty="0" smtClean="0"/>
+              <a:rPr lang="ko-KR" altLang="en-US" dirty="0"/>
               <a:t>예문 노출 화면</a:t>
             </a:r>
             <a:r>
-              <a:rPr lang="en-US" altLang="ko-KR" dirty="0" smtClean="0"/>
+              <a:rPr lang="en-US" altLang="ko-KR" dirty="0"/>
               <a:t>]</a:t>
             </a:r>
           </a:p>
@@ -45023,9 +44660,7 @@
           <p:cNvGraphicFramePr>
             <a:graphicFrameLocks noGrp="1"/>
           </p:cNvGraphicFramePr>
-          <p:nvPr>
-            <p:extLst/>
-          </p:nvPr>
+          <p:nvPr/>
         </p:nvGraphicFramePr>
         <p:xfrm>
           <a:off x="816157" y="1000652"/>
@@ -45077,7 +44712,7 @@
                         <a:defRPr/>
                       </a:pPr>
                       <a:r>
-                        <a:rPr lang="ko-KR" altLang="en-US" sz="2000" b="0" spc="-150" dirty="0" smtClean="0">
+                        <a:rPr lang="ko-KR" altLang="en-US" sz="2000" b="0" spc="-150" dirty="0">
                           <a:solidFill>
                             <a:srgbClr val="A66F57"/>
                           </a:solidFill>
@@ -45087,7 +44722,7 @@
                         <a:t>언제 하는 것이 좋을까요</a:t>
                       </a:r>
                       <a:r>
-                        <a:rPr lang="en-US" altLang="ko-KR" sz="2000" b="0" spc="-150" dirty="0" smtClean="0">
+                        <a:rPr lang="en-US" altLang="ko-KR" sz="2000" b="0" spc="-150" dirty="0">
                           <a:solidFill>
                             <a:srgbClr val="A66F57"/>
                           </a:solidFill>
@@ -45096,7 +44731,7 @@
                         </a:rPr>
                         <a:t>?</a:t>
                       </a:r>
-                      <a:endParaRPr lang="ko-KR" altLang="en-US" sz="2000" b="0" spc="-150" dirty="0" smtClean="0">
+                      <a:endParaRPr lang="ko-KR" altLang="en-US" sz="2000" b="0" spc="-150" dirty="0">
                         <a:solidFill>
                           <a:srgbClr val="A66F57"/>
                         </a:solidFill>
@@ -45157,7 +44792,7 @@
                         <a:buNone/>
                       </a:pPr>
                       <a:r>
-                        <a:rPr lang="ko-KR" altLang="en-US" sz="2200" b="0" spc="-150" dirty="0" smtClean="0">
+                        <a:rPr lang="ko-KR" altLang="en-US" sz="2200" b="0" spc="-150" dirty="0">
                           <a:solidFill>
                             <a:srgbClr val="006EE6"/>
                           </a:solidFill>
@@ -45166,13 +44801,6 @@
                         </a:rPr>
                         <a:t>이번 달 마지막 주 금요일 점심시간</a:t>
                       </a:r>
-                      <a:endParaRPr lang="ko-KR" altLang="en-US" sz="2200" b="0" spc="-150" dirty="0">
-                        <a:solidFill>
-                          <a:srgbClr val="006EE6"/>
-                        </a:solidFill>
-                        <a:latin typeface="Noto Sans KR Medium" panose="020B0200000000000000" pitchFamily="50" charset="-127"/>
-                        <a:ea typeface="Noto Sans KR Medium" panose="020B0200000000000000" pitchFamily="50" charset="-127"/>
-                      </a:endParaRPr>
                     </a:p>
                   </a:txBody>
                   <a:tcPr anchor="ctr">
@@ -45247,7 +44875,7 @@
                         <a:defRPr/>
                       </a:pPr>
                       <a:r>
-                        <a:rPr kumimoji="0" lang="ko-KR" altLang="en-US" sz="2000" b="0" i="0" u="none" strike="noStrike" kern="1200" cap="none" spc="-150" normalizeH="0" baseline="0" noProof="0" dirty="0" smtClean="0">
+                        <a:rPr kumimoji="0" lang="ko-KR" altLang="en-US" sz="2000" b="0" i="0" u="none" strike="noStrike" kern="1200" cap="none" spc="-150" normalizeH="0" baseline="0" noProof="0" dirty="0">
                           <a:ln>
                             <a:noFill/>
                           </a:ln>
@@ -45263,7 +44891,7 @@
                         </a:rPr>
                         <a:t>어디서 해야 많은 사람에게</a:t>
                       </a:r>
-                      <a:endParaRPr kumimoji="0" lang="en-US" altLang="ko-KR" sz="2000" b="0" i="0" u="none" strike="noStrike" kern="1200" cap="none" spc="-150" normalizeH="0" baseline="0" noProof="0" dirty="0" smtClean="0">
+                      <a:endParaRPr kumimoji="0" lang="en-US" altLang="ko-KR" sz="2000" b="0" i="0" u="none" strike="noStrike" kern="1200" cap="none" spc="-150" normalizeH="0" baseline="0" noProof="0" dirty="0">
                         <a:ln>
                           <a:noFill/>
                         </a:ln>
@@ -45297,7 +44925,7 @@
                         <a:defRPr/>
                       </a:pPr>
                       <a:r>
-                        <a:rPr kumimoji="0" lang="ko-KR" altLang="en-US" sz="2000" b="0" i="0" u="none" strike="noStrike" kern="1200" cap="none" spc="-150" normalizeH="0" baseline="0" noProof="0" dirty="0" smtClean="0">
+                        <a:rPr kumimoji="0" lang="ko-KR" altLang="en-US" sz="2000" b="0" i="0" u="none" strike="noStrike" kern="1200" cap="none" spc="-150" normalizeH="0" baseline="0" noProof="0" dirty="0">
                           <a:ln>
                             <a:noFill/>
                           </a:ln>
@@ -45314,7 +44942,7 @@
                         <a:t>알릴 수 있을까요</a:t>
                       </a:r>
                       <a:r>
-                        <a:rPr kumimoji="0" lang="en-US" altLang="ko-KR" sz="2000" b="0" i="0" u="none" strike="noStrike" kern="1200" cap="none" spc="-150" normalizeH="0" baseline="0" noProof="0" dirty="0" smtClean="0">
+                        <a:rPr kumimoji="0" lang="en-US" altLang="ko-KR" sz="2000" b="0" i="0" u="none" strike="noStrike" kern="1200" cap="none" spc="-150" normalizeH="0" baseline="0" noProof="0" dirty="0">
                           <a:ln>
                             <a:noFill/>
                           </a:ln>
@@ -45330,7 +44958,7 @@
                         </a:rPr>
                         <a:t>?</a:t>
                       </a:r>
-                      <a:endParaRPr kumimoji="0" lang="ko-KR" altLang="en-US" sz="2000" b="0" i="0" u="none" strike="noStrike" kern="1200" cap="none" spc="-150" normalizeH="0" baseline="0" noProof="0" dirty="0" smtClean="0">
+                      <a:endParaRPr kumimoji="0" lang="ko-KR" altLang="en-US" sz="2000" b="0" i="0" u="none" strike="noStrike" kern="1200" cap="none" spc="-150" normalizeH="0" baseline="0" noProof="0" dirty="0">
                         <a:ln>
                           <a:noFill/>
                         </a:ln>
@@ -45411,7 +45039,7 @@
                         <a:defRPr/>
                       </a:pPr>
                       <a:r>
-                        <a:rPr lang="ko-KR" altLang="en-US" sz="2200" b="0" spc="-150" dirty="0" err="1" smtClean="0">
+                        <a:rPr lang="ko-KR" altLang="en-US" sz="2200" b="0" spc="-150" dirty="0" err="1">
                           <a:solidFill>
                             <a:srgbClr val="006EE6"/>
                           </a:solidFill>
@@ -45421,7 +45049,7 @@
                         <a:t>급식실</a:t>
                       </a:r>
                       <a:r>
-                        <a:rPr lang="ko-KR" altLang="en-US" sz="2200" b="0" spc="-150" dirty="0" smtClean="0">
+                        <a:rPr lang="ko-KR" altLang="en-US" sz="2200" b="0" spc="-150" dirty="0">
                           <a:solidFill>
                             <a:srgbClr val="006EE6"/>
                           </a:solidFill>
@@ -45430,13 +45058,6 @@
                         </a:rPr>
                         <a:t> 출입문 복도에서</a:t>
                       </a:r>
-                      <a:endParaRPr lang="ko-KR" altLang="en-US" sz="2200" b="0" spc="-150" dirty="0">
-                        <a:solidFill>
-                          <a:srgbClr val="006EE6"/>
-                        </a:solidFill>
-                        <a:latin typeface="Noto Sans KR Medium" panose="020B0200000000000000" pitchFamily="50" charset="-127"/>
-                        <a:ea typeface="Noto Sans KR Medium" panose="020B0200000000000000" pitchFamily="50" charset="-127"/>
-                      </a:endParaRPr>
                     </a:p>
                   </a:txBody>
                   <a:tcPr anchor="ctr">
@@ -45511,7 +45132,7 @@
                         <a:defRPr/>
                       </a:pPr>
                       <a:r>
-                        <a:rPr kumimoji="0" lang="ko-KR" altLang="en-US" sz="2000" b="0" i="0" u="none" strike="noStrike" kern="1200" cap="none" spc="-150" normalizeH="0" baseline="0" noProof="0" dirty="0" smtClean="0">
+                        <a:rPr kumimoji="0" lang="ko-KR" altLang="en-US" sz="2000" b="0" i="0" u="none" strike="noStrike" kern="1200" cap="none" spc="-150" normalizeH="0" baseline="0" noProof="0" dirty="0">
                           <a:ln>
                             <a:noFill/>
                           </a:ln>
@@ -45528,7 +45149,7 @@
                         <a:t>준비물은 무엇일까요</a:t>
                       </a:r>
                       <a:r>
-                        <a:rPr kumimoji="0" lang="en-US" altLang="ko-KR" sz="2000" b="0" i="0" u="none" strike="noStrike" kern="1200" cap="none" spc="-150" normalizeH="0" baseline="0" noProof="0" dirty="0" smtClean="0">
+                        <a:rPr kumimoji="0" lang="en-US" altLang="ko-KR" sz="2000" b="0" i="0" u="none" strike="noStrike" kern="1200" cap="none" spc="-150" normalizeH="0" baseline="0" noProof="0" dirty="0">
                           <a:ln>
                             <a:noFill/>
                           </a:ln>
@@ -45544,7 +45165,7 @@
                         </a:rPr>
                         <a:t>?</a:t>
                       </a:r>
-                      <a:endParaRPr kumimoji="0" lang="ko-KR" altLang="en-US" sz="2000" b="0" i="0" u="none" strike="noStrike" kern="1200" cap="none" spc="-150" normalizeH="0" baseline="0" noProof="0" dirty="0" smtClean="0">
+                      <a:endParaRPr kumimoji="0" lang="ko-KR" altLang="en-US" sz="2000" b="0" i="0" u="none" strike="noStrike" kern="1200" cap="none" spc="-150" normalizeH="0" baseline="0" noProof="0" dirty="0">
                         <a:ln>
                           <a:noFill/>
                         </a:ln>
@@ -45625,7 +45246,7 @@
                         <a:defRPr/>
                       </a:pPr>
                       <a:r>
-                        <a:rPr lang="ko-KR" altLang="en-US" sz="2200" b="0" spc="-150" dirty="0" smtClean="0">
+                        <a:rPr lang="ko-KR" altLang="en-US" sz="2200" b="0" spc="-150" dirty="0">
                           <a:solidFill>
                             <a:srgbClr val="006EE6"/>
                           </a:solidFill>
@@ -45635,7 +45256,7 @@
                         <a:t>우리 </a:t>
                       </a:r>
                       <a:r>
-                        <a:rPr lang="ko-KR" altLang="en-US" sz="2200" b="0" spc="-150" dirty="0" err="1" smtClean="0">
+                        <a:rPr lang="ko-KR" altLang="en-US" sz="2200" b="0" spc="-150" dirty="0" err="1">
                           <a:solidFill>
                             <a:srgbClr val="006EE6"/>
                           </a:solidFill>
@@ -45645,7 +45266,7 @@
                         <a:t>모둠이</a:t>
                       </a:r>
                       <a:r>
-                        <a:rPr lang="ko-KR" altLang="en-US" sz="2200" b="0" spc="-150" dirty="0" smtClean="0">
+                        <a:rPr lang="ko-KR" altLang="en-US" sz="2200" b="0" spc="-150" dirty="0">
                           <a:solidFill>
                             <a:srgbClr val="006EE6"/>
                           </a:solidFill>
@@ -45655,7 +45276,7 @@
                         <a:t> </a:t>
                       </a:r>
                       <a:r>
-                        <a:rPr lang="ko-KR" altLang="en-US" sz="2200" b="0" spc="-150" baseline="0" dirty="0" smtClean="0">
+                        <a:rPr lang="ko-KR" altLang="en-US" sz="2200" b="0" spc="-150" baseline="0" dirty="0">
                           <a:solidFill>
                             <a:srgbClr val="006EE6"/>
                           </a:solidFill>
@@ -45745,7 +45366,7 @@
                         <a:defRPr/>
                       </a:pPr>
                       <a:r>
-                        <a:rPr kumimoji="0" lang="ko-KR" altLang="en-US" sz="2000" b="0" i="0" u="none" strike="noStrike" kern="1200" cap="none" spc="-150" normalizeH="0" baseline="0" noProof="0" dirty="0" smtClean="0">
+                        <a:rPr kumimoji="0" lang="ko-KR" altLang="en-US" sz="2000" b="0" i="0" u="none" strike="noStrike" kern="1200" cap="none" spc="-150" normalizeH="0" baseline="0" noProof="0" dirty="0">
                           <a:ln>
                             <a:noFill/>
                           </a:ln>
@@ -45762,7 +45383,7 @@
                         <a:t>팻말에 어떤 내용을 적을까요</a:t>
                       </a:r>
                       <a:r>
-                        <a:rPr kumimoji="0" lang="en-US" altLang="ko-KR" sz="2000" b="0" i="0" u="none" strike="noStrike" kern="1200" cap="none" spc="-150" normalizeH="0" baseline="0" noProof="0" dirty="0" smtClean="0">
+                        <a:rPr kumimoji="0" lang="en-US" altLang="ko-KR" sz="2000" b="0" i="0" u="none" strike="noStrike" kern="1200" cap="none" spc="-150" normalizeH="0" baseline="0" noProof="0" dirty="0">
                           <a:ln>
                             <a:noFill/>
                           </a:ln>
@@ -45778,7 +45399,7 @@
                         </a:rPr>
                         <a:t>?</a:t>
                       </a:r>
-                      <a:endParaRPr kumimoji="0" lang="ko-KR" altLang="en-US" sz="2000" b="0" i="0" u="none" strike="noStrike" kern="1200" cap="none" spc="-150" normalizeH="0" baseline="0" noProof="0" dirty="0" smtClean="0">
+                      <a:endParaRPr kumimoji="0" lang="ko-KR" altLang="en-US" sz="2000" b="0" i="0" u="none" strike="noStrike" kern="1200" cap="none" spc="-150" normalizeH="0" baseline="0" noProof="0" dirty="0">
                         <a:ln>
                           <a:noFill/>
                         </a:ln>
@@ -45859,7 +45480,7 @@
                         <a:defRPr/>
                       </a:pPr>
                       <a:r>
-                        <a:rPr lang="ko-KR" altLang="en-US" sz="2200" b="0" spc="-150" dirty="0" smtClean="0">
+                        <a:rPr lang="ko-KR" altLang="en-US" sz="2200" b="0" spc="-150" dirty="0">
                           <a:solidFill>
                             <a:srgbClr val="006EE6"/>
                           </a:solidFill>
@@ -45869,7 +45490,7 @@
                         <a:t>디지털 사회에서도 나쁜 말을 쓰지 맙시다</a:t>
                       </a:r>
                       <a:r>
-                        <a:rPr lang="en-US" altLang="ko-KR" sz="2200" b="0" spc="-150" dirty="0" smtClean="0">
+                        <a:rPr lang="en-US" altLang="ko-KR" sz="2200" b="0" spc="-150" dirty="0">
                           <a:solidFill>
                             <a:srgbClr val="006EE6"/>
                           </a:solidFill>
@@ -45959,7 +45580,7 @@
                         <a:defRPr/>
                       </a:pPr>
                       <a:r>
-                        <a:rPr kumimoji="0" lang="ko-KR" altLang="en-US" sz="2000" b="0" i="0" u="none" strike="noStrike" kern="1200" cap="none" spc="-150" normalizeH="0" baseline="0" noProof="0" dirty="0" smtClean="0">
+                        <a:rPr kumimoji="0" lang="ko-KR" altLang="en-US" sz="2000" b="0" i="0" u="none" strike="noStrike" kern="1200" cap="none" spc="-150" normalizeH="0" baseline="0" noProof="0" dirty="0">
                           <a:ln>
                             <a:noFill/>
                           </a:ln>
@@ -45976,7 +45597,7 @@
                         <a:t>팻말은 어떻게 만들까요</a:t>
                       </a:r>
                       <a:r>
-                        <a:rPr kumimoji="0" lang="en-US" altLang="ko-KR" sz="2000" b="0" i="0" u="none" strike="noStrike" kern="1200" cap="none" spc="-150" normalizeH="0" baseline="0" noProof="0" dirty="0" smtClean="0">
+                        <a:rPr kumimoji="0" lang="en-US" altLang="ko-KR" sz="2000" b="0" i="0" u="none" strike="noStrike" kern="1200" cap="none" spc="-150" normalizeH="0" baseline="0" noProof="0" dirty="0">
                           <a:ln>
                             <a:noFill/>
                           </a:ln>
@@ -45992,7 +45613,7 @@
                         </a:rPr>
                         <a:t>?</a:t>
                       </a:r>
-                      <a:endParaRPr kumimoji="0" lang="ko-KR" altLang="en-US" sz="2000" b="0" i="0" u="none" strike="noStrike" kern="1200" cap="none" spc="-150" normalizeH="0" baseline="0" noProof="0" dirty="0" smtClean="0">
+                      <a:endParaRPr kumimoji="0" lang="ko-KR" altLang="en-US" sz="2000" b="0" i="0" u="none" strike="noStrike" kern="1200" cap="none" spc="-150" normalizeH="0" baseline="0" noProof="0" dirty="0">
                         <a:ln>
                           <a:noFill/>
                         </a:ln>
@@ -46073,7 +45694,7 @@
                         <a:defRPr/>
                       </a:pPr>
                       <a:r>
-                        <a:rPr lang="ko-KR" altLang="en-US" sz="2200" b="0" spc="-150" dirty="0" smtClean="0">
+                        <a:rPr lang="ko-KR" altLang="en-US" sz="2200" b="0" spc="-150" dirty="0">
                           <a:solidFill>
                             <a:srgbClr val="006EE6"/>
                           </a:solidFill>
@@ -46082,13 +45703,6 @@
                         </a:rPr>
                         <a:t>쉬는 시간마다 모여서</a:t>
                       </a:r>
-                      <a:endParaRPr lang="ko-KR" altLang="en-US" sz="2200" b="0" spc="-150" dirty="0">
-                        <a:solidFill>
-                          <a:srgbClr val="006EE6"/>
-                        </a:solidFill>
-                        <a:latin typeface="Noto Sans KR Medium" panose="020B0200000000000000" pitchFamily="50" charset="-127"/>
-                        <a:ea typeface="Noto Sans KR Medium" panose="020B0200000000000000" pitchFamily="50" charset="-127"/>
-                      </a:endParaRPr>
                     </a:p>
                   </a:txBody>
                   <a:tcPr anchor="ctr">
@@ -46217,7 +45831,7 @@
 </file>
 
 <file path=ppt/slides/slide9.xml><?xml version="1.0" encoding="utf-8"?>
-<p:sld xmlns:a="http://schemas.openxmlformats.org/drawingml/2006/main" xmlns:r="http://schemas.openxmlformats.org/officeDocument/2006/relationships" xmlns:p="http://schemas.openxmlformats.org/presentationml/2006/main">
+<p:sld xmlns:a="http://schemas.openxmlformats.org/drawingml/2006/main" xmlns:r="http://schemas.openxmlformats.org/officeDocument/2006/relationships" xmlns:p="http://schemas.openxmlformats.org/presentationml/2006/main" show="0">
   <p:cSld>
     <p:spTree>
       <p:nvGrpSpPr>
@@ -46249,19 +45863,19 @@
           <a:lstStyle/>
           <a:p>
             <a:r>
-              <a:rPr lang="ko-KR" altLang="en-US" dirty="0" smtClean="0"/>
+              <a:rPr lang="ko-KR" altLang="en-US" dirty="0"/>
               <a:t>우리 </a:t>
             </a:r>
             <a:r>
-              <a:rPr lang="ko-KR" altLang="en-US" dirty="0" err="1" smtClean="0"/>
+              <a:rPr lang="ko-KR" altLang="en-US" dirty="0" err="1"/>
               <a:t>모둠의</a:t>
             </a:r>
             <a:r>
-              <a:rPr lang="ko-KR" altLang="en-US" dirty="0" smtClean="0"/>
+              <a:rPr lang="ko-KR" altLang="en-US" dirty="0"/>
               <a:t> 계획을 평가해 보고 캠페인 활동을 해 봅시다</a:t>
             </a:r>
             <a:r>
-              <a:rPr lang="en-US" altLang="ko-KR" dirty="0" smtClean="0"/>
+              <a:rPr lang="en-US" altLang="ko-KR" dirty="0"/>
               <a:t>.</a:t>
             </a:r>
             <a:endParaRPr lang="ko-KR" altLang="en-US" dirty="0"/>
@@ -46284,7 +45898,7 @@
           <a:lstStyle/>
           <a:p>
             <a:r>
-              <a:rPr lang="ko-KR" altLang="en-US" dirty="0" smtClean="0">
+              <a:rPr lang="ko-KR" altLang="en-US" dirty="0">
                 <a:solidFill>
                   <a:srgbClr val="FF6600"/>
                 </a:solidFill>
@@ -46292,18 +45906,13 @@
               <a:t>물음</a:t>
             </a:r>
             <a:r>
-              <a:rPr lang="en-US" altLang="ko-KR" dirty="0" smtClean="0"/>
+              <a:rPr lang="en-US" altLang="ko-KR" dirty="0"/>
               <a:t>/</a:t>
             </a:r>
             <a:r>
               <a:rPr lang="ko-KR" altLang="en-US" dirty="0"/>
-              <a:t>자기 </a:t>
-            </a:r>
-            <a:r>
-              <a:rPr lang="ko-KR" altLang="en-US" dirty="0" smtClean="0"/>
-              <a:t>점검</a:t>
-            </a:r>
-            <a:endParaRPr lang="ko-KR" altLang="en-US" dirty="0"/>
+              <a:t>자기 점검</a:t>
+            </a:r>
           </a:p>
         </p:txBody>
       </p:sp>
@@ -46390,39 +45999,39 @@
               <a:buNone/>
             </a:pPr>
             <a:r>
-              <a:rPr lang="en-US" altLang="ko-KR" dirty="0" smtClean="0"/>
+              <a:rPr lang="en-US" altLang="ko-KR" dirty="0"/>
               <a:t>[301_</a:t>
             </a:r>
             <a:r>
-              <a:rPr lang="ko-KR" altLang="en-US" dirty="0" smtClean="0"/>
+              <a:rPr lang="ko-KR" altLang="en-US" dirty="0"/>
               <a:t>물음 탭</a:t>
             </a:r>
             <a:r>
-              <a:rPr lang="en-US" altLang="ko-KR" dirty="0" smtClean="0"/>
+              <a:rPr lang="en-US" altLang="ko-KR" dirty="0"/>
               <a:t>]</a:t>
             </a:r>
           </a:p>
           <a:p>
             <a:r>
-              <a:rPr lang="ko-KR" altLang="en-US" dirty="0" err="1" smtClean="0"/>
+              <a:rPr lang="ko-KR" altLang="en-US" dirty="0" err="1"/>
               <a:t>블릿</a:t>
             </a:r>
             <a:r>
-              <a:rPr lang="en-US" altLang="ko-KR" dirty="0" smtClean="0"/>
+              <a:rPr lang="en-US" altLang="ko-KR" dirty="0"/>
               <a:t>+</a:t>
             </a:r>
             <a:r>
-              <a:rPr lang="ko-KR" altLang="en-US" dirty="0" smtClean="0"/>
+              <a:rPr lang="ko-KR" altLang="en-US" dirty="0"/>
               <a:t>고정 텍스트</a:t>
             </a:r>
-            <a:endParaRPr lang="en-US" altLang="ko-KR" dirty="0" smtClean="0"/>
+            <a:endParaRPr lang="en-US" altLang="ko-KR" dirty="0"/>
           </a:p>
           <a:p>
             <a:r>
-              <a:rPr lang="ko-KR" altLang="en-US" dirty="0" smtClean="0"/>
+              <a:rPr lang="ko-KR" altLang="en-US" dirty="0"/>
               <a:t>텍스트 박스</a:t>
             </a:r>
-            <a:endParaRPr lang="en-US" altLang="ko-KR" dirty="0" smtClean="0"/>
+            <a:endParaRPr lang="en-US" altLang="ko-KR" dirty="0"/>
           </a:p>
           <a:p>
             <a:pPr marL="171450" indent="-171450">
@@ -46430,10 +46039,10 @@
               <a:buChar char="-"/>
             </a:pPr>
             <a:r>
-              <a:rPr lang="ko-KR" altLang="en-US" dirty="0" smtClean="0"/>
+              <a:rPr lang="ko-KR" altLang="en-US" dirty="0"/>
               <a:t>직접 쓰기 텍스트 입력 가능</a:t>
             </a:r>
-            <a:endParaRPr lang="en-US" altLang="ko-KR" dirty="0" smtClean="0"/>
+            <a:endParaRPr lang="en-US" altLang="ko-KR" dirty="0"/>
           </a:p>
           <a:p>
             <a:pPr marL="171450" indent="-171450">
@@ -46441,28 +46050,28 @@
               <a:buChar char="-"/>
             </a:pPr>
             <a:r>
-              <a:rPr lang="ko-KR" altLang="en-US" dirty="0" smtClean="0"/>
+              <a:rPr lang="ko-KR" altLang="en-US" dirty="0"/>
               <a:t>다시 하기 버튼 클릭 시</a:t>
             </a:r>
             <a:r>
-              <a:rPr lang="en-US" altLang="ko-KR" dirty="0" smtClean="0"/>
+              <a:rPr lang="en-US" altLang="ko-KR" dirty="0"/>
               <a:t>, </a:t>
             </a:r>
             <a:r>
-              <a:rPr lang="ko-KR" altLang="en-US" dirty="0" smtClean="0"/>
+              <a:rPr lang="ko-KR" altLang="en-US" dirty="0"/>
               <a:t>텍스트 사라지고 다시 쓸 수 있음</a:t>
             </a:r>
-            <a:endParaRPr lang="en-US" altLang="ko-KR" dirty="0" smtClean="0"/>
+            <a:endParaRPr lang="en-US" altLang="ko-KR" dirty="0"/>
           </a:p>
           <a:p>
             <a:pPr>
               <a:buAutoNum type="arabicPeriod" startAt="3"/>
             </a:pPr>
             <a:r>
-              <a:rPr lang="ko-KR" altLang="en-US" dirty="0" smtClean="0"/>
+              <a:rPr lang="ko-KR" altLang="en-US" dirty="0"/>
               <a:t>다시 하기 버튼</a:t>
             </a:r>
-            <a:endParaRPr lang="en-US" altLang="ko-KR" dirty="0" smtClean="0"/>
+            <a:endParaRPr lang="en-US" altLang="ko-KR" dirty="0"/>
           </a:p>
           <a:p>
             <a:pPr marL="171450" indent="-171450">
@@ -46470,10 +46079,10 @@
               <a:buChar char="-"/>
             </a:pPr>
             <a:r>
-              <a:rPr lang="ko-KR" altLang="en-US" dirty="0" smtClean="0"/>
+              <a:rPr lang="ko-KR" altLang="en-US" dirty="0"/>
               <a:t>버튼 클릭 시 텍스트 박스 내 텍스트 모두 삭제되고 다시 직접 쓰기 가능</a:t>
             </a:r>
-            <a:endParaRPr lang="en-US" altLang="ko-KR" dirty="0" smtClean="0"/>
+            <a:endParaRPr lang="en-US" altLang="ko-KR" dirty="0"/>
           </a:p>
         </p:txBody>
       </p:sp>
@@ -46564,21 +46173,21 @@
             <a:p>
               <a:pPr algn="just"/>
               <a:r>
-                <a:rPr lang="ko-KR" altLang="en-US" sz="2500" spc="-150" dirty="0" smtClean="0">
+                <a:rPr lang="ko-KR" altLang="en-US" sz="2500" spc="-150" dirty="0">
                   <a:latin typeface="Noto Sans KR Medium" panose="020B0200000000000000" pitchFamily="50" charset="-127"/>
                   <a:ea typeface="Noto Sans KR Medium" panose="020B0200000000000000" pitchFamily="50" charset="-127"/>
                 </a:rPr>
                 <a:t>실제로 실천할 수 있는 계획을 </a:t>
               </a:r>
               <a:r>
-                <a:rPr lang="ko-KR" altLang="en-US" sz="2500" spc="-150" dirty="0" err="1" smtClean="0">
+                <a:rPr lang="ko-KR" altLang="en-US" sz="2500" spc="-150" dirty="0" err="1">
                   <a:latin typeface="Noto Sans KR Medium" panose="020B0200000000000000" pitchFamily="50" charset="-127"/>
                   <a:ea typeface="Noto Sans KR Medium" panose="020B0200000000000000" pitchFamily="50" charset="-127"/>
                 </a:rPr>
                 <a:t>세웠나요</a:t>
               </a:r>
               <a:r>
-                <a:rPr lang="en-US" altLang="ko-KR" sz="2500" spc="-150" dirty="0" smtClean="0">
+                <a:rPr lang="en-US" altLang="ko-KR" sz="2500" spc="-150" dirty="0">
                   <a:latin typeface="Noto Sans KR Medium" panose="020B0200000000000000" pitchFamily="50" charset="-127"/>
                   <a:ea typeface="Noto Sans KR Medium" panose="020B0200000000000000" pitchFamily="50" charset="-127"/>
                 </a:rPr>
@@ -46660,14 +46269,14 @@
             <a:p>
               <a:pPr algn="just"/>
               <a:r>
-                <a:rPr lang="ko-KR" altLang="en-US" sz="2500" spc="-150" dirty="0" smtClean="0">
+                <a:rPr lang="ko-KR" altLang="en-US" sz="2500" spc="-150" dirty="0">
                   <a:latin typeface="Noto Sans KR Medium" panose="020B0200000000000000" pitchFamily="50" charset="-127"/>
                   <a:ea typeface="Noto Sans KR Medium" panose="020B0200000000000000" pitchFamily="50" charset="-127"/>
                 </a:rPr>
                 <a:t>계획을 세우면서 어떤 생각을 했나요</a:t>
               </a:r>
               <a:r>
-                <a:rPr lang="en-US" altLang="ko-KR" sz="2500" spc="-150" dirty="0" smtClean="0">
+                <a:rPr lang="en-US" altLang="ko-KR" sz="2500" spc="-150" dirty="0">
                   <a:latin typeface="Noto Sans KR Medium" panose="020B0200000000000000" pitchFamily="50" charset="-127"/>
                   <a:ea typeface="Noto Sans KR Medium" panose="020B0200000000000000" pitchFamily="50" charset="-127"/>
                 </a:rPr>
@@ -46794,7 +46403,7 @@
             <a:lstStyle/>
             <a:p>
               <a:r>
-                <a:rPr lang="ko-KR" altLang="en-US" sz="950" dirty="0" smtClean="0">
+                <a:rPr lang="ko-KR" altLang="en-US" sz="950" dirty="0">
                   <a:solidFill>
                     <a:schemeClr val="bg1"/>
                   </a:solidFill>
@@ -46803,13 +46412,6 @@
                 </a:rPr>
                 <a:t>다시 하기</a:t>
               </a:r>
-              <a:endParaRPr lang="ko-KR" altLang="en-US" sz="950" dirty="0">
-                <a:solidFill>
-                  <a:schemeClr val="bg1"/>
-                </a:solidFill>
-                <a:latin typeface="여기어때 잘난체" panose="020B0600000101010101" pitchFamily="50" charset="-127"/>
-                <a:ea typeface="여기어때 잘난체" panose="020B0600000101010101" pitchFamily="50" charset="-127"/>
-              </a:endParaRPr>
             </a:p>
           </p:txBody>
         </p:sp>
@@ -46882,14 +46484,14 @@
             <a:p>
               <a:pPr algn="just"/>
               <a:r>
-                <a:rPr lang="ko-KR" altLang="en-US" sz="2500" dirty="0" smtClean="0">
+                <a:rPr lang="ko-KR" altLang="en-US" sz="2500" dirty="0">
                   <a:latin typeface="Noto Sans KR Medium" panose="020B0200000000000000" pitchFamily="50" charset="-127"/>
                   <a:ea typeface="Noto Sans KR Medium" panose="020B0200000000000000" pitchFamily="50" charset="-127"/>
                 </a:rPr>
                 <a:t>계획한 캠페인 활동을 실천해 봅시다</a:t>
               </a:r>
               <a:r>
-                <a:rPr lang="en-US" altLang="ko-KR" sz="2500" dirty="0" smtClean="0">
+                <a:rPr lang="en-US" altLang="ko-KR" sz="2500" dirty="0">
                   <a:latin typeface="Noto Sans KR Medium" panose="020B0200000000000000" pitchFamily="50" charset="-127"/>
                   <a:ea typeface="Noto Sans KR Medium" panose="020B0200000000000000" pitchFamily="50" charset="-127"/>
                 </a:rPr>
@@ -46930,7 +46532,7 @@
           <a:p>
             <a:pPr algn="ctr" defTabSz="1097280"/>
             <a:r>
-              <a:rPr lang="en-US" altLang="ko-KR" sz="1200" b="1" dirty="0" smtClean="0">
+              <a:rPr lang="en-US" altLang="ko-KR" sz="1200" b="1" dirty="0">
                 <a:solidFill>
                   <a:prstClr val="white">
                     <a:lumMod val="95000"/>
@@ -47039,7 +46641,7 @@
           <a:lstStyle/>
           <a:p>
             <a:r>
-              <a:rPr lang="ko-KR" altLang="en-US" sz="2300" dirty="0" smtClean="0">
+              <a:rPr lang="ko-KR" altLang="en-US" sz="2300" dirty="0">
                 <a:solidFill>
                   <a:schemeClr val="bg1">
                     <a:lumMod val="75000"/>
@@ -47048,13 +46650,6 @@
               </a:rPr>
               <a:t>직접 쓰기</a:t>
             </a:r>
-            <a:endParaRPr lang="ko-KR" altLang="en-US" sz="2300" dirty="0">
-              <a:solidFill>
-                <a:schemeClr val="bg1">
-                  <a:lumMod val="75000"/>
-                </a:schemeClr>
-              </a:solidFill>
-            </a:endParaRPr>
           </a:p>
         </p:txBody>
       </p:sp>
@@ -47144,7 +46739,7 @@
           <a:lstStyle/>
           <a:p>
             <a:r>
-              <a:rPr lang="ko-KR" altLang="en-US" sz="2300" dirty="0" smtClean="0">
+              <a:rPr lang="ko-KR" altLang="en-US" sz="2300" dirty="0">
                 <a:solidFill>
                   <a:schemeClr val="bg1">
                     <a:lumMod val="75000"/>
@@ -47153,13 +46748,6 @@
               </a:rPr>
               <a:t>직접 쓰기</a:t>
             </a:r>
-            <a:endParaRPr lang="ko-KR" altLang="en-US" sz="2300" dirty="0">
-              <a:solidFill>
-                <a:schemeClr val="bg1">
-                  <a:lumMod val="75000"/>
-                </a:schemeClr>
-              </a:solidFill>
-            </a:endParaRPr>
           </a:p>
         </p:txBody>
       </p:sp>
@@ -47190,7 +46778,7 @@
           <a:p>
             <a:pPr algn="ctr" defTabSz="1097280"/>
             <a:r>
-              <a:rPr lang="en-US" altLang="ko-KR" sz="1200" b="1" dirty="0" smtClean="0">
+              <a:rPr lang="en-US" altLang="ko-KR" sz="1200" b="1" dirty="0">
                 <a:solidFill>
                   <a:prstClr val="white">
                     <a:lumMod val="95000"/>
@@ -47240,7 +46828,7 @@
           <a:p>
             <a:pPr algn="ctr" defTabSz="1097280"/>
             <a:r>
-              <a:rPr lang="en-US" altLang="ko-KR" sz="1200" b="1" dirty="0" smtClean="0">
+              <a:rPr lang="en-US" altLang="ko-KR" sz="1200" b="1" dirty="0">
                 <a:solidFill>
                   <a:prstClr val="white">
                     <a:lumMod val="95000"/>
